--- a/contents/2018-11-14-杜秀秀/maptalks使用基础.pptx
+++ b/contents/2018-11-14-杜秀秀/maptalks使用基础.pptx
@@ -2828,7 +2828,11 @@
               <a:rPr lang="en-US" altLang="zh-CN"/>
               <a:t>view</a:t>
             </a:r>
-            <a:endParaRPr lang="en-US" altLang="zh-CN"/>
+            <a:r>
+              <a:rPr lang="zh-CN" altLang="en-US"/>
+              <a:t>参数说明</a:t>
+            </a:r>
+            <a:endParaRPr lang="zh-CN" altLang="en-US"/>
           </a:p>
         </p:txBody>
       </p:sp>

--- a/contents/2018-11-14-杜秀秀/maptalks使用基础.pptx
+++ b/contents/2018-11-14-杜秀秀/maptalks使用基础.pptx
@@ -5,26 +5,29 @@
     <p:sldMasterId id="2147483648" r:id="rId1"/>
   </p:sldMasterIdLst>
   <p:notesMasterIdLst>
-    <p:notesMasterId r:id="rId20"/>
+    <p:notesMasterId r:id="rId23"/>
   </p:notesMasterIdLst>
   <p:sldIdLst>
     <p:sldId id="256" r:id="rId3"/>
     <p:sldId id="257" r:id="rId4"/>
     <p:sldId id="280" r:id="rId5"/>
     <p:sldId id="295" r:id="rId6"/>
-    <p:sldId id="258" r:id="rId7"/>
-    <p:sldId id="261" r:id="rId8"/>
-    <p:sldId id="260" r:id="rId9"/>
-    <p:sldId id="270" r:id="rId10"/>
-    <p:sldId id="262" r:id="rId11"/>
-    <p:sldId id="263" r:id="rId12"/>
-    <p:sldId id="264" r:id="rId13"/>
-    <p:sldId id="265" r:id="rId14"/>
-    <p:sldId id="267" r:id="rId15"/>
-    <p:sldId id="268" r:id="rId16"/>
-    <p:sldId id="266" r:id="rId17"/>
-    <p:sldId id="269" r:id="rId18"/>
-    <p:sldId id="271" r:id="rId19"/>
+    <p:sldId id="309" r:id="rId7"/>
+    <p:sldId id="310" r:id="rId8"/>
+    <p:sldId id="258" r:id="rId9"/>
+    <p:sldId id="261" r:id="rId10"/>
+    <p:sldId id="260" r:id="rId11"/>
+    <p:sldId id="270" r:id="rId12"/>
+    <p:sldId id="262" r:id="rId13"/>
+    <p:sldId id="263" r:id="rId14"/>
+    <p:sldId id="264" r:id="rId15"/>
+    <p:sldId id="265" r:id="rId16"/>
+    <p:sldId id="267" r:id="rId17"/>
+    <p:sldId id="268" r:id="rId18"/>
+    <p:sldId id="266" r:id="rId19"/>
+    <p:sldId id="324" r:id="rId20"/>
+    <p:sldId id="269" r:id="rId21"/>
+    <p:sldId id="271" r:id="rId22"/>
   </p:sldIdLst>
   <p:sldSz cx="12192000" cy="6858000"/>
   <p:notesSz cx="6858000" cy="9144000"/>
@@ -1768,7 +1771,7 @@
             </a:r>
             <a:r>
               <a:rPr lang="zh-CN" altLang="en-US"/>
-              <a:t>介绍与基于</a:t>
+              <a:t>介绍和基于</a:t>
             </a:r>
             <a:r>
               <a:rPr lang="en-US" altLang="zh-CN"/>
@@ -1784,7 +1787,7 @@
             </a:r>
             <a:r>
               <a:rPr lang="zh-CN" altLang="en-US"/>
-              <a:t>项目集成和使用</a:t>
+              <a:t>项目的集成、使用</a:t>
             </a:r>
             <a:endParaRPr lang="zh-CN" altLang="en-US"/>
           </a:p>
@@ -1899,10 +1902,10 @@
           </a:bodyPr>
           <a:p>
             <a:r>
-              <a:rPr lang="en-US" altLang="zh-CN"/>
-              <a:t>TileLayer</a:t>
-            </a:r>
-            <a:endParaRPr lang="en-US" altLang="zh-CN"/>
+              <a:rPr lang="zh-CN" altLang="en-US"/>
+              <a:t>基础功能</a:t>
+            </a:r>
+            <a:endParaRPr lang="zh-CN" altLang="en-US"/>
           </a:p>
         </p:txBody>
       </p:sp>
@@ -1920,92 +1923,64 @@
         <p:txBody>
           <a:bodyPr/>
           <a:p>
-            <a:pPr marL="0" indent="0">
-              <a:buNone/>
-            </a:pPr>
-            <a:r>
-              <a:t>与切片服务加载关系最密切的就是瓦片矩阵的编号规则和瓦片原点不一样，只有按照对应的举矩阵规则才能正确加载对应类别的切片服务，比如</a:t>
-            </a:r>
-            <a:r>
-              <a:rPr lang="en-US" altLang="zh-CN"/>
-              <a:t>maptalks</a:t>
-            </a:r>
-            <a:r>
-              <a:t>的</a:t>
-            </a:r>
-            <a:r>
-              <a:rPr lang="en-US" altLang="zh-CN"/>
-              <a:t>API</a:t>
-            </a:r>
-            <a:r>
-              <a:t>中可以看到一个名为</a:t>
-            </a:r>
-            <a:r>
-              <a:rPr lang="en-US" altLang="zh-CN"/>
-              <a:t>WMSTileLayer</a:t>
-            </a:r>
-            <a:r>
-              <a:t>的类，它就是用于加载</a:t>
-            </a:r>
-            <a:r>
-              <a:rPr lang="en-US" altLang="zh-CN"/>
-              <a:t>WMS</a:t>
-            </a:r>
-            <a:r>
-              <a:t>切片服务的，但是除了</a:t>
-            </a:r>
-            <a:r>
-              <a:rPr lang="en-US" altLang="zh-CN"/>
-              <a:t>WMS</a:t>
-            </a:r>
-            <a:r>
-              <a:t>切片服务还有其他类型的切片，比如常见的</a:t>
-            </a:r>
-            <a:r>
-              <a:rPr lang="en-US" altLang="zh-CN"/>
-              <a:t>Arcgis</a:t>
-            </a:r>
-            <a:r>
-              <a:t>的切片服务等，这是涉及到</a:t>
-            </a:r>
-            <a:r>
-              <a:rPr lang="en-US" altLang="zh-CN"/>
-              <a:t>maptalks</a:t>
-            </a:r>
-            <a:r>
-              <a:t>提供的</a:t>
-            </a:r>
-            <a:r>
-              <a:rPr lang="en-US" altLang="zh-CN"/>
-              <a:t>TileSystem(</a:t>
-            </a:r>
-            <a:r>
-              <a:t>切片系统</a:t>
-            </a:r>
-            <a:r>
-              <a:rPr lang="en-US" altLang="zh-CN"/>
-              <a:t>)</a:t>
-            </a:r>
-            <a:r>
-              <a:t>了，</a:t>
-            </a:r>
-            <a:r>
-              <a:rPr>
-                <a:sym typeface="+mn-ea"/>
-              </a:rPr>
-              <a:t>TileSystem在这里就是用来来描述瓦片服务的瓦片原点和瓦片编号规则.</a:t>
-            </a:r>
-            <a:endParaRPr lang="zh-CN" altLang="en-US"/>
-          </a:p>
-          <a:p>
-            <a:pPr marL="0" indent="0">
-              <a:buNone/>
-            </a:pPr>
-          </a:p>
-          <a:p>
-            <a:pPr marL="0" indent="0">
-              <a:buNone/>
-            </a:pPr>
+            <a:r>
+              <a:rPr lang="zh-CN" altLang="en-US"/>
+              <a:t>放大</a:t>
+            </a:r>
+            <a:endParaRPr lang="zh-CN" altLang="en-US"/>
+          </a:p>
+          <a:p>
+            <a:r>
+              <a:rPr lang="zh-CN" altLang="en-US"/>
+              <a:t>缩小</a:t>
+            </a:r>
+            <a:endParaRPr lang="zh-CN" altLang="en-US"/>
+          </a:p>
+          <a:p>
+            <a:r>
+              <a:rPr lang="zh-CN" altLang="en-US"/>
+              <a:t>全图</a:t>
+            </a:r>
+            <a:endParaRPr lang="zh-CN" altLang="en-US"/>
+          </a:p>
+          <a:p>
+            <a:r>
+              <a:rPr lang="zh-CN" altLang="en-US"/>
+              <a:t>测量</a:t>
+            </a:r>
+            <a:endParaRPr lang="zh-CN" altLang="en-US"/>
+          </a:p>
+          <a:p>
+            <a:pPr lvl="1"/>
+            <a:r>
+              <a:rPr lang="zh-CN" altLang="en-US"/>
+              <a:t>http://maptalks.org/maptalks.js/api/0.x/DistanceTool.html</a:t>
+            </a:r>
+            <a:endParaRPr lang="zh-CN" altLang="en-US"/>
+          </a:p>
+          <a:p>
+            <a:pPr lvl="1"/>
+            <a:r>
+              <a:rPr lang="zh-CN" altLang="en-US"/>
+              <a:t>http://maptalks.org/examples/en/interaction/distance-tool/#interaction_distance-tool</a:t>
+            </a:r>
+            <a:endParaRPr lang="zh-CN" altLang="en-US"/>
+          </a:p>
+          <a:p>
+            <a:pPr lvl="1"/>
+            <a:r>
+              <a:rPr lang="zh-CN" altLang="en-US"/>
+              <a:t>http://maptalks.org/maptalks.js/api/0.x/AreaTool.html</a:t>
+            </a:r>
+            <a:endParaRPr lang="zh-CN" altLang="en-US"/>
+          </a:p>
+          <a:p>
+            <a:pPr lvl="1"/>
+            <a:r>
+              <a:rPr lang="zh-CN" altLang="en-US"/>
+              <a:t>http://maptalks.org/examples/en/interaction/area-tool/#interaction_area-tool</a:t>
+            </a:r>
+            <a:endParaRPr lang="zh-CN" altLang="en-US"/>
           </a:p>
         </p:txBody>
       </p:sp>
@@ -2040,6 +2015,358 @@
 </file>
 
 <file path=ppt/slides/slide11.xml><?xml version="1.0" encoding="utf-8"?>
+<p:sld xmlns:a="http://schemas.openxmlformats.org/drawingml/2006/main" xmlns:r="http://schemas.openxmlformats.org/officeDocument/2006/relationships" xmlns:p="http://schemas.openxmlformats.org/presentationml/2006/main">
+  <p:cSld>
+    <p:spTree>
+      <p:nvGrpSpPr>
+        <p:cNvPr id="1" name=""/>
+        <p:cNvGrpSpPr/>
+        <p:nvPr/>
+      </p:nvGrpSpPr>
+      <p:grpSpPr/>
+      <p:sp>
+        <p:nvSpPr>
+          <p:cNvPr id="3" name="标题 2"/>
+          <p:cNvSpPr>
+            <a:spLocks noGrp="1"/>
+          </p:cNvSpPr>
+          <p:nvPr>
+            <p:ph type="title"/>
+          </p:nvPr>
+        </p:nvSpPr>
+        <p:spPr/>
+        <p:txBody>
+          <a:bodyPr>
+            <a:normAutofit fontScale="90000"/>
+          </a:bodyPr>
+          <a:p>
+            <a:r>
+              <a:rPr lang="en-US" altLang="zh-CN"/>
+              <a:t>maptalks</a:t>
+            </a:r>
+            <a:r>
+              <a:rPr lang="zh-CN" altLang="en-US"/>
+              <a:t>使用</a:t>
+            </a:r>
+            <a:endParaRPr lang="zh-CN" altLang="en-US"/>
+          </a:p>
+        </p:txBody>
+      </p:sp>
+      <p:sp>
+        <p:nvSpPr>
+          <p:cNvPr id="4" name="文本占位符 3"/>
+          <p:cNvSpPr>
+            <a:spLocks noGrp="1"/>
+          </p:cNvSpPr>
+          <p:nvPr>
+            <p:ph type="body" sz="quarter" idx="11"/>
+          </p:nvPr>
+        </p:nvSpPr>
+        <p:spPr/>
+        <p:txBody>
+          <a:bodyPr>
+            <a:normAutofit fontScale="70000"/>
+          </a:bodyPr>
+          <a:p>
+            <a:r>
+              <a:rPr lang="en-US" altLang="zh-CN"/>
+              <a:t>TileLayer</a:t>
+            </a:r>
+            <a:endParaRPr lang="en-US" altLang="zh-CN"/>
+          </a:p>
+        </p:txBody>
+      </p:sp>
+      <p:sp>
+        <p:nvSpPr>
+          <p:cNvPr id="5" name="内容占位符 4"/>
+          <p:cNvSpPr>
+            <a:spLocks noGrp="1"/>
+          </p:cNvSpPr>
+          <p:nvPr>
+            <p:ph sz="quarter" idx="10"/>
+          </p:nvPr>
+        </p:nvSpPr>
+        <p:spPr/>
+        <p:txBody>
+          <a:bodyPr/>
+          <a:p>
+            <a:r>
+              <a:rPr lang="en-US" altLang="zh-CN"/>
+              <a:t>TileLayer</a:t>
+            </a:r>
+            <a:r>
+              <a:t>是</a:t>
+            </a:r>
+            <a:r>
+              <a:rPr lang="en-US" altLang="zh-CN"/>
+              <a:t>maptalks</a:t>
+            </a:r>
+            <a:r>
+              <a:t>提供的一个用于加载瓦片服务的接口，</a:t>
+            </a:r>
+          </a:p>
+          <a:p>
+            <a:r>
+              <a:t>什么是瓦片服务？</a:t>
+            </a:r>
+          </a:p>
+          <a:p>
+            <a:pPr marL="0" indent="0">
+              <a:buNone/>
+            </a:pPr>
+          </a:p>
+        </p:txBody>
+      </p:sp>
+      <p:sp>
+        <p:nvSpPr>
+          <p:cNvPr id="2" name="页脚占位符 1"/>
+          <p:cNvSpPr>
+            <a:spLocks noGrp="1"/>
+          </p:cNvSpPr>
+          <p:nvPr>
+            <p:ph type="ftr" sz="quarter" idx="12"/>
+          </p:nvPr>
+        </p:nvSpPr>
+        <p:spPr/>
+        <p:txBody>
+          <a:bodyPr/>
+          <a:p>
+            <a:r>
+              <a:rPr lang="en-US" altLang="zh-CN" smtClean="0"/>
+              <a:t>@AndOrLab</a:t>
+            </a:r>
+            <a:endParaRPr lang="zh-CN" altLang="en-US"/>
+          </a:p>
+        </p:txBody>
+      </p:sp>
+      <p:pic>
+        <p:nvPicPr>
+          <p:cNvPr id="6" name="图片 5"/>
+          <p:cNvPicPr>
+            <a:picLocks noChangeAspect="1"/>
+          </p:cNvPicPr>
+          <p:nvPr/>
+        </p:nvPicPr>
+        <p:blipFill>
+          <a:blip r:embed="rId1"/>
+          <a:stretch>
+            <a:fillRect/>
+          </a:stretch>
+        </p:blipFill>
+        <p:spPr>
+          <a:xfrm>
+            <a:off x="600710" y="2324100"/>
+            <a:ext cx="4589145" cy="3973830"/>
+          </a:xfrm>
+          <a:prstGeom prst="rect">
+            <a:avLst/>
+          </a:prstGeom>
+        </p:spPr>
+      </p:pic>
+    </p:spTree>
+  </p:cSld>
+  <p:clrMapOvr>
+    <a:masterClrMapping/>
+  </p:clrMapOvr>
+</p:sld>
+</file>
+
+<file path=ppt/slides/slide12.xml><?xml version="1.0" encoding="utf-8"?>
+<p:sld xmlns:a="http://schemas.openxmlformats.org/drawingml/2006/main" xmlns:r="http://schemas.openxmlformats.org/officeDocument/2006/relationships" xmlns:p="http://schemas.openxmlformats.org/presentationml/2006/main">
+  <p:cSld>
+    <p:spTree>
+      <p:nvGrpSpPr>
+        <p:cNvPr id="1" name=""/>
+        <p:cNvGrpSpPr/>
+        <p:nvPr/>
+      </p:nvGrpSpPr>
+      <p:grpSpPr/>
+      <p:sp>
+        <p:nvSpPr>
+          <p:cNvPr id="3" name="标题 2"/>
+          <p:cNvSpPr>
+            <a:spLocks noGrp="1"/>
+          </p:cNvSpPr>
+          <p:nvPr>
+            <p:ph type="title"/>
+          </p:nvPr>
+        </p:nvSpPr>
+        <p:spPr/>
+        <p:txBody>
+          <a:bodyPr>
+            <a:normAutofit fontScale="90000"/>
+          </a:bodyPr>
+          <a:p>
+            <a:r>
+              <a:rPr lang="en-US" altLang="zh-CN"/>
+              <a:t>maptalks</a:t>
+            </a:r>
+            <a:r>
+              <a:rPr lang="zh-CN" altLang="en-US"/>
+              <a:t>使用</a:t>
+            </a:r>
+            <a:endParaRPr lang="zh-CN" altLang="en-US"/>
+          </a:p>
+        </p:txBody>
+      </p:sp>
+      <p:sp>
+        <p:nvSpPr>
+          <p:cNvPr id="4" name="文本占位符 3"/>
+          <p:cNvSpPr>
+            <a:spLocks noGrp="1"/>
+          </p:cNvSpPr>
+          <p:nvPr>
+            <p:ph type="body" sz="quarter" idx="11"/>
+          </p:nvPr>
+        </p:nvSpPr>
+        <p:spPr/>
+        <p:txBody>
+          <a:bodyPr>
+            <a:normAutofit fontScale="70000"/>
+          </a:bodyPr>
+          <a:p>
+            <a:r>
+              <a:rPr lang="en-US" altLang="zh-CN"/>
+              <a:t>TileLayer</a:t>
+            </a:r>
+            <a:endParaRPr lang="en-US" altLang="zh-CN"/>
+          </a:p>
+        </p:txBody>
+      </p:sp>
+      <p:sp>
+        <p:nvSpPr>
+          <p:cNvPr id="5" name="内容占位符 4"/>
+          <p:cNvSpPr>
+            <a:spLocks noGrp="1"/>
+          </p:cNvSpPr>
+          <p:nvPr>
+            <p:ph sz="quarter" idx="10"/>
+          </p:nvPr>
+        </p:nvSpPr>
+        <p:spPr/>
+        <p:txBody>
+          <a:bodyPr/>
+          <a:p>
+            <a:pPr marL="0" indent="0">
+              <a:buNone/>
+            </a:pPr>
+            <a:r>
+              <a:t>与切片服务加载关系最密切的就是瓦片矩阵的编号规则和瓦片原点不一样，只有按照对应的举矩阵规则才能正确加载对应类别的切片服务，比如</a:t>
+            </a:r>
+            <a:r>
+              <a:rPr lang="en-US" altLang="zh-CN"/>
+              <a:t>maptalks</a:t>
+            </a:r>
+            <a:r>
+              <a:t>的</a:t>
+            </a:r>
+            <a:r>
+              <a:rPr lang="en-US" altLang="zh-CN"/>
+              <a:t>API</a:t>
+            </a:r>
+            <a:r>
+              <a:t>中可以看到一个名为</a:t>
+            </a:r>
+            <a:r>
+              <a:rPr lang="en-US" altLang="zh-CN"/>
+              <a:t>WMSTileLayer</a:t>
+            </a:r>
+            <a:r>
+              <a:t>的类，它就是用于加载</a:t>
+            </a:r>
+            <a:r>
+              <a:rPr lang="en-US" altLang="zh-CN"/>
+              <a:t>WMS</a:t>
+            </a:r>
+            <a:r>
+              <a:t>切片服务的，但是除了</a:t>
+            </a:r>
+            <a:r>
+              <a:rPr lang="en-US" altLang="zh-CN"/>
+              <a:t>WMS</a:t>
+            </a:r>
+            <a:r>
+              <a:t>切片服务还有其他类型的切片，比如常见的</a:t>
+            </a:r>
+            <a:r>
+              <a:rPr lang="en-US" altLang="zh-CN"/>
+              <a:t>ArcGis</a:t>
+            </a:r>
+            <a:r>
+              <a:t>的切片服务等，这是涉及到</a:t>
+            </a:r>
+            <a:r>
+              <a:rPr lang="en-US" altLang="zh-CN"/>
+              <a:t>maptalks</a:t>
+            </a:r>
+            <a:r>
+              <a:t>提供的</a:t>
+            </a:r>
+            <a:r>
+              <a:rPr lang="en-US" altLang="zh-CN"/>
+              <a:t>TileSystem(</a:t>
+            </a:r>
+            <a:r>
+              <a:t>切片系统</a:t>
+            </a:r>
+            <a:r>
+              <a:rPr lang="en-US" altLang="zh-CN"/>
+              <a:t>)</a:t>
+            </a:r>
+            <a:r>
+              <a:t>了，</a:t>
+            </a:r>
+            <a:r>
+              <a:rPr>
+                <a:sym typeface="+mn-ea"/>
+              </a:rPr>
+              <a:t>TileSystem在这里就是用来来描述瓦片服务的瓦片原点和瓦片编号规则.</a:t>
+            </a:r>
+            <a:endParaRPr lang="zh-CN" altLang="en-US"/>
+          </a:p>
+          <a:p>
+            <a:pPr marL="0" indent="0">
+              <a:buNone/>
+            </a:pPr>
+          </a:p>
+          <a:p>
+            <a:pPr marL="0" indent="0">
+              <a:buNone/>
+            </a:pPr>
+          </a:p>
+        </p:txBody>
+      </p:sp>
+      <p:sp>
+        <p:nvSpPr>
+          <p:cNvPr id="2" name="页脚占位符 1"/>
+          <p:cNvSpPr>
+            <a:spLocks noGrp="1"/>
+          </p:cNvSpPr>
+          <p:nvPr>
+            <p:ph type="ftr" sz="quarter" idx="12"/>
+          </p:nvPr>
+        </p:nvSpPr>
+        <p:spPr/>
+        <p:txBody>
+          <a:bodyPr/>
+          <a:p>
+            <a:r>
+              <a:rPr lang="en-US" altLang="zh-CN" smtClean="0"/>
+              <a:t>@AndOrLab</a:t>
+            </a:r>
+            <a:endParaRPr lang="zh-CN" altLang="en-US"/>
+          </a:p>
+        </p:txBody>
+      </p:sp>
+    </p:spTree>
+  </p:cSld>
+  <p:clrMapOvr>
+    <a:masterClrMapping/>
+  </p:clrMapOvr>
+</p:sld>
+</file>
+
+<file path=ppt/slides/slide13.xml><?xml version="1.0" encoding="utf-8"?>
 <p:sld xmlns:a="http://schemas.openxmlformats.org/drawingml/2006/main" xmlns:r="http://schemas.openxmlformats.org/officeDocument/2006/relationships" xmlns:p="http://schemas.openxmlformats.org/presentationml/2006/main">
   <p:cSld>
     <p:spTree>
@@ -2192,7 +2519,7 @@
 </p:sld>
 </file>
 
-<file path=ppt/slides/slide12.xml><?xml version="1.0" encoding="utf-8"?>
+<file path=ppt/slides/slide14.xml><?xml version="1.0" encoding="utf-8"?>
 <p:sld xmlns:a="http://schemas.openxmlformats.org/drawingml/2006/main" xmlns:r="http://schemas.openxmlformats.org/officeDocument/2006/relationships" xmlns:p="http://schemas.openxmlformats.org/presentationml/2006/main">
   <p:cSld>
     <p:spTree>
@@ -2269,11 +2596,14 @@
           <a:bodyPr/>
           <a:p>
             <a:r>
-              <a:t>字面翻译就是向量图层，它的作用可以直接在接口说明中看到，它实现了</a:t>
-            </a:r>
-            <a:r>
-              <a:rPr lang="en-US" altLang="zh-CN"/>
-              <a:t>OverlayLayer</a:t>
+              <a:t>字面翻译就是向量图层，根据接口说明可以知道</a:t>
+            </a:r>
+            <a:r>
+              <a:rPr lang="en-US" altLang="zh-CN"/>
+              <a:t>VerTorLayer</a:t>
+            </a:r>
+            <a:r>
+              <a:t>是用来管理和渲染几何图形的。</a:t>
             </a:r>
             <a:endParaRPr lang="en-US" altLang="zh-CN"/>
           </a:p>
@@ -2323,7 +2653,7 @@
         </p:blipFill>
         <p:spPr>
           <a:xfrm>
-            <a:off x="561340" y="1957070"/>
+            <a:off x="561340" y="2630805"/>
             <a:ext cx="7592060" cy="1595755"/>
           </a:xfrm>
           <a:prstGeom prst="rect">
@@ -2347,7 +2677,7 @@
         </p:blipFill>
         <p:spPr>
           <a:xfrm>
-            <a:off x="561340" y="3988435"/>
+            <a:off x="560705" y="4437380"/>
             <a:ext cx="7592695" cy="1729105"/>
           </a:xfrm>
           <a:prstGeom prst="rect">
@@ -2363,7 +2693,7 @@
 </p:sld>
 </file>
 
-<file path=ppt/slides/slide13.xml><?xml version="1.0" encoding="utf-8"?>
+<file path=ppt/slides/slide15.xml><?xml version="1.0" encoding="utf-8"?>
 <p:sld xmlns:a="http://schemas.openxmlformats.org/drawingml/2006/main" xmlns:r="http://schemas.openxmlformats.org/officeDocument/2006/relationships" xmlns:p="http://schemas.openxmlformats.org/presentationml/2006/main">
   <p:cSld>
     <p:spTree>
@@ -2481,7 +2811,7 @@
 </p:sld>
 </file>
 
-<file path=ppt/slides/slide14.xml><?xml version="1.0" encoding="utf-8"?>
+<file path=ppt/slides/slide16.xml><?xml version="1.0" encoding="utf-8"?>
 <p:sld xmlns:a="http://schemas.openxmlformats.org/drawingml/2006/main" xmlns:r="http://schemas.openxmlformats.org/officeDocument/2006/relationships" xmlns:p="http://schemas.openxmlformats.org/presentationml/2006/main">
   <p:cSld>
     <p:spTree>
@@ -2629,7 +2959,7 @@
 </p:sld>
 </file>
 
-<file path=ppt/slides/slide15.xml><?xml version="1.0" encoding="utf-8"?>
+<file path=ppt/slides/slide17.xml><?xml version="1.0" encoding="utf-8"?>
 <p:sld xmlns:a="http://schemas.openxmlformats.org/drawingml/2006/main" xmlns:r="http://schemas.openxmlformats.org/officeDocument/2006/relationships" xmlns:p="http://schemas.openxmlformats.org/presentationml/2006/main">
   <p:cSld>
     <p:spTree>
@@ -2707,7 +3037,7 @@
           <a:p>
             <a:r>
               <a:rPr lang="en-US" altLang="zh-CN"/>
-              <a:t>gis</a:t>
+              <a:t>GIS</a:t>
             </a:r>
             <a:r>
               <a:t>开发中最常用的功能之一，可以将一个个点结合坐标信息展示在地图上</a:t>
@@ -2770,7 +3100,7 @@
 </p:sld>
 </file>
 
-<file path=ppt/slides/slide16.xml><?xml version="1.0" encoding="utf-8"?>
+<file path=ppt/slides/slide18.xml><?xml version="1.0" encoding="utf-8"?>
 <p:sld xmlns:a="http://schemas.openxmlformats.org/drawingml/2006/main" xmlns:r="http://schemas.openxmlformats.org/officeDocument/2006/relationships" xmlns:p="http://schemas.openxmlformats.org/presentationml/2006/main">
   <p:cSld>
     <p:spTree>
@@ -2797,13 +3127,20 @@
           </a:bodyPr>
           <a:p>
             <a:r>
-              <a:rPr lang="en-US" altLang="zh-CN"/>
+              <a:rPr lang="en-US" altLang="zh-CN">
+                <a:sym typeface="+mn-ea"/>
+              </a:rPr>
               <a:t>maptalks</a:t>
             </a:r>
             <a:r>
+              <a:rPr lang="zh-CN" altLang="en-US">
+                <a:sym typeface="+mn-ea"/>
+              </a:rPr>
+              <a:t>的使用</a:t>
+            </a:r>
+            <a:br>
               <a:rPr lang="zh-CN" altLang="en-US"/>
-              <a:t>基础操作</a:t>
-            </a:r>
+            </a:br>
             <a:endParaRPr lang="zh-CN" altLang="en-US"/>
           </a:p>
         </p:txBody>
@@ -2825,12 +3162,8 @@
           </a:bodyPr>
           <a:p>
             <a:r>
-              <a:rPr lang="en-US" altLang="zh-CN"/>
-              <a:t>view</a:t>
-            </a:r>
-            <a:r>
               <a:rPr lang="zh-CN" altLang="en-US"/>
-              <a:t>参数说明</a:t>
+              <a:t>符号化</a:t>
             </a:r>
             <a:endParaRPr lang="zh-CN" altLang="en-US"/>
           </a:p>
@@ -2850,64 +3183,9 @@
         <p:txBody>
           <a:bodyPr/>
           <a:p>
-            <a:pPr marL="0" indent="0">
-              <a:buNone/>
-            </a:pPr>
-            <a:r>
-              <a:rPr lang="en-US" altLang="zh-CN"/>
-              <a:t>{</a:t>
-            </a:r>
-            <a:endParaRPr lang="en-US" altLang="zh-CN"/>
-          </a:p>
-          <a:p>
-            <a:pPr marL="0" indent="0">
-              <a:buNone/>
-            </a:pPr>
-            <a:r>
-              <a:rPr lang="en-US" altLang="zh-CN"/>
-              <a:t>	zoom: </a:t>
-            </a:r>
-            <a:endParaRPr lang="en-US" altLang="zh-CN"/>
-          </a:p>
-          <a:p>
-            <a:pPr marL="0" indent="0">
-              <a:buNone/>
-            </a:pPr>
-            <a:r>
-              <a:rPr lang="en-US" altLang="zh-CN"/>
-              <a:t>	pitch:</a:t>
-            </a:r>
-            <a:endParaRPr lang="en-US" altLang="zh-CN"/>
-          </a:p>
-          <a:p>
-            <a:pPr marL="0" indent="0">
-              <a:buNone/>
-            </a:pPr>
-            <a:r>
-              <a:rPr lang="en-US" altLang="zh-CN"/>
-              <a:t>	bearing:</a:t>
-            </a:r>
-            <a:endParaRPr lang="en-US" altLang="zh-CN"/>
-          </a:p>
-          <a:p>
-            <a:pPr marL="0" indent="0">
-              <a:buNone/>
-            </a:pPr>
-            <a:r>
-              <a:rPr lang="en-US" altLang="zh-CN"/>
-              <a:t>	center:</a:t>
-            </a:r>
-            <a:endParaRPr lang="en-US" altLang="zh-CN"/>
-          </a:p>
-          <a:p>
-            <a:pPr marL="0" indent="0">
-              <a:buNone/>
-            </a:pPr>
-            <a:r>
-              <a:rPr lang="en-US" altLang="zh-CN"/>
-              <a:t>}</a:t>
-            </a:r>
-            <a:endParaRPr lang="en-US" altLang="zh-CN"/>
+            <a:r>
+              <a:t>效果截图</a:t>
+            </a:r>
           </a:p>
         </p:txBody>
       </p:sp>
@@ -2933,6 +3211,30 @@
           </a:p>
         </p:txBody>
       </p:sp>
+      <p:pic>
+        <p:nvPicPr>
+          <p:cNvPr id="6" name="图片 5"/>
+          <p:cNvPicPr>
+            <a:picLocks noChangeAspect="1"/>
+          </p:cNvPicPr>
+          <p:nvPr/>
+        </p:nvPicPr>
+        <p:blipFill>
+          <a:blip r:embed="rId1"/>
+          <a:stretch>
+            <a:fillRect/>
+          </a:stretch>
+        </p:blipFill>
+        <p:spPr>
+          <a:xfrm>
+            <a:off x="711835" y="2410460"/>
+            <a:ext cx="5504815" cy="2904490"/>
+          </a:xfrm>
+          <a:prstGeom prst="rect">
+            <a:avLst/>
+          </a:prstGeom>
+        </p:spPr>
+      </p:pic>
     </p:spTree>
   </p:cSld>
   <p:clrMapOvr>
@@ -2941,7 +3243,7 @@
 </p:sld>
 </file>
 
-<file path=ppt/slides/slide17.xml><?xml version="1.0" encoding="utf-8"?>
+<file path=ppt/slides/slide19.xml><?xml version="1.0" encoding="utf-8"?>
 <p:sld xmlns:a="http://schemas.openxmlformats.org/drawingml/2006/main" xmlns:r="http://schemas.openxmlformats.org/officeDocument/2006/relationships" xmlns:p="http://schemas.openxmlformats.org/presentationml/2006/main">
   <p:cSld>
     <p:spTree>
@@ -2953,20 +3255,146 @@
       <p:grpSpPr/>
       <p:sp>
         <p:nvSpPr>
+          <p:cNvPr id="3" name="标题 2"/>
+          <p:cNvSpPr>
+            <a:spLocks noGrp="1"/>
+          </p:cNvSpPr>
+          <p:nvPr>
+            <p:ph type="title"/>
+          </p:nvPr>
+        </p:nvSpPr>
+        <p:spPr/>
+        <p:txBody>
+          <a:bodyPr>
+            <a:normAutofit fontScale="90000"/>
+          </a:bodyPr>
+          <a:p>
+            <a:r>
+              <a:rPr lang="en-US" altLang="zh-CN"/>
+              <a:t>maptalks</a:t>
+            </a:r>
+            <a:r>
+              <a:rPr lang="zh-CN" altLang="en-US"/>
+              <a:t>基础操作</a:t>
+            </a:r>
+            <a:endParaRPr lang="zh-CN" altLang="en-US"/>
+          </a:p>
+        </p:txBody>
+      </p:sp>
+      <p:sp>
+        <p:nvSpPr>
+          <p:cNvPr id="4" name="文本占位符 3"/>
+          <p:cNvSpPr>
+            <a:spLocks noGrp="1"/>
+          </p:cNvSpPr>
+          <p:nvPr>
+            <p:ph type="body" sz="quarter" idx="11"/>
+          </p:nvPr>
+        </p:nvSpPr>
+        <p:spPr/>
+        <p:txBody>
+          <a:bodyPr>
+            <a:normAutofit fontScale="70000"/>
+          </a:bodyPr>
+          <a:p>
+            <a:r>
+              <a:rPr lang="en-US" altLang="zh-CN"/>
+              <a:t>view</a:t>
+            </a:r>
+            <a:r>
+              <a:rPr lang="zh-CN" altLang="en-US"/>
+              <a:t>参数说明</a:t>
+            </a:r>
+            <a:endParaRPr lang="zh-CN" altLang="en-US"/>
+          </a:p>
+        </p:txBody>
+      </p:sp>
+      <p:sp>
+        <p:nvSpPr>
+          <p:cNvPr id="5" name="内容占位符 4"/>
+          <p:cNvSpPr>
+            <a:spLocks noGrp="1"/>
+          </p:cNvSpPr>
+          <p:nvPr>
+            <p:ph sz="quarter" idx="10"/>
+          </p:nvPr>
+        </p:nvSpPr>
+        <p:spPr/>
+        <p:txBody>
+          <a:bodyPr/>
+          <a:p>
+            <a:pPr marL="0" indent="0">
+              <a:buNone/>
+            </a:pPr>
+            <a:r>
+              <a:rPr lang="en-US" altLang="zh-CN"/>
+              <a:t>{</a:t>
+            </a:r>
+            <a:endParaRPr lang="en-US" altLang="zh-CN"/>
+          </a:p>
+          <a:p>
+            <a:pPr marL="0" indent="0">
+              <a:buNone/>
+            </a:pPr>
+            <a:r>
+              <a:rPr lang="en-US" altLang="zh-CN"/>
+              <a:t>	zoom: </a:t>
+            </a:r>
+            <a:endParaRPr lang="en-US" altLang="zh-CN"/>
+          </a:p>
+          <a:p>
+            <a:pPr marL="0" indent="0">
+              <a:buNone/>
+            </a:pPr>
+            <a:r>
+              <a:rPr lang="en-US" altLang="zh-CN"/>
+              <a:t>	pitch:</a:t>
+            </a:r>
+            <a:endParaRPr lang="en-US" altLang="zh-CN"/>
+          </a:p>
+          <a:p>
+            <a:pPr marL="0" indent="0">
+              <a:buNone/>
+            </a:pPr>
+            <a:r>
+              <a:rPr lang="en-US" altLang="zh-CN"/>
+              <a:t>	bearing:</a:t>
+            </a:r>
+            <a:endParaRPr lang="en-US" altLang="zh-CN"/>
+          </a:p>
+          <a:p>
+            <a:pPr marL="0" indent="0">
+              <a:buNone/>
+            </a:pPr>
+            <a:r>
+              <a:rPr lang="en-US" altLang="zh-CN"/>
+              <a:t>	center:</a:t>
+            </a:r>
+            <a:endParaRPr lang="en-US" altLang="zh-CN"/>
+          </a:p>
+          <a:p>
+            <a:pPr marL="0" indent="0">
+              <a:buNone/>
+            </a:pPr>
+            <a:r>
+              <a:rPr lang="en-US" altLang="zh-CN"/>
+              <a:t>}</a:t>
+            </a:r>
+            <a:endParaRPr lang="en-US" altLang="zh-CN"/>
+          </a:p>
+        </p:txBody>
+      </p:sp>
+      <p:sp>
+        <p:nvSpPr>
           <p:cNvPr id="2" name="页脚占位符 1"/>
           <p:cNvSpPr>
             <a:spLocks noGrp="1"/>
           </p:cNvSpPr>
           <p:nvPr>
-            <p:ph type="ftr" sz="quarter" idx="4294967295"/>
-          </p:nvPr>
-        </p:nvSpPr>
-        <p:spPr>
-          <a:xfrm>
-            <a:off x="0" y="6582410"/>
-            <a:ext cx="4114800" cy="267335"/>
-          </a:xfrm>
-        </p:spPr>
+            <p:ph type="ftr" sz="quarter" idx="12"/>
+          </p:nvPr>
+        </p:nvSpPr>
+        <p:spPr/>
         <p:txBody>
           <a:bodyPr/>
           <a:p>
@@ -3082,7 +3510,7 @@
             <a:pPr lvl="1"/>
             <a:r>
               <a:rPr lang="en-US" altLang="zh-CN"/>
-              <a:t>gis</a:t>
+              <a:t>GIS</a:t>
             </a:r>
             <a:r>
               <a:t>基础功能为例的属性和方法演示</a:t>
@@ -3175,6 +3603,51 @@
           </p:nvPr>
         </p:nvSpPr>
         <p:spPr/>
+        <p:txBody>
+          <a:bodyPr/>
+          <a:p>
+            <a:r>
+              <a:rPr lang="en-US" altLang="zh-CN" smtClean="0"/>
+              <a:t>@AndOrLab</a:t>
+            </a:r>
+            <a:endParaRPr lang="zh-CN" altLang="en-US"/>
+          </a:p>
+        </p:txBody>
+      </p:sp>
+    </p:spTree>
+  </p:cSld>
+  <p:clrMapOvr>
+    <a:masterClrMapping/>
+  </p:clrMapOvr>
+</p:sld>
+</file>
+
+<file path=ppt/slides/slide20.xml><?xml version="1.0" encoding="utf-8"?>
+<p:sld xmlns:a="http://schemas.openxmlformats.org/drawingml/2006/main" xmlns:r="http://schemas.openxmlformats.org/officeDocument/2006/relationships" xmlns:p="http://schemas.openxmlformats.org/presentationml/2006/main">
+  <p:cSld>
+    <p:spTree>
+      <p:nvGrpSpPr>
+        <p:cNvPr id="1" name=""/>
+        <p:cNvGrpSpPr/>
+        <p:nvPr/>
+      </p:nvGrpSpPr>
+      <p:grpSpPr/>
+      <p:sp>
+        <p:nvSpPr>
+          <p:cNvPr id="2" name="页脚占位符 1"/>
+          <p:cNvSpPr>
+            <a:spLocks noGrp="1"/>
+          </p:cNvSpPr>
+          <p:nvPr>
+            <p:ph type="ftr" sz="quarter" idx="4294967295"/>
+          </p:nvPr>
+        </p:nvSpPr>
+        <p:spPr>
+          <a:xfrm>
+            <a:off x="0" y="6582410"/>
+            <a:ext cx="4114800" cy="267335"/>
+          </a:xfrm>
+        </p:spPr>
         <p:txBody>
           <a:bodyPr/>
           <a:p>
@@ -3218,10 +3691,9 @@
         <p:txBody>
           <a:bodyPr/>
           <a:p>
-            <a:r>
-              <a:rPr lang="zh-CN" altLang="en-US"/>
-              <a:t>https://www.v2ex.com/t/397193</a:t>
-            </a:r>
+            <a:pPr marL="0" indent="0">
+              <a:buNone/>
+            </a:pPr>
             <a:endParaRPr lang="zh-CN" altLang="en-US"/>
           </a:p>
           <a:p>
@@ -3285,7 +3757,11 @@
               <a:rPr lang="en-US" altLang="zh-CN"/>
               <a:t>maptalks</a:t>
             </a:r>
-            <a:endParaRPr lang="en-US" altLang="zh-CN"/>
+            <a:r>
+              <a:rPr lang="zh-CN" altLang="en-US"/>
+              <a:t>介绍</a:t>
+            </a:r>
+            <a:endParaRPr lang="zh-CN" altLang="en-US"/>
           </a:p>
         </p:txBody>
       </p:sp>
@@ -3349,7 +3825,11 @@
               <a:rPr lang="en-US" altLang="zh-CN"/>
               <a:t>maptalks</a:t>
             </a:r>
-            <a:endParaRPr lang="en-US" altLang="zh-CN"/>
+            <a:r>
+              <a:rPr lang="zh-CN" altLang="en-US"/>
+              <a:t>介绍</a:t>
+            </a:r>
+            <a:endParaRPr lang="zh-CN" altLang="en-US"/>
           </a:p>
         </p:txBody>
       </p:sp>
@@ -3370,10 +3850,18 @@
           </a:bodyPr>
           <a:p>
             <a:r>
+              <a:rPr lang="en-US" altLang="zh-CN"/>
+              <a:t>maptalks</a:t>
+            </a:r>
+            <a:r>
               <a:rPr lang="zh-CN" altLang="en-US"/>
               <a:t>插件</a:t>
             </a:r>
-            <a:endParaRPr lang="zh-CN" altLang="en-US"/>
+            <a:r>
+              <a:rPr lang="en-US" altLang="zh-CN"/>
+              <a:t>-maptalks.three</a:t>
+            </a:r>
+            <a:endParaRPr lang="en-US" altLang="zh-CN"/>
           </a:p>
         </p:txBody>
       </p:sp>
@@ -3393,8 +3881,17 @@
           <a:p>
             <a:r>
               <a:rPr lang="zh-CN" altLang="en-US"/>
-              <a:t>https://maptalks.org/plugins.html</a:t>
-            </a:r>
+              <a:t>http://maptalks.org/maptalks.three/demo/buildings.html</a:t>
+            </a:r>
+            <a:endParaRPr lang="zh-CN" altLang="en-US"/>
+          </a:p>
+          <a:p>
+            <a:endParaRPr lang="zh-CN" altLang="en-US"/>
+          </a:p>
+          <a:p>
+            <a:endParaRPr lang="zh-CN" altLang="en-US"/>
+          </a:p>
+          <a:p>
             <a:endParaRPr lang="zh-CN" altLang="en-US"/>
           </a:p>
         </p:txBody>
@@ -3421,6 +3918,30 @@
           </a:p>
         </p:txBody>
       </p:sp>
+      <p:pic>
+        <p:nvPicPr>
+          <p:cNvPr id="6" name="图片 5"/>
+          <p:cNvPicPr>
+            <a:picLocks noChangeAspect="1"/>
+          </p:cNvPicPr>
+          <p:nvPr/>
+        </p:nvPicPr>
+        <p:blipFill>
+          <a:blip r:embed="rId1"/>
+          <a:stretch>
+            <a:fillRect/>
+          </a:stretch>
+        </p:blipFill>
+        <p:spPr>
+          <a:xfrm>
+            <a:off x="464185" y="2353310"/>
+            <a:ext cx="8218805" cy="4229100"/>
+          </a:xfrm>
+          <a:prstGeom prst="rect">
+            <a:avLst/>
+          </a:prstGeom>
+        </p:spPr>
+      </p:pic>
     </p:spTree>
   </p:cSld>
   <p:clrMapOvr>
@@ -3441,48 +3962,7 @@
       <p:grpSpPr/>
       <p:sp>
         <p:nvSpPr>
-          <p:cNvPr id="3" name="内容占位符 2"/>
-          <p:cNvSpPr>
-            <a:spLocks noGrp="1"/>
-          </p:cNvSpPr>
-          <p:nvPr>
-            <p:ph sz="quarter" idx="10"/>
-          </p:nvPr>
-        </p:nvSpPr>
-        <p:spPr>
-          <a:xfrm>
-            <a:off x="479062" y="1079653"/>
-            <a:ext cx="11234058" cy="5502666"/>
-          </a:xfrm>
-        </p:spPr>
-        <p:txBody>
-          <a:bodyPr/>
-          <a:p>
-            <a:r>
-              <a:rPr lang="zh-CN" altLang="en-US"/>
-              <a:t>依赖安装</a:t>
-            </a:r>
-            <a:endParaRPr lang="zh-CN" altLang="en-US"/>
-          </a:p>
-          <a:p>
-            <a:r>
-              <a:rPr lang="en-US" altLang="zh-CN"/>
-              <a:t>ts</a:t>
-            </a:r>
-            <a:r>
-              <a:t>支持</a:t>
-            </a:r>
-          </a:p>
-          <a:p>
-            <a:r>
-              <a:t>包的导入</a:t>
-            </a:r>
-          </a:p>
-        </p:txBody>
-      </p:sp>
-      <p:sp>
-        <p:nvSpPr>
-          <p:cNvPr id="4" name="标题 3"/>
+          <p:cNvPr id="3" name="标题 2"/>
           <p:cNvSpPr>
             <a:spLocks noGrp="1"/>
           </p:cNvSpPr>
@@ -3497,42 +3977,83 @@
           </a:bodyPr>
           <a:p>
             <a:r>
+              <a:rPr lang="en-US" altLang="zh-CN"/>
+              <a:t>maptalks</a:t>
+            </a:r>
+            <a:r>
+              <a:rPr lang="zh-CN" altLang="en-US"/>
+              <a:t>介绍</a:t>
+            </a:r>
+            <a:endParaRPr lang="zh-CN" altLang="en-US"/>
+          </a:p>
+        </p:txBody>
+      </p:sp>
+      <p:sp>
+        <p:nvSpPr>
+          <p:cNvPr id="4" name="文本占位符 3"/>
+          <p:cNvSpPr>
+            <a:spLocks noGrp="1"/>
+          </p:cNvSpPr>
+          <p:nvPr>
+            <p:ph type="body" sz="quarter" idx="11"/>
+          </p:nvPr>
+        </p:nvSpPr>
+        <p:spPr/>
+        <p:txBody>
+          <a:bodyPr>
+            <a:normAutofit fontScale="70000"/>
+          </a:bodyPr>
+          <a:p>
+            <a:r>
               <a:rPr lang="en-US" altLang="zh-CN">
                 <a:sym typeface="+mn-ea"/>
               </a:rPr>
-              <a:t>maptaks</a:t>
-            </a:r>
-            <a:r>
-              <a:rPr>
+              <a:t>maptalks</a:t>
+            </a:r>
+            <a:r>
+              <a:rPr lang="zh-CN" altLang="en-US">
                 <a:sym typeface="+mn-ea"/>
               </a:rPr>
-              <a:t>与基于</a:t>
+              <a:t>插件</a:t>
             </a:r>
             <a:r>
               <a:rPr lang="en-US" altLang="zh-CN">
                 <a:sym typeface="+mn-ea"/>
               </a:rPr>
-              <a:t>ts</a:t>
-            </a:r>
-            <a:r>
-              <a:rPr>
-                <a:sym typeface="+mn-ea"/>
-              </a:rPr>
-              <a:t>的</a:t>
-            </a:r>
-            <a:r>
-              <a:rPr lang="en-US" altLang="zh-CN">
-                <a:sym typeface="+mn-ea"/>
-              </a:rPr>
-              <a:t>react</a:t>
-            </a:r>
-            <a:r>
-              <a:rPr>
-                <a:sym typeface="+mn-ea"/>
-              </a:rPr>
-              <a:t>项目集成</a:t>
-            </a:r>
-            <a:endParaRPr lang="zh-CN" altLang="en-US"/>
+              <a:t>-maptalks.three</a:t>
+            </a:r>
+            <a:endParaRPr lang="en-US" altLang="zh-CN"/>
+          </a:p>
+          <a:p>
+            <a:endParaRPr lang="zh-CN" altLang="en-US"/>
+          </a:p>
+          <a:p>
+            <a:endParaRPr lang="zh-CN" altLang="en-US"/>
+          </a:p>
+        </p:txBody>
+      </p:sp>
+      <p:sp>
+        <p:nvSpPr>
+          <p:cNvPr id="5" name="内容占位符 4"/>
+          <p:cNvSpPr>
+            <a:spLocks noGrp="1"/>
+          </p:cNvSpPr>
+          <p:nvPr>
+            <p:ph sz="quarter" idx="10"/>
+          </p:nvPr>
+        </p:nvSpPr>
+        <p:spPr/>
+        <p:txBody>
+          <a:bodyPr/>
+          <a:p>
+            <a:r>
+              <a:rPr lang="en-US" altLang="zh-CN"/>
+              <a:t>http://maptalks.org/maptalks.three/demo/infantry.html</a:t>
+            </a:r>
+            <a:endParaRPr lang="en-US" altLang="zh-CN"/>
+          </a:p>
+          <a:p>
+            <a:endParaRPr lang="en-US" altLang="zh-CN"/>
           </a:p>
         </p:txBody>
       </p:sp>
@@ -3543,7 +4064,7 @@
             <a:spLocks noGrp="1"/>
           </p:cNvSpPr>
           <p:nvPr>
-            <p:ph type="ftr" sz="quarter" idx="11"/>
+            <p:ph type="ftr" sz="quarter" idx="12"/>
           </p:nvPr>
         </p:nvSpPr>
         <p:spPr/>
@@ -3558,6 +4079,30 @@
           </a:p>
         </p:txBody>
       </p:sp>
+      <p:pic>
+        <p:nvPicPr>
+          <p:cNvPr id="6" name="图片 5"/>
+          <p:cNvPicPr>
+            <a:picLocks noChangeAspect="1"/>
+          </p:cNvPicPr>
+          <p:nvPr/>
+        </p:nvPicPr>
+        <p:blipFill>
+          <a:blip r:embed="rId1"/>
+          <a:stretch>
+            <a:fillRect/>
+          </a:stretch>
+        </p:blipFill>
+        <p:spPr>
+          <a:xfrm>
+            <a:off x="653415" y="1971040"/>
+            <a:ext cx="6104890" cy="4295140"/>
+          </a:xfrm>
+          <a:prstGeom prst="rect">
+            <a:avLst/>
+          </a:prstGeom>
+        </p:spPr>
+      </p:pic>
     </p:spTree>
   </p:cSld>
   <p:clrMapOvr>
@@ -3598,7 +4143,7 @@
             </a:r>
             <a:r>
               <a:rPr lang="zh-CN" altLang="en-US"/>
-              <a:t>使用</a:t>
+              <a:t>介绍</a:t>
             </a:r>
             <a:endParaRPr lang="zh-CN" altLang="en-US"/>
           </a:p>
@@ -3622,13 +4167,23 @@
           <a:p>
             <a:r>
               <a:rPr lang="en-US" altLang="zh-CN"/>
-              <a:t>map</a:t>
+              <a:t>maptalks</a:t>
             </a:r>
             <a:r>
               <a:rPr lang="zh-CN" altLang="en-US"/>
-              <a:t>对象介绍</a:t>
-            </a:r>
-            <a:endParaRPr lang="zh-CN" altLang="en-US"/>
+              <a:t>插件</a:t>
+            </a:r>
+            <a:r>
+              <a:rPr lang="en-US" altLang="zh-CN"/>
+              <a:t>-</a:t>
+            </a:r>
+            <a:r>
+              <a:rPr lang="zh-CN" altLang="en-US">
+                <a:sym typeface="+mn-ea"/>
+              </a:rPr>
+              <a:t>maptalks.mapboxgl</a:t>
+            </a:r>
+            <a:endParaRPr lang="en-US" altLang="zh-CN"/>
           </a:p>
         </p:txBody>
       </p:sp>
@@ -3645,79 +4200,40 @@
         <p:spPr/>
         <p:txBody>
           <a:bodyPr/>
+          <a:p>
+            <a:r>
+              <a:rPr lang="zh-CN" altLang="en-US"/>
+              <a:t>https://github.com/maptalks/maptalks.mapboxgl</a:t>
+            </a:r>
+            <a:endParaRPr lang="zh-CN" altLang="en-US"/>
+          </a:p>
+          <a:p>
+            <a:pPr lvl="1"/>
+            <a:r>
+              <a:rPr lang="zh-CN" altLang="en-US"/>
+              <a:t>实现在</a:t>
+            </a:r>
+            <a:r>
+              <a:rPr lang="en-US" altLang="zh-CN"/>
+              <a:t>maptalks</a:t>
+            </a:r>
+            <a:r>
+              <a:t>中对</a:t>
+            </a:r>
+            <a:r>
+              <a:rPr lang="en-US" altLang="zh-CN"/>
+              <a:t>mapbox</a:t>
+            </a:r>
+            <a:r>
+              <a:t>服务的调用</a:t>
+            </a:r>
+            <a:endParaRPr lang="zh-CN" altLang="en-US"/>
+          </a:p>
           <a:p>
             <a:pPr marL="0" indent="0">
               <a:buNone/>
             </a:pPr>
-            <a:r>
-              <a:rPr lang="en-US" altLang="zh-CN"/>
-              <a:t>map</a:t>
-            </a:r>
-            <a:r>
-              <a:t>对象是</a:t>
-            </a:r>
-            <a:r>
-              <a:rPr lang="en-US" altLang="zh-CN"/>
-              <a:t>gis</a:t>
-            </a:r>
-            <a:r>
-              <a:t>开发的基础和核心，后续的所有</a:t>
-            </a:r>
-            <a:r>
-              <a:rPr lang="en-US" altLang="zh-CN"/>
-              <a:t>gis</a:t>
-            </a:r>
-            <a:r>
-              <a:t>操作都基于</a:t>
-            </a:r>
-            <a:r>
-              <a:rPr lang="en-US" altLang="zh-CN"/>
-              <a:t>map</a:t>
-            </a:r>
-            <a:r>
-              <a:t>对象。</a:t>
-            </a:r>
-          </a:p>
-          <a:p>
-            <a:pPr marL="0" indent="0">
-              <a:buNone/>
-            </a:pPr>
-            <a:r>
-              <a:t>基于</a:t>
-            </a:r>
-            <a:r>
-              <a:rPr lang="en-US" altLang="zh-CN"/>
-              <a:t>maptalks</a:t>
-            </a:r>
-            <a:r>
-              <a:t>的</a:t>
-            </a:r>
-            <a:r>
-              <a:rPr lang="en-US" altLang="zh-CN"/>
-              <a:t>gis</a:t>
-            </a:r>
-            <a:r>
-              <a:t>开发中</a:t>
-            </a:r>
-            <a:r>
-              <a:rPr lang="en-US" altLang="zh-CN"/>
-              <a:t>map</a:t>
-            </a:r>
-            <a:r>
-              <a:t>对象由</a:t>
-            </a:r>
-            <a:r>
-              <a:rPr lang="en-US" altLang="zh-CN"/>
-              <a:t>Map</a:t>
-            </a:r>
-            <a:r>
-              <a:t>类创建，该类和包含多种属性、方法和事件。</a:t>
-            </a:r>
-          </a:p>
-          <a:p>
-            <a:pPr marL="0" indent="0">
-              <a:buNone/>
-            </a:pPr>
+            <a:endParaRPr lang="zh-CN" altLang="en-US"/>
           </a:p>
         </p:txBody>
       </p:sp>
@@ -3743,6 +4259,30 @@
           </a:p>
         </p:txBody>
       </p:sp>
+      <p:pic>
+        <p:nvPicPr>
+          <p:cNvPr id="6" name="图片 5"/>
+          <p:cNvPicPr>
+            <a:picLocks noChangeAspect="1"/>
+          </p:cNvPicPr>
+          <p:nvPr/>
+        </p:nvPicPr>
+        <p:blipFill>
+          <a:blip r:embed="rId1"/>
+          <a:stretch>
+            <a:fillRect/>
+          </a:stretch>
+        </p:blipFill>
+        <p:spPr>
+          <a:xfrm>
+            <a:off x="934720" y="2362200"/>
+            <a:ext cx="5733415" cy="3609340"/>
+          </a:xfrm>
+          <a:prstGeom prst="rect">
+            <a:avLst/>
+          </a:prstGeom>
+        </p:spPr>
+      </p:pic>
     </p:spTree>
   </p:cSld>
   <p:clrMapOvr>
@@ -3763,6 +4303,332 @@
       <p:grpSpPr/>
       <p:sp>
         <p:nvSpPr>
+          <p:cNvPr id="3" name="内容占位符 2"/>
+          <p:cNvSpPr>
+            <a:spLocks noGrp="1"/>
+          </p:cNvSpPr>
+          <p:nvPr>
+            <p:ph sz="quarter" idx="10"/>
+          </p:nvPr>
+        </p:nvSpPr>
+        <p:spPr>
+          <a:xfrm>
+            <a:off x="479062" y="1079653"/>
+            <a:ext cx="11234058" cy="5502666"/>
+          </a:xfrm>
+        </p:spPr>
+        <p:txBody>
+          <a:bodyPr/>
+          <a:p>
+            <a:r>
+              <a:rPr lang="zh-CN" altLang="en-US"/>
+              <a:t>依赖安装</a:t>
+            </a:r>
+            <a:endParaRPr lang="zh-CN" altLang="en-US"/>
+          </a:p>
+          <a:p>
+            <a:r>
+              <a:rPr lang="en-US" altLang="zh-CN"/>
+              <a:t>ts</a:t>
+            </a:r>
+            <a:r>
+              <a:t>支持</a:t>
+            </a:r>
+          </a:p>
+          <a:p>
+            <a:r>
+              <a:t>包的导入</a:t>
+            </a:r>
+          </a:p>
+        </p:txBody>
+      </p:sp>
+      <p:sp>
+        <p:nvSpPr>
+          <p:cNvPr id="4" name="标题 3"/>
+          <p:cNvSpPr>
+            <a:spLocks noGrp="1"/>
+          </p:cNvSpPr>
+          <p:nvPr>
+            <p:ph type="title"/>
+          </p:nvPr>
+        </p:nvSpPr>
+        <p:spPr/>
+        <p:txBody>
+          <a:bodyPr>
+            <a:normAutofit fontScale="90000"/>
+          </a:bodyPr>
+          <a:p>
+            <a:r>
+              <a:rPr lang="en-US" altLang="zh-CN">
+                <a:sym typeface="+mn-ea"/>
+              </a:rPr>
+              <a:t>maptaks</a:t>
+            </a:r>
+            <a:r>
+              <a:rPr>
+                <a:sym typeface="+mn-ea"/>
+              </a:rPr>
+              <a:t>与基于</a:t>
+            </a:r>
+            <a:r>
+              <a:rPr lang="en-US" altLang="zh-CN">
+                <a:sym typeface="+mn-ea"/>
+              </a:rPr>
+              <a:t>ts</a:t>
+            </a:r>
+            <a:r>
+              <a:rPr>
+                <a:sym typeface="+mn-ea"/>
+              </a:rPr>
+              <a:t>的</a:t>
+            </a:r>
+            <a:r>
+              <a:rPr lang="en-US" altLang="zh-CN">
+                <a:sym typeface="+mn-ea"/>
+              </a:rPr>
+              <a:t>react</a:t>
+            </a:r>
+            <a:r>
+              <a:rPr>
+                <a:sym typeface="+mn-ea"/>
+              </a:rPr>
+              <a:t>项目集成</a:t>
+            </a:r>
+            <a:endParaRPr lang="zh-CN" altLang="en-US"/>
+          </a:p>
+        </p:txBody>
+      </p:sp>
+      <p:sp>
+        <p:nvSpPr>
+          <p:cNvPr id="2" name="页脚占位符 1"/>
+          <p:cNvSpPr>
+            <a:spLocks noGrp="1"/>
+          </p:cNvSpPr>
+          <p:nvPr>
+            <p:ph type="ftr" sz="quarter" idx="11"/>
+          </p:nvPr>
+        </p:nvSpPr>
+        <p:spPr/>
+        <p:txBody>
+          <a:bodyPr/>
+          <a:p>
+            <a:r>
+              <a:rPr lang="en-US" altLang="zh-CN" smtClean="0"/>
+              <a:t>@AndOrLab</a:t>
+            </a:r>
+            <a:endParaRPr lang="zh-CN" altLang="en-US"/>
+          </a:p>
+        </p:txBody>
+      </p:sp>
+    </p:spTree>
+  </p:cSld>
+  <p:clrMapOvr>
+    <a:masterClrMapping/>
+  </p:clrMapOvr>
+</p:sld>
+</file>
+
+<file path=ppt/slides/slide8.xml><?xml version="1.0" encoding="utf-8"?>
+<p:sld xmlns:a="http://schemas.openxmlformats.org/drawingml/2006/main" xmlns:r="http://schemas.openxmlformats.org/officeDocument/2006/relationships" xmlns:p="http://schemas.openxmlformats.org/presentationml/2006/main">
+  <p:cSld>
+    <p:spTree>
+      <p:nvGrpSpPr>
+        <p:cNvPr id="1" name=""/>
+        <p:cNvGrpSpPr/>
+        <p:nvPr/>
+      </p:nvGrpSpPr>
+      <p:grpSpPr/>
+      <p:sp>
+        <p:nvSpPr>
+          <p:cNvPr id="3" name="标题 2"/>
+          <p:cNvSpPr>
+            <a:spLocks noGrp="1"/>
+          </p:cNvSpPr>
+          <p:nvPr>
+            <p:ph type="title"/>
+          </p:nvPr>
+        </p:nvSpPr>
+        <p:spPr/>
+        <p:txBody>
+          <a:bodyPr>
+            <a:normAutofit fontScale="90000"/>
+          </a:bodyPr>
+          <a:p>
+            <a:r>
+              <a:rPr lang="en-US" altLang="zh-CN"/>
+              <a:t>maptalks</a:t>
+            </a:r>
+            <a:r>
+              <a:rPr lang="zh-CN" altLang="en-US"/>
+              <a:t>使用</a:t>
+            </a:r>
+            <a:endParaRPr lang="zh-CN" altLang="en-US"/>
+          </a:p>
+        </p:txBody>
+      </p:sp>
+      <p:sp>
+        <p:nvSpPr>
+          <p:cNvPr id="4" name="文本占位符 3"/>
+          <p:cNvSpPr>
+            <a:spLocks noGrp="1"/>
+          </p:cNvSpPr>
+          <p:nvPr>
+            <p:ph type="body" sz="quarter" idx="11"/>
+          </p:nvPr>
+        </p:nvSpPr>
+        <p:spPr/>
+        <p:txBody>
+          <a:bodyPr>
+            <a:normAutofit fontScale="70000"/>
+          </a:bodyPr>
+          <a:p>
+            <a:r>
+              <a:rPr lang="en-US" altLang="zh-CN"/>
+              <a:t>map</a:t>
+            </a:r>
+            <a:r>
+              <a:rPr lang="zh-CN" altLang="en-US"/>
+              <a:t>对象介绍</a:t>
+            </a:r>
+            <a:endParaRPr lang="zh-CN" altLang="en-US"/>
+          </a:p>
+        </p:txBody>
+      </p:sp>
+      <p:sp>
+        <p:nvSpPr>
+          <p:cNvPr id="5" name="内容占位符 4"/>
+          <p:cNvSpPr>
+            <a:spLocks noGrp="1"/>
+          </p:cNvSpPr>
+          <p:nvPr>
+            <p:ph sz="quarter" idx="10"/>
+          </p:nvPr>
+        </p:nvSpPr>
+        <p:spPr/>
+        <p:txBody>
+          <a:bodyPr/>
+          <a:p>
+            <a:pPr marL="0" indent="0">
+              <a:buNone/>
+            </a:pPr>
+            <a:r>
+              <a:rPr lang="en-US" altLang="zh-CN"/>
+              <a:t>map</a:t>
+            </a:r>
+            <a:r>
+              <a:t>对象是</a:t>
+            </a:r>
+            <a:r>
+              <a:rPr lang="en-US" altLang="zh-CN"/>
+              <a:t>GIS</a:t>
+            </a:r>
+            <a:r>
+              <a:t>开发的基础和核心，后续的所有</a:t>
+            </a:r>
+            <a:r>
+              <a:rPr lang="en-US" altLang="zh-CN">
+                <a:sym typeface="+mn-ea"/>
+              </a:rPr>
+              <a:t>GIS</a:t>
+            </a:r>
+            <a:r>
+              <a:t>操作都基于</a:t>
+            </a:r>
+            <a:r>
+              <a:rPr lang="en-US" altLang="zh-CN"/>
+              <a:t>map</a:t>
+            </a:r>
+            <a:r>
+              <a:t>对象。</a:t>
+            </a:r>
+          </a:p>
+          <a:p>
+            <a:pPr marL="0" indent="0">
+              <a:buNone/>
+            </a:pPr>
+            <a:r>
+              <a:t>基于</a:t>
+            </a:r>
+            <a:r>
+              <a:rPr lang="en-US" altLang="zh-CN"/>
+              <a:t>maptalks</a:t>
+            </a:r>
+            <a:r>
+              <a:t>的</a:t>
+            </a:r>
+            <a:r>
+              <a:rPr lang="en-US" altLang="zh-CN">
+                <a:sym typeface="+mn-ea"/>
+              </a:rPr>
+              <a:t>GIS</a:t>
+            </a:r>
+            <a:r>
+              <a:t>开发中</a:t>
+            </a:r>
+            <a:r>
+              <a:rPr lang="en-US" altLang="zh-CN"/>
+              <a:t>map</a:t>
+            </a:r>
+            <a:r>
+              <a:t>对象由</a:t>
+            </a:r>
+            <a:r>
+              <a:rPr lang="en-US" altLang="zh-CN"/>
+              <a:t>Map</a:t>
+            </a:r>
+            <a:r>
+              <a:t>类创建，该类包含多种属性、方法和事件。</a:t>
+            </a:r>
+          </a:p>
+          <a:p>
+            <a:pPr marL="0" indent="0">
+              <a:buNone/>
+            </a:pPr>
+          </a:p>
+        </p:txBody>
+      </p:sp>
+      <p:sp>
+        <p:nvSpPr>
+          <p:cNvPr id="2" name="页脚占位符 1"/>
+          <p:cNvSpPr>
+            <a:spLocks noGrp="1"/>
+          </p:cNvSpPr>
+          <p:nvPr>
+            <p:ph type="ftr" sz="quarter" idx="12"/>
+          </p:nvPr>
+        </p:nvSpPr>
+        <p:spPr/>
+        <p:txBody>
+          <a:bodyPr/>
+          <a:p>
+            <a:r>
+              <a:rPr lang="en-US" altLang="zh-CN" smtClean="0"/>
+              <a:t>@AndOrLab</a:t>
+            </a:r>
+            <a:endParaRPr lang="zh-CN" altLang="en-US"/>
+          </a:p>
+        </p:txBody>
+      </p:sp>
+    </p:spTree>
+  </p:cSld>
+  <p:clrMapOvr>
+    <a:masterClrMapping/>
+  </p:clrMapOvr>
+</p:sld>
+</file>
+
+<file path=ppt/slides/slide9.xml><?xml version="1.0" encoding="utf-8"?>
+<p:sld xmlns:a="http://schemas.openxmlformats.org/drawingml/2006/main" xmlns:r="http://schemas.openxmlformats.org/officeDocument/2006/relationships" xmlns:p="http://schemas.openxmlformats.org/presentationml/2006/main">
+  <p:cSld>
+    <p:spTree>
+      <p:nvGrpSpPr>
+        <p:cNvPr id="1" name=""/>
+        <p:cNvGrpSpPr/>
+        <p:nvPr/>
+      </p:nvGrpSpPr>
+      <p:grpSpPr/>
+      <p:sp>
+        <p:nvSpPr>
           <p:cNvPr id="3" name="标题 2"/>
           <p:cNvSpPr>
             <a:spLocks noGrp="1"/>
@@ -3932,330 +4798,6 @@
           <a:xfrm>
             <a:off x="708660" y="2026920"/>
             <a:ext cx="7978775" cy="3195320"/>
-          </a:xfrm>
-          <a:prstGeom prst="rect">
-            <a:avLst/>
-          </a:prstGeom>
-        </p:spPr>
-      </p:pic>
-    </p:spTree>
-  </p:cSld>
-  <p:clrMapOvr>
-    <a:masterClrMapping/>
-  </p:clrMapOvr>
-</p:sld>
-</file>
-
-<file path=ppt/slides/slide8.xml><?xml version="1.0" encoding="utf-8"?>
-<p:sld xmlns:a="http://schemas.openxmlformats.org/drawingml/2006/main" xmlns:r="http://schemas.openxmlformats.org/officeDocument/2006/relationships" xmlns:p="http://schemas.openxmlformats.org/presentationml/2006/main">
-  <p:cSld>
-    <p:spTree>
-      <p:nvGrpSpPr>
-        <p:cNvPr id="1" name=""/>
-        <p:cNvGrpSpPr/>
-        <p:nvPr/>
-      </p:nvGrpSpPr>
-      <p:grpSpPr/>
-      <p:sp>
-        <p:nvSpPr>
-          <p:cNvPr id="3" name="标题 2"/>
-          <p:cNvSpPr>
-            <a:spLocks noGrp="1"/>
-          </p:cNvSpPr>
-          <p:nvPr>
-            <p:ph type="title"/>
-          </p:nvPr>
-        </p:nvSpPr>
-        <p:spPr/>
-        <p:txBody>
-          <a:bodyPr>
-            <a:normAutofit fontScale="90000"/>
-          </a:bodyPr>
-          <a:p>
-            <a:r>
-              <a:rPr lang="en-US" altLang="zh-CN"/>
-              <a:t>maptalks</a:t>
-            </a:r>
-            <a:r>
-              <a:rPr lang="zh-CN" altLang="en-US"/>
-              <a:t>使用</a:t>
-            </a:r>
-            <a:endParaRPr lang="zh-CN" altLang="en-US"/>
-          </a:p>
-        </p:txBody>
-      </p:sp>
-      <p:sp>
-        <p:nvSpPr>
-          <p:cNvPr id="4" name="文本占位符 3"/>
-          <p:cNvSpPr>
-            <a:spLocks noGrp="1"/>
-          </p:cNvSpPr>
-          <p:nvPr>
-            <p:ph type="body" sz="quarter" idx="11"/>
-          </p:nvPr>
-        </p:nvSpPr>
-        <p:spPr/>
-        <p:txBody>
-          <a:bodyPr>
-            <a:normAutofit fontScale="70000"/>
-          </a:bodyPr>
-          <a:p>
-            <a:r>
-              <a:rPr lang="zh-CN" altLang="en-US"/>
-              <a:t>基础功能</a:t>
-            </a:r>
-            <a:endParaRPr lang="zh-CN" altLang="en-US"/>
-          </a:p>
-        </p:txBody>
-      </p:sp>
-      <p:sp>
-        <p:nvSpPr>
-          <p:cNvPr id="5" name="内容占位符 4"/>
-          <p:cNvSpPr>
-            <a:spLocks noGrp="1"/>
-          </p:cNvSpPr>
-          <p:nvPr>
-            <p:ph sz="quarter" idx="10"/>
-          </p:nvPr>
-        </p:nvSpPr>
-        <p:spPr/>
-        <p:txBody>
-          <a:bodyPr/>
-          <a:p>
-            <a:r>
-              <a:rPr lang="zh-CN" altLang="en-US"/>
-              <a:t>放大</a:t>
-            </a:r>
-            <a:endParaRPr lang="zh-CN" altLang="en-US"/>
-          </a:p>
-          <a:p>
-            <a:r>
-              <a:rPr lang="zh-CN" altLang="en-US"/>
-              <a:t>缩小</a:t>
-            </a:r>
-            <a:endParaRPr lang="zh-CN" altLang="en-US"/>
-          </a:p>
-          <a:p>
-            <a:r>
-              <a:rPr lang="zh-CN" altLang="en-US"/>
-              <a:t>全图</a:t>
-            </a:r>
-            <a:endParaRPr lang="zh-CN" altLang="en-US"/>
-          </a:p>
-          <a:p>
-            <a:r>
-              <a:rPr lang="zh-CN" altLang="en-US"/>
-              <a:t>测量</a:t>
-            </a:r>
-            <a:endParaRPr lang="zh-CN" altLang="en-US"/>
-          </a:p>
-          <a:p>
-            <a:pPr lvl="1"/>
-            <a:r>
-              <a:rPr lang="zh-CN" altLang="en-US"/>
-              <a:t>http://maptalks.org/maptalks.js/api/0.x/DistanceTool.html</a:t>
-            </a:r>
-            <a:endParaRPr lang="zh-CN" altLang="en-US"/>
-          </a:p>
-          <a:p>
-            <a:pPr lvl="1"/>
-            <a:r>
-              <a:rPr lang="zh-CN" altLang="en-US"/>
-              <a:t>http://maptalks.org/examples/en/interaction/distance-tool/#interaction_distance-tool</a:t>
-            </a:r>
-            <a:endParaRPr lang="zh-CN" altLang="en-US"/>
-          </a:p>
-          <a:p>
-            <a:pPr lvl="1"/>
-            <a:r>
-              <a:rPr lang="zh-CN" altLang="en-US"/>
-              <a:t>http://maptalks.org/maptalks.js/api/0.x/AreaTool.html</a:t>
-            </a:r>
-            <a:endParaRPr lang="zh-CN" altLang="en-US"/>
-          </a:p>
-          <a:p>
-            <a:pPr lvl="1"/>
-            <a:r>
-              <a:rPr lang="zh-CN" altLang="en-US"/>
-              <a:t>http://maptalks.org/examples/en/interaction/area-tool/#interaction_area-tool</a:t>
-            </a:r>
-            <a:endParaRPr lang="zh-CN" altLang="en-US"/>
-          </a:p>
-        </p:txBody>
-      </p:sp>
-      <p:sp>
-        <p:nvSpPr>
-          <p:cNvPr id="2" name="页脚占位符 1"/>
-          <p:cNvSpPr>
-            <a:spLocks noGrp="1"/>
-          </p:cNvSpPr>
-          <p:nvPr>
-            <p:ph type="ftr" sz="quarter" idx="12"/>
-          </p:nvPr>
-        </p:nvSpPr>
-        <p:spPr/>
-        <p:txBody>
-          <a:bodyPr/>
-          <a:p>
-            <a:r>
-              <a:rPr lang="en-US" altLang="zh-CN" smtClean="0"/>
-              <a:t>@AndOrLab</a:t>
-            </a:r>
-            <a:endParaRPr lang="zh-CN" altLang="en-US"/>
-          </a:p>
-        </p:txBody>
-      </p:sp>
-    </p:spTree>
-  </p:cSld>
-  <p:clrMapOvr>
-    <a:masterClrMapping/>
-  </p:clrMapOvr>
-</p:sld>
-</file>
-
-<file path=ppt/slides/slide9.xml><?xml version="1.0" encoding="utf-8"?>
-<p:sld xmlns:a="http://schemas.openxmlformats.org/drawingml/2006/main" xmlns:r="http://schemas.openxmlformats.org/officeDocument/2006/relationships" xmlns:p="http://schemas.openxmlformats.org/presentationml/2006/main">
-  <p:cSld>
-    <p:spTree>
-      <p:nvGrpSpPr>
-        <p:cNvPr id="1" name=""/>
-        <p:cNvGrpSpPr/>
-        <p:nvPr/>
-      </p:nvGrpSpPr>
-      <p:grpSpPr/>
-      <p:sp>
-        <p:nvSpPr>
-          <p:cNvPr id="3" name="标题 2"/>
-          <p:cNvSpPr>
-            <a:spLocks noGrp="1"/>
-          </p:cNvSpPr>
-          <p:nvPr>
-            <p:ph type="title"/>
-          </p:nvPr>
-        </p:nvSpPr>
-        <p:spPr/>
-        <p:txBody>
-          <a:bodyPr>
-            <a:normAutofit fontScale="90000"/>
-          </a:bodyPr>
-          <a:p>
-            <a:r>
-              <a:rPr lang="en-US" altLang="zh-CN"/>
-              <a:t>maptalks</a:t>
-            </a:r>
-            <a:r>
-              <a:rPr lang="zh-CN" altLang="en-US"/>
-              <a:t>使用</a:t>
-            </a:r>
-            <a:endParaRPr lang="zh-CN" altLang="en-US"/>
-          </a:p>
-        </p:txBody>
-      </p:sp>
-      <p:sp>
-        <p:nvSpPr>
-          <p:cNvPr id="4" name="文本占位符 3"/>
-          <p:cNvSpPr>
-            <a:spLocks noGrp="1"/>
-          </p:cNvSpPr>
-          <p:nvPr>
-            <p:ph type="body" sz="quarter" idx="11"/>
-          </p:nvPr>
-        </p:nvSpPr>
-        <p:spPr/>
-        <p:txBody>
-          <a:bodyPr>
-            <a:normAutofit fontScale="70000"/>
-          </a:bodyPr>
-          <a:p>
-            <a:r>
-              <a:rPr lang="en-US" altLang="zh-CN"/>
-              <a:t>TileLayer</a:t>
-            </a:r>
-            <a:endParaRPr lang="en-US" altLang="zh-CN"/>
-          </a:p>
-        </p:txBody>
-      </p:sp>
-      <p:sp>
-        <p:nvSpPr>
-          <p:cNvPr id="5" name="内容占位符 4"/>
-          <p:cNvSpPr>
-            <a:spLocks noGrp="1"/>
-          </p:cNvSpPr>
-          <p:nvPr>
-            <p:ph sz="quarter" idx="10"/>
-          </p:nvPr>
-        </p:nvSpPr>
-        <p:spPr/>
-        <p:txBody>
-          <a:bodyPr/>
-          <a:p>
-            <a:r>
-              <a:rPr lang="en-US" altLang="zh-CN"/>
-              <a:t>TileLayer</a:t>
-            </a:r>
-            <a:r>
-              <a:t>是</a:t>
-            </a:r>
-            <a:r>
-              <a:rPr lang="en-US" altLang="zh-CN"/>
-              <a:t>maptalks</a:t>
-            </a:r>
-            <a:r>
-              <a:t>提供的一个用于加载瓦片服务的接口，</a:t>
-            </a:r>
-          </a:p>
-          <a:p>
-            <a:r>
-              <a:t>什么是瓦片服务？</a:t>
-            </a:r>
-          </a:p>
-          <a:p>
-            <a:pPr marL="0" indent="0">
-              <a:buNone/>
-            </a:pPr>
-          </a:p>
-        </p:txBody>
-      </p:sp>
-      <p:sp>
-        <p:nvSpPr>
-          <p:cNvPr id="2" name="页脚占位符 1"/>
-          <p:cNvSpPr>
-            <a:spLocks noGrp="1"/>
-          </p:cNvSpPr>
-          <p:nvPr>
-            <p:ph type="ftr" sz="quarter" idx="12"/>
-          </p:nvPr>
-        </p:nvSpPr>
-        <p:spPr/>
-        <p:txBody>
-          <a:bodyPr/>
-          <a:p>
-            <a:r>
-              <a:rPr lang="en-US" altLang="zh-CN" smtClean="0"/>
-              <a:t>@AndOrLab</a:t>
-            </a:r>
-            <a:endParaRPr lang="zh-CN" altLang="en-US"/>
-          </a:p>
-        </p:txBody>
-      </p:sp>
-      <p:pic>
-        <p:nvPicPr>
-          <p:cNvPr id="6" name="图片 5"/>
-          <p:cNvPicPr>
-            <a:picLocks noChangeAspect="1"/>
-          </p:cNvPicPr>
-          <p:nvPr/>
-        </p:nvPicPr>
-        <p:blipFill>
-          <a:blip r:embed="rId1"/>
-          <a:stretch>
-            <a:fillRect/>
-          </a:stretch>
-        </p:blipFill>
-        <p:spPr>
-          <a:xfrm>
-            <a:off x="600710" y="2324100"/>
-            <a:ext cx="4589145" cy="3973830"/>
           </a:xfrm>
           <a:prstGeom prst="rect">
             <a:avLst/>

--- a/contents/2018-11-14-杜秀秀/maptalks使用基础.pptx
+++ b/contents/2018-11-14-杜秀秀/maptalks使用基础.pptx
@@ -5,7 +5,7 @@
     <p:sldMasterId id="2147483648" r:id="rId1"/>
   </p:sldMasterIdLst>
   <p:notesMasterIdLst>
-    <p:notesMasterId r:id="rId23"/>
+    <p:notesMasterId r:id="rId24"/>
   </p:notesMasterIdLst>
   <p:sldIdLst>
     <p:sldId id="256" r:id="rId3"/>
@@ -14,20 +14,21 @@
     <p:sldId id="295" r:id="rId6"/>
     <p:sldId id="309" r:id="rId7"/>
     <p:sldId id="310" r:id="rId8"/>
-    <p:sldId id="258" r:id="rId9"/>
-    <p:sldId id="261" r:id="rId10"/>
-    <p:sldId id="260" r:id="rId11"/>
-    <p:sldId id="270" r:id="rId12"/>
-    <p:sldId id="262" r:id="rId13"/>
-    <p:sldId id="263" r:id="rId14"/>
-    <p:sldId id="264" r:id="rId15"/>
-    <p:sldId id="265" r:id="rId16"/>
-    <p:sldId id="267" r:id="rId17"/>
-    <p:sldId id="268" r:id="rId18"/>
-    <p:sldId id="266" r:id="rId19"/>
-    <p:sldId id="324" r:id="rId20"/>
-    <p:sldId id="269" r:id="rId21"/>
-    <p:sldId id="271" r:id="rId22"/>
+    <p:sldId id="327" r:id="rId9"/>
+    <p:sldId id="258" r:id="rId10"/>
+    <p:sldId id="261" r:id="rId11"/>
+    <p:sldId id="260" r:id="rId12"/>
+    <p:sldId id="270" r:id="rId13"/>
+    <p:sldId id="262" r:id="rId14"/>
+    <p:sldId id="263" r:id="rId15"/>
+    <p:sldId id="264" r:id="rId16"/>
+    <p:sldId id="265" r:id="rId17"/>
+    <p:sldId id="267" r:id="rId18"/>
+    <p:sldId id="268" r:id="rId19"/>
+    <p:sldId id="266" r:id="rId20"/>
+    <p:sldId id="324" r:id="rId21"/>
+    <p:sldId id="269" r:id="rId22"/>
+    <p:sldId id="271" r:id="rId23"/>
   </p:sldIdLst>
   <p:sldSz cx="12192000" cy="6858000"/>
   <p:notesSz cx="6858000" cy="9144000"/>
@@ -1902,8 +1903,12 @@
           </a:bodyPr>
           <a:p>
             <a:r>
+              <a:rPr lang="en-US" altLang="zh-CN"/>
+              <a:t>map</a:t>
+            </a:r>
+            <a:r>
               <a:rPr lang="zh-CN" altLang="en-US"/>
-              <a:t>基础功能</a:t>
+              <a:t>对象创建</a:t>
             </a:r>
             <a:endParaRPr lang="zh-CN" altLang="en-US"/>
           </a:p>
@@ -1919,67 +1924,67 @@
             <p:ph sz="quarter" idx="10"/>
           </p:nvPr>
         </p:nvSpPr>
-        <p:spPr/>
+        <p:spPr>
+          <a:xfrm>
+            <a:off x="464185" y="1477010"/>
+            <a:ext cx="11233785" cy="2473960"/>
+          </a:xfrm>
+        </p:spPr>
         <p:txBody>
           <a:bodyPr/>
           <a:p>
             <a:r>
               <a:rPr lang="zh-CN" altLang="en-US"/>
-              <a:t>放大</a:t>
-            </a:r>
-            <a:endParaRPr lang="zh-CN" altLang="en-US"/>
-          </a:p>
-          <a:p>
-            <a:r>
-              <a:rPr lang="zh-CN" altLang="en-US"/>
-              <a:t>缩小</a:t>
-            </a:r>
-            <a:endParaRPr lang="zh-CN" altLang="en-US"/>
-          </a:p>
-          <a:p>
-            <a:r>
-              <a:rPr lang="zh-CN" altLang="en-US"/>
-              <a:t>全图</a:t>
-            </a:r>
-            <a:endParaRPr lang="zh-CN" altLang="en-US"/>
-          </a:p>
-          <a:p>
-            <a:r>
-              <a:rPr lang="zh-CN" altLang="en-US"/>
-              <a:t>测量</a:t>
-            </a:r>
-            <a:endParaRPr lang="zh-CN" altLang="en-US"/>
-          </a:p>
-          <a:p>
-            <a:pPr lvl="1"/>
-            <a:r>
-              <a:rPr lang="zh-CN" altLang="en-US"/>
-              <a:t>http://maptalks.org/maptalks.js/api/0.x/DistanceTool.html</a:t>
-            </a:r>
-            <a:endParaRPr lang="zh-CN" altLang="en-US"/>
-          </a:p>
-          <a:p>
-            <a:pPr lvl="1"/>
-            <a:r>
-              <a:rPr lang="zh-CN" altLang="en-US"/>
-              <a:t>http://maptalks.org/examples/en/interaction/distance-tool/#interaction_distance-tool</a:t>
-            </a:r>
-            <a:endParaRPr lang="zh-CN" altLang="en-US"/>
-          </a:p>
-          <a:p>
-            <a:pPr lvl="1"/>
-            <a:r>
-              <a:rPr lang="zh-CN" altLang="en-US"/>
-              <a:t>http://maptalks.org/maptalks.js/api/0.x/AreaTool.html</a:t>
-            </a:r>
-            <a:endParaRPr lang="zh-CN" altLang="en-US"/>
-          </a:p>
-          <a:p>
-            <a:pPr lvl="1"/>
-            <a:r>
-              <a:rPr lang="zh-CN" altLang="en-US"/>
-              <a:t>http://maptalks.org/examples/en/interaction/area-tool/#interaction_area-tool</a:t>
-            </a:r>
+              <a:t>官网示例 http://maptalks.org/maptalks.js/api/0.x/Map.html</a:t>
+            </a:r>
+            <a:endParaRPr lang="zh-CN" altLang="en-US"/>
+          </a:p>
+          <a:p>
+            <a:pPr marL="0" indent="0">
+              <a:buNone/>
+            </a:pPr>
+            <a:endParaRPr lang="zh-CN" altLang="en-US"/>
+          </a:p>
+          <a:p>
+            <a:pPr marL="0" indent="0">
+              <a:buNone/>
+            </a:pPr>
+            <a:endParaRPr lang="zh-CN" altLang="en-US"/>
+          </a:p>
+          <a:p>
+            <a:pPr marL="0" indent="0">
+              <a:buNone/>
+            </a:pPr>
+            <a:endParaRPr lang="zh-CN" altLang="en-US"/>
+          </a:p>
+          <a:p>
+            <a:pPr marL="0" indent="0">
+              <a:buNone/>
+            </a:pPr>
+            <a:endParaRPr lang="zh-CN" altLang="en-US"/>
+          </a:p>
+          <a:p>
+            <a:pPr marL="0" indent="0">
+              <a:buNone/>
+            </a:pPr>
+            <a:endParaRPr lang="zh-CN" altLang="en-US"/>
+          </a:p>
+          <a:p>
+            <a:pPr marL="0" indent="0">
+              <a:buNone/>
+            </a:pPr>
+            <a:endParaRPr lang="zh-CN" altLang="en-US"/>
+          </a:p>
+          <a:p>
+            <a:pPr marL="0" indent="0">
+              <a:buNone/>
+            </a:pPr>
+            <a:endParaRPr lang="zh-CN" altLang="en-US"/>
+          </a:p>
+          <a:p>
+            <a:pPr marL="0" indent="0">
+              <a:buNone/>
+            </a:pPr>
             <a:endParaRPr lang="zh-CN" altLang="en-US"/>
           </a:p>
         </p:txBody>
@@ -2006,6 +2011,30 @@
           </a:p>
         </p:txBody>
       </p:sp>
+      <p:pic>
+        <p:nvPicPr>
+          <p:cNvPr id="6" name="图片 5"/>
+          <p:cNvPicPr>
+            <a:picLocks noChangeAspect="1"/>
+          </p:cNvPicPr>
+          <p:nvPr/>
+        </p:nvPicPr>
+        <p:blipFill>
+          <a:blip r:embed="rId1"/>
+          <a:stretch>
+            <a:fillRect/>
+          </a:stretch>
+        </p:blipFill>
+        <p:spPr>
+          <a:xfrm>
+            <a:off x="708660" y="2026920"/>
+            <a:ext cx="7978775" cy="3195320"/>
+          </a:xfrm>
+          <a:prstGeom prst="rect">
+            <a:avLst/>
+          </a:prstGeom>
+        </p:spPr>
+      </p:pic>
     </p:spTree>
   </p:cSld>
   <p:clrMapOvr>
@@ -2015,6 +2044,173 @@
 </file>
 
 <file path=ppt/slides/slide11.xml><?xml version="1.0" encoding="utf-8"?>
+<p:sld xmlns:a="http://schemas.openxmlformats.org/drawingml/2006/main" xmlns:r="http://schemas.openxmlformats.org/officeDocument/2006/relationships" xmlns:p="http://schemas.openxmlformats.org/presentationml/2006/main">
+  <p:cSld>
+    <p:spTree>
+      <p:nvGrpSpPr>
+        <p:cNvPr id="1" name=""/>
+        <p:cNvGrpSpPr/>
+        <p:nvPr/>
+      </p:nvGrpSpPr>
+      <p:grpSpPr/>
+      <p:sp>
+        <p:nvSpPr>
+          <p:cNvPr id="3" name="标题 2"/>
+          <p:cNvSpPr>
+            <a:spLocks noGrp="1"/>
+          </p:cNvSpPr>
+          <p:nvPr>
+            <p:ph type="title"/>
+          </p:nvPr>
+        </p:nvSpPr>
+        <p:spPr/>
+        <p:txBody>
+          <a:bodyPr>
+            <a:normAutofit fontScale="90000"/>
+          </a:bodyPr>
+          <a:p>
+            <a:r>
+              <a:rPr lang="en-US" altLang="zh-CN"/>
+              <a:t>maptalks</a:t>
+            </a:r>
+            <a:r>
+              <a:rPr lang="zh-CN" altLang="en-US"/>
+              <a:t>使用</a:t>
+            </a:r>
+            <a:endParaRPr lang="zh-CN" altLang="en-US"/>
+          </a:p>
+        </p:txBody>
+      </p:sp>
+      <p:sp>
+        <p:nvSpPr>
+          <p:cNvPr id="4" name="文本占位符 3"/>
+          <p:cNvSpPr>
+            <a:spLocks noGrp="1"/>
+          </p:cNvSpPr>
+          <p:nvPr>
+            <p:ph type="body" sz="quarter" idx="11"/>
+          </p:nvPr>
+        </p:nvSpPr>
+        <p:spPr/>
+        <p:txBody>
+          <a:bodyPr>
+            <a:normAutofit fontScale="70000"/>
+          </a:bodyPr>
+          <a:p>
+            <a:r>
+              <a:rPr lang="zh-CN" altLang="en-US"/>
+              <a:t>基础功能</a:t>
+            </a:r>
+            <a:endParaRPr lang="zh-CN" altLang="en-US"/>
+          </a:p>
+        </p:txBody>
+      </p:sp>
+      <p:sp>
+        <p:nvSpPr>
+          <p:cNvPr id="5" name="内容占位符 4"/>
+          <p:cNvSpPr>
+            <a:spLocks noGrp="1"/>
+          </p:cNvSpPr>
+          <p:nvPr>
+            <p:ph sz="quarter" idx="10"/>
+          </p:nvPr>
+        </p:nvSpPr>
+        <p:spPr/>
+        <p:txBody>
+          <a:bodyPr/>
+          <a:p>
+            <a:r>
+              <a:rPr lang="zh-CN" altLang="en-US"/>
+              <a:t>放大</a:t>
+            </a:r>
+            <a:endParaRPr lang="zh-CN" altLang="en-US"/>
+          </a:p>
+          <a:p>
+            <a:r>
+              <a:rPr lang="zh-CN" altLang="en-US"/>
+              <a:t>缩小</a:t>
+            </a:r>
+            <a:endParaRPr lang="zh-CN" altLang="en-US"/>
+          </a:p>
+          <a:p>
+            <a:r>
+              <a:rPr lang="zh-CN" altLang="en-US"/>
+              <a:t>全图</a:t>
+            </a:r>
+            <a:endParaRPr lang="zh-CN" altLang="en-US"/>
+          </a:p>
+          <a:p>
+            <a:r>
+              <a:rPr lang="zh-CN" altLang="en-US"/>
+              <a:t>测量</a:t>
+            </a:r>
+            <a:endParaRPr lang="zh-CN" altLang="en-US"/>
+          </a:p>
+          <a:p>
+            <a:pPr lvl="1"/>
+            <a:r>
+              <a:rPr lang="zh-CN" altLang="en-US"/>
+              <a:t>http://maptalks.org/maptalks.js/api/0.x/DistanceTool.html</a:t>
+            </a:r>
+            <a:endParaRPr lang="zh-CN" altLang="en-US"/>
+          </a:p>
+          <a:p>
+            <a:pPr lvl="1"/>
+            <a:r>
+              <a:rPr lang="zh-CN" altLang="en-US"/>
+              <a:t>http://maptalks.org/examples/en/interaction/distance-tool/#interaction_distance-tool</a:t>
+            </a:r>
+            <a:endParaRPr lang="zh-CN" altLang="en-US"/>
+          </a:p>
+          <a:p>
+            <a:pPr lvl="1"/>
+            <a:r>
+              <a:rPr lang="zh-CN" altLang="en-US"/>
+              <a:t>http://maptalks.org/maptalks.js/api/0.x/AreaTool.html</a:t>
+            </a:r>
+            <a:endParaRPr lang="zh-CN" altLang="en-US"/>
+          </a:p>
+          <a:p>
+            <a:pPr lvl="1"/>
+            <a:r>
+              <a:rPr lang="zh-CN" altLang="en-US"/>
+              <a:t>http://maptalks.org/examples/en/interaction/area-tool/#interaction_area-tool</a:t>
+            </a:r>
+            <a:endParaRPr lang="zh-CN" altLang="en-US"/>
+          </a:p>
+        </p:txBody>
+      </p:sp>
+      <p:sp>
+        <p:nvSpPr>
+          <p:cNvPr id="2" name="页脚占位符 1"/>
+          <p:cNvSpPr>
+            <a:spLocks noGrp="1"/>
+          </p:cNvSpPr>
+          <p:nvPr>
+            <p:ph type="ftr" sz="quarter" idx="12"/>
+          </p:nvPr>
+        </p:nvSpPr>
+        <p:spPr/>
+        <p:txBody>
+          <a:bodyPr/>
+          <a:p>
+            <a:r>
+              <a:rPr lang="en-US" altLang="zh-CN" smtClean="0"/>
+              <a:t>@AndOrLab</a:t>
+            </a:r>
+            <a:endParaRPr lang="zh-CN" altLang="en-US"/>
+          </a:p>
+        </p:txBody>
+      </p:sp>
+    </p:spTree>
+  </p:cSld>
+  <p:clrMapOvr>
+    <a:masterClrMapping/>
+  </p:clrMapOvr>
+</p:sld>
+</file>
+
+<file path=ppt/slides/slide12.xml><?xml version="1.0" encoding="utf-8"?>
 <p:sld xmlns:a="http://schemas.openxmlformats.org/drawingml/2006/main" xmlns:r="http://schemas.openxmlformats.org/officeDocument/2006/relationships" xmlns:p="http://schemas.openxmlformats.org/presentationml/2006/main">
   <p:cSld>
     <p:spTree>
@@ -2171,7 +2367,7 @@
 </p:sld>
 </file>
 
-<file path=ppt/slides/slide12.xml><?xml version="1.0" encoding="utf-8"?>
+<file path=ppt/slides/slide13.xml><?xml version="1.0" encoding="utf-8"?>
 <p:sld xmlns:a="http://schemas.openxmlformats.org/drawingml/2006/main" xmlns:r="http://schemas.openxmlformats.org/officeDocument/2006/relationships" xmlns:p="http://schemas.openxmlformats.org/presentationml/2006/main">
   <p:cSld>
     <p:spTree>
@@ -2366,7 +2562,7 @@
 </p:sld>
 </file>
 
-<file path=ppt/slides/slide13.xml><?xml version="1.0" encoding="utf-8"?>
+<file path=ppt/slides/slide14.xml><?xml version="1.0" encoding="utf-8"?>
 <p:sld xmlns:a="http://schemas.openxmlformats.org/drawingml/2006/main" xmlns:r="http://schemas.openxmlformats.org/officeDocument/2006/relationships" xmlns:p="http://schemas.openxmlformats.org/presentationml/2006/main">
   <p:cSld>
     <p:spTree>
@@ -2519,7 +2715,7 @@
 </p:sld>
 </file>
 
-<file path=ppt/slides/slide14.xml><?xml version="1.0" encoding="utf-8"?>
+<file path=ppt/slides/slide15.xml><?xml version="1.0" encoding="utf-8"?>
 <p:sld xmlns:a="http://schemas.openxmlformats.org/drawingml/2006/main" xmlns:r="http://schemas.openxmlformats.org/officeDocument/2006/relationships" xmlns:p="http://schemas.openxmlformats.org/presentationml/2006/main">
   <p:cSld>
     <p:spTree>
@@ -2693,7 +2889,7 @@
 </p:sld>
 </file>
 
-<file path=ppt/slides/slide15.xml><?xml version="1.0" encoding="utf-8"?>
+<file path=ppt/slides/slide16.xml><?xml version="1.0" encoding="utf-8"?>
 <p:sld xmlns:a="http://schemas.openxmlformats.org/drawingml/2006/main" xmlns:r="http://schemas.openxmlformats.org/officeDocument/2006/relationships" xmlns:p="http://schemas.openxmlformats.org/presentationml/2006/main">
   <p:cSld>
     <p:spTree>
@@ -2811,7 +3007,7 @@
 </p:sld>
 </file>
 
-<file path=ppt/slides/slide16.xml><?xml version="1.0" encoding="utf-8"?>
+<file path=ppt/slides/slide17.xml><?xml version="1.0" encoding="utf-8"?>
 <p:sld xmlns:a="http://schemas.openxmlformats.org/drawingml/2006/main" xmlns:r="http://schemas.openxmlformats.org/officeDocument/2006/relationships" xmlns:p="http://schemas.openxmlformats.org/presentationml/2006/main">
   <p:cSld>
     <p:spTree>
@@ -2959,7 +3155,7 @@
 </p:sld>
 </file>
 
-<file path=ppt/slides/slide17.xml><?xml version="1.0" encoding="utf-8"?>
+<file path=ppt/slides/slide18.xml><?xml version="1.0" encoding="utf-8"?>
 <p:sld xmlns:a="http://schemas.openxmlformats.org/drawingml/2006/main" xmlns:r="http://schemas.openxmlformats.org/officeDocument/2006/relationships" xmlns:p="http://schemas.openxmlformats.org/presentationml/2006/main">
   <p:cSld>
     <p:spTree>
@@ -3100,7 +3296,7 @@
 </p:sld>
 </file>
 
-<file path=ppt/slides/slide18.xml><?xml version="1.0" encoding="utf-8"?>
+<file path=ppt/slides/slide19.xml><?xml version="1.0" encoding="utf-8"?>
 <p:sld xmlns:a="http://schemas.openxmlformats.org/drawingml/2006/main" xmlns:r="http://schemas.openxmlformats.org/officeDocument/2006/relationships" xmlns:p="http://schemas.openxmlformats.org/presentationml/2006/main">
   <p:cSld>
     <p:spTree>
@@ -3243,177 +3439,6 @@
 </p:sld>
 </file>
 
-<file path=ppt/slides/slide19.xml><?xml version="1.0" encoding="utf-8"?>
-<p:sld xmlns:a="http://schemas.openxmlformats.org/drawingml/2006/main" xmlns:r="http://schemas.openxmlformats.org/officeDocument/2006/relationships" xmlns:p="http://schemas.openxmlformats.org/presentationml/2006/main">
-  <p:cSld>
-    <p:spTree>
-      <p:nvGrpSpPr>
-        <p:cNvPr id="1" name=""/>
-        <p:cNvGrpSpPr/>
-        <p:nvPr/>
-      </p:nvGrpSpPr>
-      <p:grpSpPr/>
-      <p:sp>
-        <p:nvSpPr>
-          <p:cNvPr id="3" name="标题 2"/>
-          <p:cNvSpPr>
-            <a:spLocks noGrp="1"/>
-          </p:cNvSpPr>
-          <p:nvPr>
-            <p:ph type="title"/>
-          </p:nvPr>
-        </p:nvSpPr>
-        <p:spPr/>
-        <p:txBody>
-          <a:bodyPr>
-            <a:normAutofit fontScale="90000"/>
-          </a:bodyPr>
-          <a:p>
-            <a:r>
-              <a:rPr lang="en-US" altLang="zh-CN"/>
-              <a:t>maptalks</a:t>
-            </a:r>
-            <a:r>
-              <a:rPr lang="zh-CN" altLang="en-US"/>
-              <a:t>基础操作</a:t>
-            </a:r>
-            <a:endParaRPr lang="zh-CN" altLang="en-US"/>
-          </a:p>
-        </p:txBody>
-      </p:sp>
-      <p:sp>
-        <p:nvSpPr>
-          <p:cNvPr id="4" name="文本占位符 3"/>
-          <p:cNvSpPr>
-            <a:spLocks noGrp="1"/>
-          </p:cNvSpPr>
-          <p:nvPr>
-            <p:ph type="body" sz="quarter" idx="11"/>
-          </p:nvPr>
-        </p:nvSpPr>
-        <p:spPr/>
-        <p:txBody>
-          <a:bodyPr>
-            <a:normAutofit fontScale="70000"/>
-          </a:bodyPr>
-          <a:p>
-            <a:r>
-              <a:rPr lang="en-US" altLang="zh-CN"/>
-              <a:t>view</a:t>
-            </a:r>
-            <a:r>
-              <a:rPr lang="zh-CN" altLang="en-US"/>
-              <a:t>参数说明</a:t>
-            </a:r>
-            <a:endParaRPr lang="zh-CN" altLang="en-US"/>
-          </a:p>
-        </p:txBody>
-      </p:sp>
-      <p:sp>
-        <p:nvSpPr>
-          <p:cNvPr id="5" name="内容占位符 4"/>
-          <p:cNvSpPr>
-            <a:spLocks noGrp="1"/>
-          </p:cNvSpPr>
-          <p:nvPr>
-            <p:ph sz="quarter" idx="10"/>
-          </p:nvPr>
-        </p:nvSpPr>
-        <p:spPr/>
-        <p:txBody>
-          <a:bodyPr/>
-          <a:p>
-            <a:pPr marL="0" indent="0">
-              <a:buNone/>
-            </a:pPr>
-            <a:r>
-              <a:rPr lang="en-US" altLang="zh-CN"/>
-              <a:t>{</a:t>
-            </a:r>
-            <a:endParaRPr lang="en-US" altLang="zh-CN"/>
-          </a:p>
-          <a:p>
-            <a:pPr marL="0" indent="0">
-              <a:buNone/>
-            </a:pPr>
-            <a:r>
-              <a:rPr lang="en-US" altLang="zh-CN"/>
-              <a:t>	zoom: </a:t>
-            </a:r>
-            <a:endParaRPr lang="en-US" altLang="zh-CN"/>
-          </a:p>
-          <a:p>
-            <a:pPr marL="0" indent="0">
-              <a:buNone/>
-            </a:pPr>
-            <a:r>
-              <a:rPr lang="en-US" altLang="zh-CN"/>
-              <a:t>	pitch:</a:t>
-            </a:r>
-            <a:endParaRPr lang="en-US" altLang="zh-CN"/>
-          </a:p>
-          <a:p>
-            <a:pPr marL="0" indent="0">
-              <a:buNone/>
-            </a:pPr>
-            <a:r>
-              <a:rPr lang="en-US" altLang="zh-CN"/>
-              <a:t>	bearing:</a:t>
-            </a:r>
-            <a:endParaRPr lang="en-US" altLang="zh-CN"/>
-          </a:p>
-          <a:p>
-            <a:pPr marL="0" indent="0">
-              <a:buNone/>
-            </a:pPr>
-            <a:r>
-              <a:rPr lang="en-US" altLang="zh-CN"/>
-              <a:t>	center:</a:t>
-            </a:r>
-            <a:endParaRPr lang="en-US" altLang="zh-CN"/>
-          </a:p>
-          <a:p>
-            <a:pPr marL="0" indent="0">
-              <a:buNone/>
-            </a:pPr>
-            <a:r>
-              <a:rPr lang="en-US" altLang="zh-CN"/>
-              <a:t>}</a:t>
-            </a:r>
-            <a:endParaRPr lang="en-US" altLang="zh-CN"/>
-          </a:p>
-        </p:txBody>
-      </p:sp>
-      <p:sp>
-        <p:nvSpPr>
-          <p:cNvPr id="2" name="页脚占位符 1"/>
-          <p:cNvSpPr>
-            <a:spLocks noGrp="1"/>
-          </p:cNvSpPr>
-          <p:nvPr>
-            <p:ph type="ftr" sz="quarter" idx="12"/>
-          </p:nvPr>
-        </p:nvSpPr>
-        <p:spPr/>
-        <p:txBody>
-          <a:bodyPr/>
-          <a:p>
-            <a:r>
-              <a:rPr lang="en-US" altLang="zh-CN" smtClean="0"/>
-              <a:t>@AndOrLab</a:t>
-            </a:r>
-            <a:endParaRPr lang="zh-CN" altLang="en-US"/>
-          </a:p>
-        </p:txBody>
-      </p:sp>
-    </p:spTree>
-  </p:cSld>
-  <p:clrMapOvr>
-    <a:masterClrMapping/>
-  </p:clrMapOvr>
-</p:sld>
-</file>
-
 <file path=ppt/slides/slide2.xml><?xml version="1.0" encoding="utf-8"?>
 <p:sld xmlns:a="http://schemas.openxmlformats.org/drawingml/2006/main" xmlns:r="http://schemas.openxmlformats.org/officeDocument/2006/relationships" xmlns:p="http://schemas.openxmlformats.org/presentationml/2006/main">
   <p:cSld>
@@ -3623,6 +3648,177 @@
 </file>
 
 <file path=ppt/slides/slide20.xml><?xml version="1.0" encoding="utf-8"?>
+<p:sld xmlns:a="http://schemas.openxmlformats.org/drawingml/2006/main" xmlns:r="http://schemas.openxmlformats.org/officeDocument/2006/relationships" xmlns:p="http://schemas.openxmlformats.org/presentationml/2006/main">
+  <p:cSld>
+    <p:spTree>
+      <p:nvGrpSpPr>
+        <p:cNvPr id="1" name=""/>
+        <p:cNvGrpSpPr/>
+        <p:nvPr/>
+      </p:nvGrpSpPr>
+      <p:grpSpPr/>
+      <p:sp>
+        <p:nvSpPr>
+          <p:cNvPr id="3" name="标题 2"/>
+          <p:cNvSpPr>
+            <a:spLocks noGrp="1"/>
+          </p:cNvSpPr>
+          <p:nvPr>
+            <p:ph type="title"/>
+          </p:nvPr>
+        </p:nvSpPr>
+        <p:spPr/>
+        <p:txBody>
+          <a:bodyPr>
+            <a:normAutofit fontScale="90000"/>
+          </a:bodyPr>
+          <a:p>
+            <a:r>
+              <a:rPr lang="en-US" altLang="zh-CN"/>
+              <a:t>maptalks</a:t>
+            </a:r>
+            <a:r>
+              <a:rPr lang="zh-CN" altLang="en-US"/>
+              <a:t>基础操作</a:t>
+            </a:r>
+            <a:endParaRPr lang="zh-CN" altLang="en-US"/>
+          </a:p>
+        </p:txBody>
+      </p:sp>
+      <p:sp>
+        <p:nvSpPr>
+          <p:cNvPr id="4" name="文本占位符 3"/>
+          <p:cNvSpPr>
+            <a:spLocks noGrp="1"/>
+          </p:cNvSpPr>
+          <p:nvPr>
+            <p:ph type="body" sz="quarter" idx="11"/>
+          </p:nvPr>
+        </p:nvSpPr>
+        <p:spPr/>
+        <p:txBody>
+          <a:bodyPr>
+            <a:normAutofit fontScale="70000"/>
+          </a:bodyPr>
+          <a:p>
+            <a:r>
+              <a:rPr lang="en-US" altLang="zh-CN"/>
+              <a:t>view</a:t>
+            </a:r>
+            <a:r>
+              <a:rPr lang="zh-CN" altLang="en-US"/>
+              <a:t>参数说明</a:t>
+            </a:r>
+            <a:endParaRPr lang="zh-CN" altLang="en-US"/>
+          </a:p>
+        </p:txBody>
+      </p:sp>
+      <p:sp>
+        <p:nvSpPr>
+          <p:cNvPr id="5" name="内容占位符 4"/>
+          <p:cNvSpPr>
+            <a:spLocks noGrp="1"/>
+          </p:cNvSpPr>
+          <p:nvPr>
+            <p:ph sz="quarter" idx="10"/>
+          </p:nvPr>
+        </p:nvSpPr>
+        <p:spPr/>
+        <p:txBody>
+          <a:bodyPr/>
+          <a:p>
+            <a:pPr marL="0" indent="0">
+              <a:buNone/>
+            </a:pPr>
+            <a:r>
+              <a:rPr lang="en-US" altLang="zh-CN"/>
+              <a:t>{</a:t>
+            </a:r>
+            <a:endParaRPr lang="en-US" altLang="zh-CN"/>
+          </a:p>
+          <a:p>
+            <a:pPr marL="0" indent="0">
+              <a:buNone/>
+            </a:pPr>
+            <a:r>
+              <a:rPr lang="en-US" altLang="zh-CN"/>
+              <a:t>	zoom: </a:t>
+            </a:r>
+            <a:endParaRPr lang="en-US" altLang="zh-CN"/>
+          </a:p>
+          <a:p>
+            <a:pPr marL="0" indent="0">
+              <a:buNone/>
+            </a:pPr>
+            <a:r>
+              <a:rPr lang="en-US" altLang="zh-CN"/>
+              <a:t>	pitch:</a:t>
+            </a:r>
+            <a:endParaRPr lang="en-US" altLang="zh-CN"/>
+          </a:p>
+          <a:p>
+            <a:pPr marL="0" indent="0">
+              <a:buNone/>
+            </a:pPr>
+            <a:r>
+              <a:rPr lang="en-US" altLang="zh-CN"/>
+              <a:t>	bearing:</a:t>
+            </a:r>
+            <a:endParaRPr lang="en-US" altLang="zh-CN"/>
+          </a:p>
+          <a:p>
+            <a:pPr marL="0" indent="0">
+              <a:buNone/>
+            </a:pPr>
+            <a:r>
+              <a:rPr lang="en-US" altLang="zh-CN"/>
+              <a:t>	center:</a:t>
+            </a:r>
+            <a:endParaRPr lang="en-US" altLang="zh-CN"/>
+          </a:p>
+          <a:p>
+            <a:pPr marL="0" indent="0">
+              <a:buNone/>
+            </a:pPr>
+            <a:r>
+              <a:rPr lang="en-US" altLang="zh-CN"/>
+              <a:t>}</a:t>
+            </a:r>
+            <a:endParaRPr lang="en-US" altLang="zh-CN"/>
+          </a:p>
+        </p:txBody>
+      </p:sp>
+      <p:sp>
+        <p:nvSpPr>
+          <p:cNvPr id="2" name="页脚占位符 1"/>
+          <p:cNvSpPr>
+            <a:spLocks noGrp="1"/>
+          </p:cNvSpPr>
+          <p:nvPr>
+            <p:ph type="ftr" sz="quarter" idx="12"/>
+          </p:nvPr>
+        </p:nvSpPr>
+        <p:spPr/>
+        <p:txBody>
+          <a:bodyPr/>
+          <a:p>
+            <a:r>
+              <a:rPr lang="en-US" altLang="zh-CN" smtClean="0"/>
+              <a:t>@AndOrLab</a:t>
+            </a:r>
+            <a:endParaRPr lang="zh-CN" altLang="en-US"/>
+          </a:p>
+        </p:txBody>
+      </p:sp>
+    </p:spTree>
+  </p:cSld>
+  <p:clrMapOvr>
+    <a:masterClrMapping/>
+  </p:clrMapOvr>
+</p:sld>
+</file>
+
+<file path=ppt/slides/slide21.xml><?xml version="1.0" encoding="utf-8"?>
 <p:sld xmlns:a="http://schemas.openxmlformats.org/drawingml/2006/main" xmlns:r="http://schemas.openxmlformats.org/officeDocument/2006/relationships" xmlns:p="http://schemas.openxmlformats.org/presentationml/2006/main">
   <p:cSld>
     <p:spTree>
@@ -4303,48 +4499,7 @@
       <p:grpSpPr/>
       <p:sp>
         <p:nvSpPr>
-          <p:cNvPr id="3" name="内容占位符 2"/>
-          <p:cNvSpPr>
-            <a:spLocks noGrp="1"/>
-          </p:cNvSpPr>
-          <p:nvPr>
-            <p:ph sz="quarter" idx="10"/>
-          </p:nvPr>
-        </p:nvSpPr>
-        <p:spPr>
-          <a:xfrm>
-            <a:off x="479062" y="1079653"/>
-            <a:ext cx="11234058" cy="5502666"/>
-          </a:xfrm>
-        </p:spPr>
-        <p:txBody>
-          <a:bodyPr/>
-          <a:p>
-            <a:r>
-              <a:rPr lang="zh-CN" altLang="en-US"/>
-              <a:t>依赖安装</a:t>
-            </a:r>
-            <a:endParaRPr lang="zh-CN" altLang="en-US"/>
-          </a:p>
-          <a:p>
-            <a:r>
-              <a:rPr lang="en-US" altLang="zh-CN"/>
-              <a:t>ts</a:t>
-            </a:r>
-            <a:r>
-              <a:t>支持</a:t>
-            </a:r>
-          </a:p>
-          <a:p>
-            <a:r>
-              <a:t>包的导入</a:t>
-            </a:r>
-          </a:p>
-        </p:txBody>
-      </p:sp>
-      <p:sp>
-        <p:nvSpPr>
-          <p:cNvPr id="4" name="标题 3"/>
+          <p:cNvPr id="3" name="标题 2"/>
           <p:cNvSpPr>
             <a:spLocks noGrp="1"/>
           </p:cNvSpPr>
@@ -4359,42 +4514,78 @@
           </a:bodyPr>
           <a:p>
             <a:r>
-              <a:rPr lang="en-US" altLang="zh-CN">
-                <a:sym typeface="+mn-ea"/>
-              </a:rPr>
-              <a:t>maptaks</a:t>
-            </a:r>
-            <a:r>
-              <a:rPr>
-                <a:sym typeface="+mn-ea"/>
-              </a:rPr>
-              <a:t>与基于</a:t>
-            </a:r>
-            <a:r>
-              <a:rPr lang="en-US" altLang="zh-CN">
-                <a:sym typeface="+mn-ea"/>
-              </a:rPr>
-              <a:t>ts</a:t>
-            </a:r>
-            <a:r>
-              <a:rPr>
-                <a:sym typeface="+mn-ea"/>
-              </a:rPr>
-              <a:t>的</a:t>
-            </a:r>
-            <a:r>
-              <a:rPr lang="en-US" altLang="zh-CN">
-                <a:sym typeface="+mn-ea"/>
-              </a:rPr>
-              <a:t>react</a:t>
-            </a:r>
-            <a:r>
-              <a:rPr>
-                <a:sym typeface="+mn-ea"/>
-              </a:rPr>
-              <a:t>项目集成</a:t>
-            </a:r>
-            <a:endParaRPr lang="zh-CN" altLang="en-US"/>
+              <a:rPr lang="en-US" altLang="zh-CN"/>
+              <a:t>maptalks</a:t>
+            </a:r>
+            <a:r>
+              <a:rPr lang="zh-CN" altLang="en-US"/>
+              <a:t>介绍</a:t>
+            </a:r>
+            <a:endParaRPr lang="zh-CN" altLang="en-US"/>
+          </a:p>
+        </p:txBody>
+      </p:sp>
+      <p:sp>
+        <p:nvSpPr>
+          <p:cNvPr id="4" name="文本占位符 3"/>
+          <p:cNvSpPr>
+            <a:spLocks noGrp="1"/>
+          </p:cNvSpPr>
+          <p:nvPr>
+            <p:ph type="body" sz="quarter" idx="11"/>
+          </p:nvPr>
+        </p:nvSpPr>
+        <p:spPr/>
+        <p:txBody>
+          <a:bodyPr>
+            <a:normAutofit fontScale="70000"/>
+          </a:bodyPr>
+          <a:p>
+            <a:r>
+              <a:rPr lang="en-US" altLang="zh-CN"/>
+              <a:t>maptalks</a:t>
+            </a:r>
+            <a:r>
+              <a:rPr lang="zh-CN" altLang="en-US"/>
+              <a:t>的局限</a:t>
+            </a:r>
+            <a:endParaRPr lang="zh-CN" altLang="en-US"/>
+          </a:p>
+        </p:txBody>
+      </p:sp>
+      <p:sp>
+        <p:nvSpPr>
+          <p:cNvPr id="5" name="内容占位符 4"/>
+          <p:cNvSpPr>
+            <a:spLocks noGrp="1"/>
+          </p:cNvSpPr>
+          <p:nvPr>
+            <p:ph sz="quarter" idx="10"/>
+          </p:nvPr>
+        </p:nvSpPr>
+        <p:spPr/>
+        <p:txBody>
+          <a:bodyPr/>
+          <a:p>
+            <a:r>
+              <a:rPr lang="en-US" altLang="zh-CN"/>
+              <a:t>maptalks</a:t>
+            </a:r>
+            <a:r>
+              <a:t>的局限性主要在于它只能加载切片服务，所以基于动态服务的所有功能都不能实现，比如地图查询，冲突分析等等一系列更偏向</a:t>
+            </a:r>
+            <a:r>
+              <a:rPr lang="en-US" altLang="zh-CN"/>
+              <a:t>GIS</a:t>
+            </a:r>
+            <a:r>
+              <a:t>的功能。</a:t>
+            </a:r>
+          </a:p>
+          <a:p>
+            <a:r>
+              <a:t>什么是动态服务？动态服务和切片服务的区别？</a:t>
+            </a:r>
           </a:p>
         </p:txBody>
       </p:sp>
@@ -4405,7 +4596,7 @@
             <a:spLocks noGrp="1"/>
           </p:cNvSpPr>
           <p:nvPr>
-            <p:ph type="ftr" sz="quarter" idx="11"/>
+            <p:ph type="ftr" sz="quarter" idx="12"/>
           </p:nvPr>
         </p:nvSpPr>
         <p:spPr/>
@@ -4440,7 +4631,48 @@
       <p:grpSpPr/>
       <p:sp>
         <p:nvSpPr>
-          <p:cNvPr id="3" name="标题 2"/>
+          <p:cNvPr id="3" name="内容占位符 2"/>
+          <p:cNvSpPr>
+            <a:spLocks noGrp="1"/>
+          </p:cNvSpPr>
+          <p:nvPr>
+            <p:ph sz="quarter" idx="10"/>
+          </p:nvPr>
+        </p:nvSpPr>
+        <p:spPr>
+          <a:xfrm>
+            <a:off x="479062" y="1079653"/>
+            <a:ext cx="11234058" cy="5502666"/>
+          </a:xfrm>
+        </p:spPr>
+        <p:txBody>
+          <a:bodyPr/>
+          <a:p>
+            <a:r>
+              <a:rPr lang="zh-CN" altLang="en-US"/>
+              <a:t>依赖安装</a:t>
+            </a:r>
+            <a:endParaRPr lang="zh-CN" altLang="en-US"/>
+          </a:p>
+          <a:p>
+            <a:r>
+              <a:rPr lang="en-US" altLang="zh-CN"/>
+              <a:t>ts</a:t>
+            </a:r>
+            <a:r>
+              <a:t>支持</a:t>
+            </a:r>
+          </a:p>
+          <a:p>
+            <a:r>
+              <a:t>包的导入</a:t>
+            </a:r>
+          </a:p>
+        </p:txBody>
+      </p:sp>
+      <p:sp>
+        <p:nvSpPr>
+          <p:cNvPr id="4" name="标题 3"/>
           <p:cNvSpPr>
             <a:spLocks noGrp="1"/>
           </p:cNvSpPr>
@@ -4455,135 +4687,42 @@
           </a:bodyPr>
           <a:p>
             <a:r>
-              <a:rPr lang="en-US" altLang="zh-CN"/>
-              <a:t>maptalks</a:t>
-            </a:r>
-            <a:r>
-              <a:rPr lang="zh-CN" altLang="en-US"/>
-              <a:t>使用</a:t>
-            </a:r>
-            <a:endParaRPr lang="zh-CN" altLang="en-US"/>
-          </a:p>
-        </p:txBody>
-      </p:sp>
-      <p:sp>
-        <p:nvSpPr>
-          <p:cNvPr id="4" name="文本占位符 3"/>
-          <p:cNvSpPr>
-            <a:spLocks noGrp="1"/>
-          </p:cNvSpPr>
-          <p:nvPr>
-            <p:ph type="body" sz="quarter" idx="11"/>
-          </p:nvPr>
-        </p:nvSpPr>
-        <p:spPr/>
-        <p:txBody>
-          <a:bodyPr>
-            <a:normAutofit fontScale="70000"/>
-          </a:bodyPr>
-          <a:p>
-            <a:r>
-              <a:rPr lang="en-US" altLang="zh-CN"/>
-              <a:t>map</a:t>
-            </a:r>
-            <a:r>
-              <a:rPr lang="zh-CN" altLang="en-US"/>
-              <a:t>对象介绍</a:t>
-            </a:r>
-            <a:endParaRPr lang="zh-CN" altLang="en-US"/>
-          </a:p>
-        </p:txBody>
-      </p:sp>
-      <p:sp>
-        <p:nvSpPr>
-          <p:cNvPr id="5" name="内容占位符 4"/>
-          <p:cNvSpPr>
-            <a:spLocks noGrp="1"/>
-          </p:cNvSpPr>
-          <p:nvPr>
-            <p:ph sz="quarter" idx="10"/>
-          </p:nvPr>
-        </p:nvSpPr>
-        <p:spPr/>
-        <p:txBody>
-          <a:bodyPr/>
-          <a:p>
-            <a:pPr marL="0" indent="0">
-              <a:buNone/>
-            </a:pPr>
-            <a:r>
-              <a:rPr lang="en-US" altLang="zh-CN"/>
-              <a:t>map</a:t>
-            </a:r>
-            <a:r>
-              <a:t>对象是</a:t>
-            </a:r>
-            <a:r>
-              <a:rPr lang="en-US" altLang="zh-CN"/>
-              <a:t>GIS</a:t>
-            </a:r>
-            <a:r>
-              <a:t>开发的基础和核心，后续的所有</a:t>
-            </a:r>
-            <a:r>
               <a:rPr lang="en-US" altLang="zh-CN">
                 <a:sym typeface="+mn-ea"/>
               </a:rPr>
-              <a:t>GIS</a:t>
-            </a:r>
-            <a:r>
-              <a:t>操作都基于</a:t>
-            </a:r>
-            <a:r>
-              <a:rPr lang="en-US" altLang="zh-CN"/>
-              <a:t>map</a:t>
-            </a:r>
-            <a:r>
-              <a:t>对象。</a:t>
-            </a:r>
-          </a:p>
-          <a:p>
-            <a:pPr marL="0" indent="0">
-              <a:buNone/>
-            </a:pPr>
-            <a:r>
-              <a:t>基于</a:t>
-            </a:r>
-            <a:r>
-              <a:rPr lang="en-US" altLang="zh-CN"/>
-              <a:t>maptalks</a:t>
-            </a:r>
-            <a:r>
-              <a:t>的</a:t>
+              <a:t>maptaks</a:t>
+            </a:r>
+            <a:r>
+              <a:rPr>
+                <a:sym typeface="+mn-ea"/>
+              </a:rPr>
+              <a:t>与基于</a:t>
             </a:r>
             <a:r>
               <a:rPr lang="en-US" altLang="zh-CN">
                 <a:sym typeface="+mn-ea"/>
               </a:rPr>
-              <a:t>GIS</a:t>
-            </a:r>
-            <a:r>
-              <a:t>开发中</a:t>
-            </a:r>
-            <a:r>
-              <a:rPr lang="en-US" altLang="zh-CN"/>
-              <a:t>map</a:t>
-            </a:r>
-            <a:r>
-              <a:t>对象由</a:t>
-            </a:r>
-            <a:r>
-              <a:rPr lang="en-US" altLang="zh-CN"/>
-              <a:t>Map</a:t>
-            </a:r>
-            <a:r>
-              <a:t>类创建，该类包含多种属性、方法和事件。</a:t>
-            </a:r>
-          </a:p>
-          <a:p>
-            <a:pPr marL="0" indent="0">
-              <a:buNone/>
-            </a:pPr>
+              <a:t>ts</a:t>
+            </a:r>
+            <a:r>
+              <a:rPr>
+                <a:sym typeface="+mn-ea"/>
+              </a:rPr>
+              <a:t>的</a:t>
+            </a:r>
+            <a:r>
+              <a:rPr lang="en-US" altLang="zh-CN">
+                <a:sym typeface="+mn-ea"/>
+              </a:rPr>
+              <a:t>react</a:t>
+            </a:r>
+            <a:r>
+              <a:rPr>
+                <a:sym typeface="+mn-ea"/>
+              </a:rPr>
+              <a:t>项目集成</a:t>
+            </a:r>
+            <a:endParaRPr lang="zh-CN" altLang="en-US"/>
           </a:p>
         </p:txBody>
       </p:sp>
@@ -4594,7 +4733,7 @@
             <a:spLocks noGrp="1"/>
           </p:cNvSpPr>
           <p:nvPr>
-            <p:ph type="ftr" sz="quarter" idx="12"/>
+            <p:ph type="ftr" sz="quarter" idx="11"/>
           </p:nvPr>
         </p:nvSpPr>
         <p:spPr/>
@@ -4677,7 +4816,7 @@
             </a:r>
             <a:r>
               <a:rPr lang="zh-CN" altLang="en-US"/>
-              <a:t>对象创建</a:t>
+              <a:t>对象介绍</a:t>
             </a:r>
             <a:endParaRPr lang="zh-CN" altLang="en-US"/>
           </a:p>
@@ -4693,68 +4832,86 @@
             <p:ph sz="quarter" idx="10"/>
           </p:nvPr>
         </p:nvSpPr>
-        <p:spPr>
-          <a:xfrm>
-            <a:off x="464185" y="1477010"/>
-            <a:ext cx="11233785" cy="2473960"/>
-          </a:xfrm>
-        </p:spPr>
+        <p:spPr/>
         <p:txBody>
           <a:bodyPr/>
-          <a:p>
-            <a:r>
-              <a:rPr lang="zh-CN" altLang="en-US"/>
-              <a:t>官网示例 http://maptalks.org/maptalks.js/api/0.x/Map.html</a:t>
-            </a:r>
-            <a:endParaRPr lang="zh-CN" altLang="en-US"/>
-          </a:p>
           <a:p>
             <a:pPr marL="0" indent="0">
               <a:buNone/>
             </a:pPr>
-            <a:endParaRPr lang="zh-CN" altLang="en-US"/>
+            <a:r>
+              <a:rPr lang="en-US" altLang="zh-CN"/>
+              <a:t>map</a:t>
+            </a:r>
+            <a:r>
+              <a:t>对象是</a:t>
+            </a:r>
+            <a:r>
+              <a:rPr lang="en-US" altLang="zh-CN"/>
+              <a:t>GIS</a:t>
+            </a:r>
+            <a:r>
+              <a:t>开发的基础和核心，后续的所有</a:t>
+            </a:r>
+            <a:r>
+              <a:rPr lang="en-US" altLang="zh-CN">
+                <a:sym typeface="+mn-ea"/>
+              </a:rPr>
+              <a:t>GIS</a:t>
+            </a:r>
+            <a:r>
+              <a:t>操作都基于</a:t>
+            </a:r>
+            <a:r>
+              <a:rPr lang="en-US" altLang="zh-CN"/>
+              <a:t>map</a:t>
+            </a:r>
+            <a:r>
+              <a:t>对象。</a:t>
+            </a:r>
           </a:p>
           <a:p>
             <a:pPr marL="0" indent="0">
               <a:buNone/>
             </a:pPr>
-            <a:endParaRPr lang="zh-CN" altLang="en-US"/>
+            <a:r>
+              <a:t>基于</a:t>
+            </a:r>
+            <a:r>
+              <a:rPr lang="en-US" altLang="zh-CN"/>
+              <a:t>maptalks</a:t>
+            </a:r>
+            <a:r>
+              <a:t>的</a:t>
+            </a:r>
+            <a:r>
+              <a:rPr lang="en-US" altLang="zh-CN">
+                <a:sym typeface="+mn-ea"/>
+              </a:rPr>
+              <a:t>GIS</a:t>
+            </a:r>
+            <a:r>
+              <a:t>开发中</a:t>
+            </a:r>
+            <a:r>
+              <a:rPr lang="en-US" altLang="zh-CN"/>
+              <a:t>map</a:t>
+            </a:r>
+            <a:r>
+              <a:t>对象由</a:t>
+            </a:r>
+            <a:r>
+              <a:rPr lang="en-US" altLang="zh-CN"/>
+              <a:t>Map</a:t>
+            </a:r>
+            <a:r>
+              <a:t>类创建，该类包含多种属性、方法和事件。</a:t>
+            </a:r>
           </a:p>
           <a:p>
             <a:pPr marL="0" indent="0">
               <a:buNone/>
             </a:pPr>
-            <a:endParaRPr lang="zh-CN" altLang="en-US"/>
-          </a:p>
-          <a:p>
-            <a:pPr marL="0" indent="0">
-              <a:buNone/>
-            </a:pPr>
-            <a:endParaRPr lang="zh-CN" altLang="en-US"/>
-          </a:p>
-          <a:p>
-            <a:pPr marL="0" indent="0">
-              <a:buNone/>
-            </a:pPr>
-            <a:endParaRPr lang="zh-CN" altLang="en-US"/>
-          </a:p>
-          <a:p>
-            <a:pPr marL="0" indent="0">
-              <a:buNone/>
-            </a:pPr>
-            <a:endParaRPr lang="zh-CN" altLang="en-US"/>
-          </a:p>
-          <a:p>
-            <a:pPr marL="0" indent="0">
-              <a:buNone/>
-            </a:pPr>
-            <a:endParaRPr lang="zh-CN" altLang="en-US"/>
-          </a:p>
-          <a:p>
-            <a:pPr marL="0" indent="0">
-              <a:buNone/>
-            </a:pPr>
-            <a:endParaRPr lang="zh-CN" altLang="en-US"/>
           </a:p>
         </p:txBody>
       </p:sp>
@@ -4780,30 +4937,6 @@
           </a:p>
         </p:txBody>
       </p:sp>
-      <p:pic>
-        <p:nvPicPr>
-          <p:cNvPr id="6" name="图片 5"/>
-          <p:cNvPicPr>
-            <a:picLocks noChangeAspect="1"/>
-          </p:cNvPicPr>
-          <p:nvPr/>
-        </p:nvPicPr>
-        <p:blipFill>
-          <a:blip r:embed="rId1"/>
-          <a:stretch>
-            <a:fillRect/>
-          </a:stretch>
-        </p:blipFill>
-        <p:spPr>
-          <a:xfrm>
-            <a:off x="708660" y="2026920"/>
-            <a:ext cx="7978775" cy="3195320"/>
-          </a:xfrm>
-          <a:prstGeom prst="rect">
-            <a:avLst/>
-          </a:prstGeom>
-        </p:spPr>
-      </p:pic>
     </p:spTree>
   </p:cSld>
   <p:clrMapOvr>

--- a/contents/2018-11-14-杜秀秀/maptalks使用基础.pptx
+++ b/contents/2018-11-14-杜秀秀/maptalks使用基础.pptx
@@ -5,7 +5,7 @@
     <p:sldMasterId id="2147483648" r:id="rId1"/>
   </p:sldMasterIdLst>
   <p:notesMasterIdLst>
-    <p:notesMasterId r:id="rId24"/>
+    <p:notesMasterId r:id="rId25"/>
   </p:notesMasterIdLst>
   <p:sldIdLst>
     <p:sldId id="256" r:id="rId3"/>
@@ -28,7 +28,8 @@
     <p:sldId id="266" r:id="rId20"/>
     <p:sldId id="324" r:id="rId21"/>
     <p:sldId id="269" r:id="rId22"/>
-    <p:sldId id="271" r:id="rId23"/>
+    <p:sldId id="342" r:id="rId23"/>
+    <p:sldId id="271" r:id="rId24"/>
   </p:sldIdLst>
   <p:sldSz cx="12192000" cy="6858000"/>
   <p:notesSz cx="6858000" cy="9144000"/>
@@ -3830,6 +3831,140 @@
       <p:grpSpPr/>
       <p:sp>
         <p:nvSpPr>
+          <p:cNvPr id="3" name="标题 2"/>
+          <p:cNvSpPr>
+            <a:spLocks noGrp="1"/>
+          </p:cNvSpPr>
+          <p:nvPr>
+            <p:ph type="title"/>
+          </p:nvPr>
+        </p:nvSpPr>
+        <p:spPr/>
+        <p:txBody>
+          <a:bodyPr>
+            <a:normAutofit fontScale="90000"/>
+          </a:bodyPr>
+          <a:p>
+            <a:r>
+              <a:rPr lang="en-US" altLang="zh-CN">
+                <a:sym typeface="+mn-ea"/>
+              </a:rPr>
+              <a:t>maptalks</a:t>
+            </a:r>
+            <a:r>
+              <a:rPr lang="zh-CN" altLang="en-US">
+                <a:sym typeface="+mn-ea"/>
+              </a:rPr>
+              <a:t>基础操作</a:t>
+            </a:r>
+            <a:endParaRPr lang="zh-CN" altLang="en-US"/>
+          </a:p>
+        </p:txBody>
+      </p:sp>
+      <p:sp>
+        <p:nvSpPr>
+          <p:cNvPr id="4" name="文本占位符 3"/>
+          <p:cNvSpPr>
+            <a:spLocks noGrp="1"/>
+          </p:cNvSpPr>
+          <p:nvPr>
+            <p:ph type="body" sz="quarter" idx="11"/>
+          </p:nvPr>
+        </p:nvSpPr>
+        <p:spPr/>
+        <p:txBody>
+          <a:bodyPr>
+            <a:normAutofit fontScale="70000"/>
+          </a:bodyPr>
+          <a:p>
+            <a:r>
+              <a:rPr lang="en-US" altLang="zh-CN">
+                <a:sym typeface="+mn-ea"/>
+              </a:rPr>
+              <a:t>demo</a:t>
+            </a:r>
+            <a:r>
+              <a:rPr lang="zh-CN" altLang="en-US">
+                <a:sym typeface="+mn-ea"/>
+              </a:rPr>
+              <a:t>地址</a:t>
+            </a:r>
+            <a:endParaRPr lang="zh-CN" altLang="en-US"/>
+          </a:p>
+        </p:txBody>
+      </p:sp>
+      <p:sp>
+        <p:nvSpPr>
+          <p:cNvPr id="5" name="内容占位符 4"/>
+          <p:cNvSpPr>
+            <a:spLocks noGrp="1"/>
+          </p:cNvSpPr>
+          <p:nvPr>
+            <p:ph sz="quarter" idx="10"/>
+          </p:nvPr>
+        </p:nvSpPr>
+        <p:spPr/>
+        <p:txBody>
+          <a:bodyPr/>
+          <a:p>
+            <a:r>
+              <a:rPr>
+                <a:sym typeface="+mn-ea"/>
+              </a:rPr>
+              <a:t>https://github.com/dxiuxiu/react-ts-maptalks.git</a:t>
+            </a:r>
+            <a:endParaRPr lang="en-US" altLang="zh-CN"/>
+          </a:p>
+          <a:p>
+            <a:pPr marL="0" indent="0">
+              <a:buNone/>
+            </a:pPr>
+            <a:endParaRPr lang="zh-CN" altLang="en-US"/>
+          </a:p>
+        </p:txBody>
+      </p:sp>
+      <p:sp>
+        <p:nvSpPr>
+          <p:cNvPr id="2" name="页脚占位符 1"/>
+          <p:cNvSpPr>
+            <a:spLocks noGrp="1"/>
+          </p:cNvSpPr>
+          <p:nvPr>
+            <p:ph type="ftr" sz="quarter" idx="12"/>
+          </p:nvPr>
+        </p:nvSpPr>
+        <p:spPr/>
+        <p:txBody>
+          <a:bodyPr/>
+          <a:p>
+            <a:r>
+              <a:rPr lang="en-US" altLang="zh-CN" smtClean="0"/>
+              <a:t>@AndOrLab</a:t>
+            </a:r>
+            <a:endParaRPr lang="zh-CN" altLang="en-US"/>
+          </a:p>
+        </p:txBody>
+      </p:sp>
+    </p:spTree>
+  </p:cSld>
+  <p:clrMapOvr>
+    <a:masterClrMapping/>
+  </p:clrMapOvr>
+</p:sld>
+</file>
+
+<file path=ppt/slides/slide22.xml><?xml version="1.0" encoding="utf-8"?>
+<p:sld xmlns:a="http://schemas.openxmlformats.org/drawingml/2006/main" xmlns:r="http://schemas.openxmlformats.org/officeDocument/2006/relationships" xmlns:p="http://schemas.openxmlformats.org/presentationml/2006/main">
+  <p:cSld>
+    <p:spTree>
+      <p:nvGrpSpPr>
+        <p:cNvPr id="1" name=""/>
+        <p:cNvGrpSpPr/>
+        <p:nvPr/>
+      </p:nvGrpSpPr>
+      <p:grpSpPr/>
+      <p:sp>
+        <p:nvSpPr>
           <p:cNvPr id="2" name="页脚占位符 1"/>
           <p:cNvSpPr>
             <a:spLocks noGrp="1"/>
@@ -4586,6 +4721,62 @@
             <a:r>
               <a:t>什么是动态服务？动态服务和切片服务的区别？</a:t>
             </a:r>
+          </a:p>
+          <a:p>
+            <a:pPr marL="0" indent="0">
+              <a:buNone/>
+            </a:pPr>
+            <a:r>
+              <a:rPr lang="en-US" altLang="zh-CN">
+                <a:sym typeface="+mn-ea"/>
+              </a:rPr>
+              <a:t>		</a:t>
+            </a:r>
+            <a:r>
+              <a:rPr>
+                <a:sym typeface="+mn-ea"/>
+              </a:rPr>
+              <a:t>切片后显示效率高，不切片的话每次加载或图像范围发生变化都需要重新渲染地图由</a:t>
+            </a:r>
+            <a:r>
+              <a:rPr lang="en-US" altLang="zh-CN">
+                <a:sym typeface="+mn-ea"/>
+              </a:rPr>
+              <a:t>		</a:t>
+            </a:r>
+            <a:r>
+              <a:rPr>
+                <a:sym typeface="+mn-ea"/>
+              </a:rPr>
+              <a:t>此可见：</a:t>
+            </a:r>
+            <a:endParaRPr>
+              <a:sym typeface="+mn-ea"/>
+            </a:endParaRPr>
+          </a:p>
+          <a:p>
+            <a:pPr lvl="1"/>
+            <a:r>
+              <a:rPr>
+                <a:sym typeface="+mn-ea"/>
+              </a:rPr>
+              <a:t>动态服务是实时渲染的，它不能脱离服务器可支持编辑、查询、分析等功能。</a:t>
+            </a:r>
+            <a:endParaRPr>
+              <a:sym typeface="+mn-ea"/>
+            </a:endParaRPr>
+          </a:p>
+          <a:p>
+            <a:pPr lvl="1"/>
+            <a:r>
+              <a:rPr>
+                <a:sym typeface="+mn-ea"/>
+              </a:rPr>
+              <a:t>切片服务本质是一张张图片、只能浏览，可实现离线。</a:t>
+            </a:r>
+            <a:endParaRPr>
+              <a:sym typeface="+mn-ea"/>
+            </a:endParaRPr>
           </a:p>
         </p:txBody>
       </p:sp>

--- a/contents/2018-11-14-杜秀秀/maptalks使用基础.pptx
+++ b/contents/2018-11-14-杜秀秀/maptalks使用基础.pptx
@@ -5,17 +5,16 @@
     <p:sldMasterId id="2147483648" r:id="rId1"/>
   </p:sldMasterIdLst>
   <p:notesMasterIdLst>
-    <p:notesMasterId r:id="rId25"/>
+    <p:notesMasterId r:id="rId6"/>
   </p:notesMasterIdLst>
   <p:sldIdLst>
     <p:sldId id="256" r:id="rId3"/>
     <p:sldId id="257" r:id="rId4"/>
     <p:sldId id="280" r:id="rId5"/>
-    <p:sldId id="295" r:id="rId6"/>
-    <p:sldId id="309" r:id="rId7"/>
-    <p:sldId id="310" r:id="rId8"/>
-    <p:sldId id="327" r:id="rId9"/>
-    <p:sldId id="258" r:id="rId10"/>
+    <p:sldId id="295" r:id="rId7"/>
+    <p:sldId id="343" r:id="rId8"/>
+    <p:sldId id="258" r:id="rId9"/>
+    <p:sldId id="344" r:id="rId10"/>
     <p:sldId id="261" r:id="rId11"/>
     <p:sldId id="260" r:id="rId12"/>
     <p:sldId id="270" r:id="rId13"/>
@@ -29,7 +28,10 @@
     <p:sldId id="324" r:id="rId21"/>
     <p:sldId id="269" r:id="rId22"/>
     <p:sldId id="342" r:id="rId23"/>
-    <p:sldId id="271" r:id="rId24"/>
+    <p:sldId id="345" r:id="rId24"/>
+    <p:sldId id="363" r:id="rId25"/>
+    <p:sldId id="347" r:id="rId26"/>
+    <p:sldId id="271" r:id="rId27"/>
   </p:sldIdLst>
   <p:sldSz cx="12192000" cy="6858000"/>
   <p:notesSz cx="6858000" cy="9144000"/>
@@ -128,7 +130,85 @@
       </a:defRPr>
     </a:lvl9pPr>
   </p:defaultTextStyle>
+  <p:extLst>
+    <p:ext uri="{521415D9-36F7-43E2-AB2F-B90AF26B5E84}">
+      <p14:sectionLst xmlns:p14="http://schemas.microsoft.com/office/powerpoint/2010/main">
+        <p14:section name="默认节" id="{15A1833C-0AC5-4F60-8418-6D47D13D9F81}">
+          <p14:sldIdLst>
+            <p14:sldId id="256"/>
+            <p14:sldId id="257"/>
+          </p14:sldIdLst>
+        </p14:section>
+        <p14:section name="maptalks介绍" id="{3AE59FD9-751F-488C-8E08-57A7EEC033BB}">
+          <p14:sldIdLst>
+            <p14:sldId id="295"/>
+            <p14:sldId id="280"/>
+          </p14:sldIdLst>
+        </p14:section>
+        <p14:section name="maptaks与基于TS的React项目集成" id="{A4EF3C54-CF16-4A66-B916-4C00692FB66F}">
+          <p14:sldIdLst>
+            <p14:sldId id="343"/>
+            <p14:sldId id="258"/>
+          </p14:sldIdLst>
+        </p14:section>
+        <p14:section name="maptalks使用" id="{63F48F78-6636-4D8D-83A5-7C4DA25CA486}">
+          <p14:sldIdLst>
+            <p14:sldId id="344"/>
+            <p14:sldId id="261"/>
+            <p14:sldId id="260"/>
+            <p14:sldId id="270"/>
+            <p14:sldId id="262"/>
+            <p14:sldId id="263"/>
+            <p14:sldId id="264"/>
+            <p14:sldId id="265"/>
+            <p14:sldId id="267"/>
+            <p14:sldId id="268"/>
+            <p14:sldId id="266"/>
+            <p14:sldId id="324"/>
+            <p14:sldId id="269"/>
+            <p14:sldId id="342"/>
+          </p14:sldIdLst>
+        </p14:section>
+        <p14:section name="maptalks的使用优缺点" id="{33C045B1-311F-41AE-9B77-AE002FE4B335}">
+          <p14:sldIdLst>
+            <p14:sldId id="345"/>
+            <p14:sldId id="363"/>
+          </p14:sldIdLst>
+        </p14:section>
+        <p14:section name="总结" id="{B7E3457A-2455-4245-B667-5747C2C6AB7D}">
+          <p14:sldIdLst>
+            <p14:sldId id="347"/>
+            <p14:sldId id="271"/>
+          </p14:sldIdLst>
+        </p14:section>
+      </p14:sectionLst>
+    </p:ext>
+  </p:extLst>
 </p:presentation>
+</file>
+
+<file path=ppt/commentAuthors.xml><?xml version="1.0" encoding="utf-8"?>
+<p:cmAuthorLst xmlns:a="http://schemas.openxmlformats.org/drawingml/2006/main" xmlns:r="http://schemas.openxmlformats.org/officeDocument/2006/relationships" xmlns:p="http://schemas.openxmlformats.org/presentationml/2006/main">
+  <p:cmAuthor id="1" name="Gu zhongren" initials="Gz" lastIdx="2" clrIdx="0"/>
+</p:cmAuthorLst>
+</file>
+
+<file path=ppt/comments/comment1.xml><?xml version="1.0" encoding="utf-8"?>
+<p:cmLst xmlns:a="http://schemas.openxmlformats.org/drawingml/2006/main" xmlns:r="http://schemas.openxmlformats.org/officeDocument/2006/relationships" xmlns:p="http://schemas.openxmlformats.org/presentationml/2006/main">
+  <p:cm authorId="1" dt="2018-11-13T22:03:56.519" idx="2">
+    <p:pos x="10" y="10"/>
+    <p:text>截个代码图或者packages.json</p:text>
+  </p:cm>
+</p:cmLst>
+</file>
+
+<file path=ppt/comments/comment2.xml><?xml version="1.0" encoding="utf-8"?>
+<p:cmLst xmlns:a="http://schemas.openxmlformats.org/drawingml/2006/main" xmlns:r="http://schemas.openxmlformats.org/officeDocument/2006/relationships" xmlns:p="http://schemas.openxmlformats.org/presentationml/2006/main">
+  <p:cm authorId="1" dt="2018-11-13T21:38:54.263" idx="1">
+    <p:pos x="7369" y="930"/>
+    <p:text>截个Demo的图</p:text>
+  </p:cm>
+</p:cmLst>
 </file>
 
 <file path=ppt/notesMasters/notesMaster1.xml><?xml version="1.0" encoding="utf-8"?>
@@ -476,6 +556,400 @@
     </a:lvl9pPr>
   </p:notesStyle>
 </p:notesMaster>
+</file>
+
+<file path=ppt/notesSlides/notesSlide1.xml><?xml version="1.0" encoding="utf-8"?>
+<p:notes xmlns:a="http://schemas.openxmlformats.org/drawingml/2006/main" xmlns:r="http://schemas.openxmlformats.org/officeDocument/2006/relationships" xmlns:p="http://schemas.openxmlformats.org/presentationml/2006/main">
+  <p:cSld>
+    <p:spTree>
+      <p:nvGrpSpPr>
+        <p:cNvPr id="1" name=""/>
+        <p:cNvGrpSpPr/>
+        <p:nvPr/>
+      </p:nvGrpSpPr>
+      <p:grpSpPr>
+        <a:xfrm>
+          <a:off x="0" y="0"/>
+          <a:ext cx="0" cy="0"/>
+          <a:chOff x="0" y="0"/>
+          <a:chExt cx="0" cy="0"/>
+        </a:xfrm>
+      </p:grpSpPr>
+      <p:sp>
+        <p:nvSpPr>
+          <p:cNvPr id="2" name="幻灯片图像占位符 1"/>
+          <p:cNvSpPr>
+            <a:spLocks noGrp="1" noRot="1" noChangeAspect="1"/>
+          </p:cNvSpPr>
+          <p:nvPr>
+            <p:ph type="sldImg"/>
+          </p:nvPr>
+        </p:nvSpPr>
+        <p:spPr/>
+      </p:sp>
+      <p:sp>
+        <p:nvSpPr>
+          <p:cNvPr id="3" name="备注占位符 2"/>
+          <p:cNvSpPr>
+            <a:spLocks noGrp="1"/>
+          </p:cNvSpPr>
+          <p:nvPr>
+            <p:ph type="body" idx="1"/>
+          </p:nvPr>
+        </p:nvSpPr>
+        <p:spPr/>
+        <p:txBody>
+          <a:bodyPr/>
+          <a:lstStyle/>
+          <a:p>
+            <a:r>
+              <a:rPr lang="zh-CN" altLang="en-US" dirty="0" smtClean="0"/>
+              <a:t>所以稳定性还不错, 已经应用在很多大大小小的系统上了</a:t>
+            </a:r>
+            <a:endParaRPr lang="zh-CN" altLang="en-US" dirty="0"/>
+          </a:p>
+        </p:txBody>
+      </p:sp>
+      <p:sp>
+        <p:nvSpPr>
+          <p:cNvPr id="4" name="灯片编号占位符 3"/>
+          <p:cNvSpPr>
+            <a:spLocks noGrp="1"/>
+          </p:cNvSpPr>
+          <p:nvPr>
+            <p:ph type="sldNum" sz="quarter" idx="10"/>
+          </p:nvPr>
+        </p:nvSpPr>
+        <p:spPr/>
+        <p:txBody>
+          <a:bodyPr/>
+          <a:lstStyle/>
+          <a:p>
+            <a:fld id="{895418A2-48F6-4283-A00A-7306B6936B2A}" type="slidenum">
+              <a:rPr lang="zh-CN" altLang="en-US" smtClean="0"/>
+            </a:fld>
+            <a:endParaRPr lang="zh-CN" altLang="en-US"/>
+          </a:p>
+        </p:txBody>
+      </p:sp>
+    </p:spTree>
+  </p:cSld>
+  <p:clrMapOvr>
+    <a:masterClrMapping/>
+  </p:clrMapOvr>
+</p:notes>
+</file>
+
+<file path=ppt/notesSlides/notesSlide2.xml><?xml version="1.0" encoding="utf-8"?>
+<p:notes xmlns:a="http://schemas.openxmlformats.org/drawingml/2006/main" xmlns:r="http://schemas.openxmlformats.org/officeDocument/2006/relationships" xmlns:p="http://schemas.openxmlformats.org/presentationml/2006/main">
+  <p:cSld>
+    <p:spTree>
+      <p:nvGrpSpPr>
+        <p:cNvPr id="1" name=""/>
+        <p:cNvGrpSpPr/>
+        <p:nvPr/>
+      </p:nvGrpSpPr>
+      <p:grpSpPr>
+        <a:xfrm>
+          <a:off x="0" y="0"/>
+          <a:ext cx="0" cy="0"/>
+          <a:chOff x="0" y="0"/>
+          <a:chExt cx="0" cy="0"/>
+        </a:xfrm>
+      </p:grpSpPr>
+      <p:sp>
+        <p:nvSpPr>
+          <p:cNvPr id="2" name="幻灯片图像占位符 1"/>
+          <p:cNvSpPr>
+            <a:spLocks noGrp="1" noRot="1" noChangeAspect="1"/>
+          </p:cNvSpPr>
+          <p:nvPr>
+            <p:ph type="sldImg"/>
+          </p:nvPr>
+        </p:nvSpPr>
+        <p:spPr/>
+      </p:sp>
+      <p:sp>
+        <p:nvSpPr>
+          <p:cNvPr id="3" name="备注占位符 2"/>
+          <p:cNvSpPr>
+            <a:spLocks noGrp="1"/>
+          </p:cNvSpPr>
+          <p:nvPr>
+            <p:ph type="body" idx="1"/>
+          </p:nvPr>
+        </p:nvSpPr>
+        <p:spPr/>
+        <p:txBody>
+          <a:bodyPr/>
+          <a:lstStyle/>
+          <a:p>
+            <a:endParaRPr lang="zh-CN" altLang="en-US" dirty="0"/>
+          </a:p>
+        </p:txBody>
+      </p:sp>
+      <p:sp>
+        <p:nvSpPr>
+          <p:cNvPr id="4" name="灯片编号占位符 3"/>
+          <p:cNvSpPr>
+            <a:spLocks noGrp="1"/>
+          </p:cNvSpPr>
+          <p:nvPr>
+            <p:ph type="sldNum" sz="quarter" idx="10"/>
+          </p:nvPr>
+        </p:nvSpPr>
+        <p:spPr/>
+        <p:txBody>
+          <a:bodyPr/>
+          <a:lstStyle/>
+          <a:p>
+            <a:fld id="{895418A2-48F6-4283-A00A-7306B6936B2A}" type="slidenum">
+              <a:rPr lang="zh-CN" altLang="en-US" smtClean="0"/>
+            </a:fld>
+            <a:endParaRPr lang="zh-CN" altLang="en-US"/>
+          </a:p>
+        </p:txBody>
+      </p:sp>
+    </p:spTree>
+  </p:cSld>
+  <p:clrMapOvr>
+    <a:masterClrMapping/>
+  </p:clrMapOvr>
+</p:notes>
+</file>
+
+<file path=ppt/notesSlides/notesSlide3.xml><?xml version="1.0" encoding="utf-8"?>
+<p:notes xmlns:a="http://schemas.openxmlformats.org/drawingml/2006/main" xmlns:r="http://schemas.openxmlformats.org/officeDocument/2006/relationships" xmlns:p="http://schemas.openxmlformats.org/presentationml/2006/main">
+  <p:cSld>
+    <p:spTree>
+      <p:nvGrpSpPr>
+        <p:cNvPr id="1" name=""/>
+        <p:cNvGrpSpPr/>
+        <p:nvPr/>
+      </p:nvGrpSpPr>
+      <p:grpSpPr>
+        <a:xfrm>
+          <a:off x="0" y="0"/>
+          <a:ext cx="0" cy="0"/>
+          <a:chOff x="0" y="0"/>
+          <a:chExt cx="0" cy="0"/>
+        </a:xfrm>
+      </p:grpSpPr>
+      <p:sp>
+        <p:nvSpPr>
+          <p:cNvPr id="2" name="幻灯片图像占位符 1"/>
+          <p:cNvSpPr>
+            <a:spLocks noGrp="1" noRot="1" noChangeAspect="1"/>
+          </p:cNvSpPr>
+          <p:nvPr>
+            <p:ph type="sldImg"/>
+          </p:nvPr>
+        </p:nvSpPr>
+        <p:spPr/>
+      </p:sp>
+      <p:sp>
+        <p:nvSpPr>
+          <p:cNvPr id="3" name="备注占位符 2"/>
+          <p:cNvSpPr>
+            <a:spLocks noGrp="1"/>
+          </p:cNvSpPr>
+          <p:nvPr>
+            <p:ph type="body" idx="1"/>
+          </p:nvPr>
+        </p:nvSpPr>
+        <p:spPr/>
+        <p:txBody>
+          <a:bodyPr/>
+          <a:lstStyle/>
+          <a:p>
+            <a:endParaRPr lang="zh-CN" altLang="en-US" dirty="0"/>
+          </a:p>
+        </p:txBody>
+      </p:sp>
+      <p:sp>
+        <p:nvSpPr>
+          <p:cNvPr id="4" name="灯片编号占位符 3"/>
+          <p:cNvSpPr>
+            <a:spLocks noGrp="1"/>
+          </p:cNvSpPr>
+          <p:nvPr>
+            <p:ph type="sldNum" sz="quarter" idx="10"/>
+          </p:nvPr>
+        </p:nvSpPr>
+        <p:spPr/>
+        <p:txBody>
+          <a:bodyPr/>
+          <a:lstStyle/>
+          <a:p>
+            <a:fld id="{895418A2-48F6-4283-A00A-7306B6936B2A}" type="slidenum">
+              <a:rPr lang="zh-CN" altLang="en-US" smtClean="0"/>
+            </a:fld>
+            <a:endParaRPr lang="zh-CN" altLang="en-US"/>
+          </a:p>
+        </p:txBody>
+      </p:sp>
+    </p:spTree>
+  </p:cSld>
+  <p:clrMapOvr>
+    <a:masterClrMapping/>
+  </p:clrMapOvr>
+</p:notes>
+</file>
+
+<file path=ppt/notesSlides/notesSlide4.xml><?xml version="1.0" encoding="utf-8"?>
+<p:notes xmlns:a="http://schemas.openxmlformats.org/drawingml/2006/main" xmlns:r="http://schemas.openxmlformats.org/officeDocument/2006/relationships" xmlns:p="http://schemas.openxmlformats.org/presentationml/2006/main">
+  <p:cSld>
+    <p:spTree>
+      <p:nvGrpSpPr>
+        <p:cNvPr id="1" name=""/>
+        <p:cNvGrpSpPr/>
+        <p:nvPr/>
+      </p:nvGrpSpPr>
+      <p:grpSpPr>
+        <a:xfrm>
+          <a:off x="0" y="0"/>
+          <a:ext cx="0" cy="0"/>
+          <a:chOff x="0" y="0"/>
+          <a:chExt cx="0" cy="0"/>
+        </a:xfrm>
+      </p:grpSpPr>
+      <p:sp>
+        <p:nvSpPr>
+          <p:cNvPr id="2" name="幻灯片图像占位符 1"/>
+          <p:cNvSpPr>
+            <a:spLocks noGrp="1" noRot="1" noChangeAspect="1"/>
+          </p:cNvSpPr>
+          <p:nvPr>
+            <p:ph type="sldImg"/>
+          </p:nvPr>
+        </p:nvSpPr>
+        <p:spPr/>
+      </p:sp>
+      <p:sp>
+        <p:nvSpPr>
+          <p:cNvPr id="3" name="备注占位符 2"/>
+          <p:cNvSpPr>
+            <a:spLocks noGrp="1"/>
+          </p:cNvSpPr>
+          <p:nvPr>
+            <p:ph type="body" idx="1"/>
+          </p:nvPr>
+        </p:nvSpPr>
+        <p:spPr/>
+        <p:txBody>
+          <a:bodyPr/>
+          <a:lstStyle/>
+          <a:p>
+            <a:endParaRPr lang="zh-CN" altLang="en-US" dirty="0"/>
+          </a:p>
+        </p:txBody>
+      </p:sp>
+      <p:sp>
+        <p:nvSpPr>
+          <p:cNvPr id="4" name="灯片编号占位符 3"/>
+          <p:cNvSpPr>
+            <a:spLocks noGrp="1"/>
+          </p:cNvSpPr>
+          <p:nvPr>
+            <p:ph type="sldNum" sz="quarter" idx="10"/>
+          </p:nvPr>
+        </p:nvSpPr>
+        <p:spPr/>
+        <p:txBody>
+          <a:bodyPr/>
+          <a:lstStyle/>
+          <a:p>
+            <a:fld id="{895418A2-48F6-4283-A00A-7306B6936B2A}" type="slidenum">
+              <a:rPr lang="zh-CN" altLang="en-US" smtClean="0"/>
+            </a:fld>
+            <a:endParaRPr lang="zh-CN" altLang="en-US"/>
+          </a:p>
+        </p:txBody>
+      </p:sp>
+    </p:spTree>
+  </p:cSld>
+  <p:clrMapOvr>
+    <a:masterClrMapping/>
+  </p:clrMapOvr>
+</p:notes>
+</file>
+
+<file path=ppt/notesSlides/notesSlide5.xml><?xml version="1.0" encoding="utf-8"?>
+<p:notes xmlns:a="http://schemas.openxmlformats.org/drawingml/2006/main" xmlns:r="http://schemas.openxmlformats.org/officeDocument/2006/relationships" xmlns:p="http://schemas.openxmlformats.org/presentationml/2006/main">
+  <p:cSld>
+    <p:spTree>
+      <p:nvGrpSpPr>
+        <p:cNvPr id="1" name=""/>
+        <p:cNvGrpSpPr/>
+        <p:nvPr/>
+      </p:nvGrpSpPr>
+      <p:grpSpPr>
+        <a:xfrm>
+          <a:off x="0" y="0"/>
+          <a:ext cx="0" cy="0"/>
+          <a:chOff x="0" y="0"/>
+          <a:chExt cx="0" cy="0"/>
+        </a:xfrm>
+      </p:grpSpPr>
+      <p:sp>
+        <p:nvSpPr>
+          <p:cNvPr id="2" name="幻灯片图像占位符 1"/>
+          <p:cNvSpPr>
+            <a:spLocks noGrp="1" noRot="1" noChangeAspect="1"/>
+          </p:cNvSpPr>
+          <p:nvPr>
+            <p:ph type="sldImg"/>
+          </p:nvPr>
+        </p:nvSpPr>
+        <p:spPr/>
+      </p:sp>
+      <p:sp>
+        <p:nvSpPr>
+          <p:cNvPr id="3" name="备注占位符 2"/>
+          <p:cNvSpPr>
+            <a:spLocks noGrp="1"/>
+          </p:cNvSpPr>
+          <p:nvPr>
+            <p:ph type="body" idx="1"/>
+          </p:nvPr>
+        </p:nvSpPr>
+        <p:spPr/>
+        <p:txBody>
+          <a:bodyPr/>
+          <a:lstStyle/>
+          <a:p>
+            <a:endParaRPr lang="zh-CN" altLang="en-US" dirty="0"/>
+          </a:p>
+        </p:txBody>
+      </p:sp>
+      <p:sp>
+        <p:nvSpPr>
+          <p:cNvPr id="4" name="灯片编号占位符 3"/>
+          <p:cNvSpPr>
+            <a:spLocks noGrp="1"/>
+          </p:cNvSpPr>
+          <p:nvPr>
+            <p:ph type="sldNum" sz="quarter" idx="10"/>
+          </p:nvPr>
+        </p:nvSpPr>
+        <p:spPr/>
+        <p:txBody>
+          <a:bodyPr/>
+          <a:lstStyle/>
+          <a:p>
+            <a:fld id="{895418A2-48F6-4283-A00A-7306B6936B2A}" type="slidenum">
+              <a:rPr lang="zh-CN" altLang="en-US" smtClean="0"/>
+            </a:fld>
+            <a:endParaRPr lang="zh-CN" altLang="en-US"/>
+          </a:p>
+        </p:txBody>
+      </p:sp>
+    </p:spTree>
+  </p:cSld>
+  <p:clrMapOvr>
+    <a:masterClrMapping/>
+  </p:clrMapOvr>
+</p:notes>
 </file>
 
 <file path=ppt/slideLayouts/slideLayout1.xml><?xml version="1.0" encoding="utf-8"?>
@@ -1745,7 +2219,14 @@
         <p:cNvGrpSpPr/>
         <p:nvPr/>
       </p:nvGrpSpPr>
-      <p:grpSpPr/>
+      <p:grpSpPr>
+        <a:xfrm>
+          <a:off x="0" y="0"/>
+          <a:ext cx="0" cy="0"/>
+          <a:chOff x="0" y="0"/>
+          <a:chExt cx="0" cy="0"/>
+        </a:xfrm>
+      </p:grpSpPr>
       <p:sp>
         <p:nvSpPr>
           <p:cNvPr id="2" name="标题 1"/>
@@ -1764,8 +2245,9 @@
         </p:spPr>
         <p:txBody>
           <a:bodyPr>
-            <a:normAutofit fontScale="90000"/>
+            <a:normAutofit/>
           </a:bodyPr>
+          <a:lstStyle/>
           <a:p>
             <a:r>
               <a:rPr lang="en-US" altLang="zh-CN"/>
@@ -1808,8 +2290,9 @@
         <p:spPr/>
         <p:txBody>
           <a:bodyPr>
-            <a:normAutofit fontScale="80000"/>
+            <a:normAutofit fontScale="95000"/>
           </a:bodyPr>
+          <a:lstStyle/>
           <a:p>
             <a:r>
               <a:rPr lang="zh-CN" altLang="en-US"/>
@@ -1832,6 +2315,7 @@
         <p:spPr/>
         <p:txBody>
           <a:bodyPr/>
+          <a:lstStyle/>
           <a:p>
             <a:r>
               <a:rPr lang="en-US" altLang="zh-CN" smtClean="0"/>
@@ -1846,6 +2330,13 @@
   <p:clrMapOvr>
     <a:masterClrMapping/>
   </p:clrMapOvr>
+  <p:timing>
+    <p:tnLst>
+      <p:par>
+        <p:cTn id="1" dur="indefinite" restart="never" nodeType="tmRoot"/>
+      </p:par>
+    </p:tnLst>
+  </p:timing>
 </p:sld>
 </file>
 
@@ -1858,7 +2349,14 @@
         <p:cNvGrpSpPr/>
         <p:nvPr/>
       </p:nvGrpSpPr>
-      <p:grpSpPr/>
+      <p:grpSpPr>
+        <a:xfrm>
+          <a:off x="0" y="0"/>
+          <a:ext cx="0" cy="0"/>
+          <a:chOff x="0" y="0"/>
+          <a:chExt cx="0" cy="0"/>
+        </a:xfrm>
+      </p:grpSpPr>
       <p:sp>
         <p:nvSpPr>
           <p:cNvPr id="3" name="标题 2"/>
@@ -1874,6 +2372,7 @@
           <a:bodyPr>
             <a:normAutofit fontScale="90000"/>
           </a:bodyPr>
+          <a:lstStyle/>
           <a:p>
             <a:r>
               <a:rPr lang="en-US" altLang="zh-CN"/>
@@ -1900,18 +2399,200 @@
         <p:spPr/>
         <p:txBody>
           <a:bodyPr>
-            <a:normAutofit fontScale="70000"/>
+            <a:normAutofit fontScale="92500" lnSpcReduction="10000"/>
           </a:bodyPr>
+          <a:lstStyle/>
+          <a:p>
+            <a:r>
+              <a:rPr lang="zh-CN" altLang="en-US"/>
+              <a:t>基础功能</a:t>
+            </a:r>
+            <a:endParaRPr lang="zh-CN" altLang="en-US"/>
+          </a:p>
+        </p:txBody>
+      </p:sp>
+      <p:sp>
+        <p:nvSpPr>
+          <p:cNvPr id="5" name="内容占位符 4"/>
+          <p:cNvSpPr>
+            <a:spLocks noGrp="1"/>
+          </p:cNvSpPr>
+          <p:nvPr>
+            <p:ph sz="quarter" idx="10"/>
+          </p:nvPr>
+        </p:nvSpPr>
+        <p:spPr/>
+        <p:txBody>
+          <a:bodyPr/>
+          <a:lstStyle/>
+          <a:p>
+            <a:r>
+              <a:rPr lang="zh-CN" altLang="en-US"/>
+              <a:t>放大</a:t>
+            </a:r>
+            <a:endParaRPr lang="zh-CN" altLang="en-US"/>
+          </a:p>
+          <a:p>
+            <a:r>
+              <a:rPr lang="zh-CN" altLang="en-US"/>
+              <a:t>缩小</a:t>
+            </a:r>
+            <a:endParaRPr lang="zh-CN" altLang="en-US"/>
+          </a:p>
+          <a:p>
+            <a:r>
+              <a:rPr lang="zh-CN" altLang="en-US"/>
+              <a:t>全图</a:t>
+            </a:r>
+            <a:endParaRPr lang="zh-CN" altLang="en-US"/>
+          </a:p>
+          <a:p>
+            <a:r>
+              <a:rPr lang="zh-CN" altLang="en-US"/>
+              <a:t>测量</a:t>
+            </a:r>
+            <a:endParaRPr lang="zh-CN" altLang="en-US"/>
+          </a:p>
+          <a:p>
+            <a:pPr lvl="1"/>
+            <a:r>
+              <a:rPr lang="zh-CN" altLang="en-US"/>
+              <a:t>http://maptalks.org/maptalks.js/api/0.x/DistanceTool.html</a:t>
+            </a:r>
+            <a:endParaRPr lang="zh-CN" altLang="en-US"/>
+          </a:p>
+          <a:p>
+            <a:pPr lvl="1"/>
+            <a:r>
+              <a:rPr lang="zh-CN" altLang="en-US"/>
+              <a:t>http://maptalks.org/examples/en/interaction/distance-tool/#interaction_distance-tool</a:t>
+            </a:r>
+            <a:endParaRPr lang="zh-CN" altLang="en-US"/>
+          </a:p>
+          <a:p>
+            <a:pPr lvl="1"/>
+            <a:r>
+              <a:rPr lang="zh-CN" altLang="en-US"/>
+              <a:t>http://maptalks.org/maptalks.js/api/0.x/AreaTool.html</a:t>
+            </a:r>
+            <a:endParaRPr lang="zh-CN" altLang="en-US"/>
+          </a:p>
+          <a:p>
+            <a:pPr lvl="1"/>
+            <a:r>
+              <a:rPr lang="zh-CN" altLang="en-US"/>
+              <a:t>http://maptalks.org/examples/en/interaction/area-tool/#interaction_area-tool</a:t>
+            </a:r>
+            <a:endParaRPr lang="zh-CN" altLang="en-US"/>
+          </a:p>
+        </p:txBody>
+      </p:sp>
+      <p:sp>
+        <p:nvSpPr>
+          <p:cNvPr id="2" name="页脚占位符 1"/>
+          <p:cNvSpPr>
+            <a:spLocks noGrp="1"/>
+          </p:cNvSpPr>
+          <p:nvPr>
+            <p:ph type="ftr" sz="quarter" idx="12"/>
+          </p:nvPr>
+        </p:nvSpPr>
+        <p:spPr/>
+        <p:txBody>
+          <a:bodyPr/>
+          <a:lstStyle/>
+          <a:p>
+            <a:r>
+              <a:rPr lang="en-US" altLang="zh-CN" smtClean="0"/>
+              <a:t>@AndOrLab</a:t>
+            </a:r>
+            <a:endParaRPr lang="zh-CN" altLang="en-US"/>
+          </a:p>
+        </p:txBody>
+      </p:sp>
+    </p:spTree>
+  </p:cSld>
+  <p:clrMapOvr>
+    <a:masterClrMapping/>
+  </p:clrMapOvr>
+  <p:timing>
+    <p:tnLst>
+      <p:par>
+        <p:cTn id="1" dur="indefinite" restart="never" nodeType="tmRoot"/>
+      </p:par>
+    </p:tnLst>
+  </p:timing>
+</p:sld>
+</file>
+
+<file path=ppt/slides/slide11.xml><?xml version="1.0" encoding="utf-8"?>
+<p:sld xmlns:a="http://schemas.openxmlformats.org/drawingml/2006/main" xmlns:r="http://schemas.openxmlformats.org/officeDocument/2006/relationships" xmlns:p="http://schemas.openxmlformats.org/presentationml/2006/main">
+  <p:cSld>
+    <p:spTree>
+      <p:nvGrpSpPr>
+        <p:cNvPr id="1" name=""/>
+        <p:cNvGrpSpPr/>
+        <p:nvPr/>
+      </p:nvGrpSpPr>
+      <p:grpSpPr>
+        <a:xfrm>
+          <a:off x="0" y="0"/>
+          <a:ext cx="0" cy="0"/>
+          <a:chOff x="0" y="0"/>
+          <a:chExt cx="0" cy="0"/>
+        </a:xfrm>
+      </p:grpSpPr>
+      <p:sp>
+        <p:nvSpPr>
+          <p:cNvPr id="3" name="标题 2"/>
+          <p:cNvSpPr>
+            <a:spLocks noGrp="1"/>
+          </p:cNvSpPr>
+          <p:nvPr>
+            <p:ph type="title"/>
+          </p:nvPr>
+        </p:nvSpPr>
+        <p:spPr/>
+        <p:txBody>
+          <a:bodyPr>
+            <a:normAutofit fontScale="90000"/>
+          </a:bodyPr>
+          <a:lstStyle/>
           <a:p>
             <a:r>
               <a:rPr lang="en-US" altLang="zh-CN"/>
-              <a:t>map</a:t>
+              <a:t>maptalks</a:t>
             </a:r>
             <a:r>
               <a:rPr lang="zh-CN" altLang="en-US"/>
-              <a:t>对象创建</a:t>
-            </a:r>
-            <a:endParaRPr lang="zh-CN" altLang="en-US"/>
+              <a:t>使用</a:t>
+            </a:r>
+            <a:endParaRPr lang="zh-CN" altLang="en-US"/>
+          </a:p>
+        </p:txBody>
+      </p:sp>
+      <p:sp>
+        <p:nvSpPr>
+          <p:cNvPr id="4" name="文本占位符 3"/>
+          <p:cNvSpPr>
+            <a:spLocks noGrp="1"/>
+          </p:cNvSpPr>
+          <p:nvPr>
+            <p:ph type="body" sz="quarter" idx="11"/>
+          </p:nvPr>
+        </p:nvSpPr>
+        <p:spPr/>
+        <p:txBody>
+          <a:bodyPr>
+            <a:normAutofit fontScale="92500" lnSpcReduction="10000"/>
+          </a:bodyPr>
+          <a:lstStyle/>
+          <a:p>
+            <a:r>
+              <a:rPr lang="en-US" altLang="zh-CN"/>
+              <a:t>TileLayer</a:t>
+            </a:r>
+            <a:endParaRPr lang="en-US" altLang="zh-CN"/>
           </a:p>
         </p:txBody>
       </p:sp>
@@ -1925,68 +2606,114 @@
             <p:ph sz="quarter" idx="10"/>
           </p:nvPr>
         </p:nvSpPr>
-        <p:spPr>
-          <a:xfrm>
-            <a:off x="464185" y="1477010"/>
-            <a:ext cx="11233785" cy="2473960"/>
-          </a:xfrm>
-        </p:spPr>
+        <p:spPr/>
         <p:txBody>
           <a:bodyPr/>
-          <a:p>
-            <a:r>
-              <a:rPr lang="zh-CN" altLang="en-US"/>
-              <a:t>官网示例 http://maptalks.org/maptalks.js/api/0.x/Map.html</a:t>
-            </a:r>
-            <a:endParaRPr lang="zh-CN" altLang="en-US"/>
+          <a:lstStyle/>
+          <a:p>
+            <a:r>
+              <a:rPr lang="zh-CN" altLang="en-US" dirty="0"/>
+              <a:t>什么是瓦片服务</a:t>
+            </a:r>
+            <a:r>
+              <a:rPr lang="zh-CN" altLang="en-US" dirty="0" smtClean="0"/>
+              <a:t>？什么</a:t>
+            </a:r>
+            <a:r>
+              <a:rPr lang="zh-CN" altLang="en-US" dirty="0"/>
+              <a:t>又</a:t>
+            </a:r>
+            <a:r>
+              <a:rPr lang="zh-CN" altLang="en-US" dirty="0" smtClean="0"/>
+              <a:t>是</a:t>
+            </a:r>
+            <a:r>
+              <a:rPr lang="zh-CN" altLang="en-US" dirty="0"/>
+              <a:t>动态服务</a:t>
+            </a:r>
+            <a:r>
+              <a:rPr lang="zh-CN" altLang="en-US" dirty="0" smtClean="0"/>
+              <a:t>？</a:t>
+            </a:r>
+            <a:endParaRPr lang="en-US" altLang="zh-CN" dirty="0" smtClean="0"/>
+          </a:p>
+          <a:p>
+            <a:r>
+              <a:rPr lang="zh-CN" altLang="en-US" dirty="0" smtClean="0"/>
+              <a:t>动态</a:t>
+            </a:r>
+            <a:r>
+              <a:rPr lang="zh-CN" altLang="en-US" dirty="0"/>
+              <a:t>服务和切片服务的区别？</a:t>
+            </a:r>
+            <a:endParaRPr lang="zh-CN" altLang="en-US" dirty="0"/>
           </a:p>
           <a:p>
             <a:pPr marL="0" indent="0">
               <a:buNone/>
             </a:pPr>
-            <a:endParaRPr lang="zh-CN" altLang="en-US"/>
+            <a:r>
+              <a:rPr lang="zh-CN" altLang="en-US" dirty="0">
+                <a:sym typeface="+mn-ea"/>
+              </a:rPr>
+              <a:t>		切片后显示效率高，不切片的话每次加载或图像范围发生变化都需要重新渲染地图由		此可见：</a:t>
+            </a:r>
+            <a:endParaRPr lang="zh-CN" altLang="en-US" dirty="0">
+              <a:sym typeface="+mn-ea"/>
+            </a:endParaRPr>
+          </a:p>
+          <a:p>
+            <a:pPr lvl="1"/>
+            <a:r>
+              <a:rPr lang="zh-CN" altLang="en-US" dirty="0">
+                <a:sym typeface="+mn-ea"/>
+              </a:rPr>
+              <a:t>动态服务是实时渲染的，它不能脱离服务器可支持编辑、查询、分析等功能。</a:t>
+            </a:r>
+            <a:endParaRPr lang="zh-CN" altLang="en-US" dirty="0">
+              <a:sym typeface="+mn-ea"/>
+            </a:endParaRPr>
+          </a:p>
+          <a:p>
+            <a:pPr lvl="1"/>
+            <a:r>
+              <a:rPr lang="zh-CN" altLang="en-US" dirty="0">
+                <a:sym typeface="+mn-ea"/>
+              </a:rPr>
+              <a:t>切片服务本质是一张张图片、只能浏览，可实现离线</a:t>
+            </a:r>
+            <a:r>
+              <a:rPr lang="zh-CN" altLang="en-US" dirty="0" smtClean="0">
+                <a:sym typeface="+mn-ea"/>
+              </a:rPr>
+              <a:t>。</a:t>
+            </a:r>
+            <a:endParaRPr lang="en-US" altLang="zh-CN" dirty="0" smtClean="0"/>
+          </a:p>
+          <a:p>
+            <a:r>
+              <a:rPr lang="en-US" altLang="zh-CN" dirty="0" err="1" smtClean="0"/>
+              <a:t>TileLayer</a:t>
+            </a:r>
+            <a:r>
+              <a:rPr dirty="0"/>
+              <a:t>是</a:t>
+            </a:r>
+            <a:r>
+              <a:rPr lang="en-US" altLang="zh-CN" dirty="0" err="1"/>
+              <a:t>maptalks</a:t>
+            </a:r>
+            <a:r>
+              <a:rPr dirty="0"/>
+              <a:t>提供的一个用于加载瓦片服务的接口，</a:t>
+            </a:r>
+            <a:endParaRPr dirty="0"/>
           </a:p>
           <a:p>
             <a:pPr marL="0" indent="0">
               <a:buNone/>
             </a:pPr>
-            <a:endParaRPr lang="zh-CN" altLang="en-US"/>
-          </a:p>
-          <a:p>
-            <a:pPr marL="0" indent="0">
-              <a:buNone/>
-            </a:pPr>
-            <a:endParaRPr lang="zh-CN" altLang="en-US"/>
-          </a:p>
-          <a:p>
-            <a:pPr marL="0" indent="0">
-              <a:buNone/>
-            </a:pPr>
-            <a:endParaRPr lang="zh-CN" altLang="en-US"/>
-          </a:p>
-          <a:p>
-            <a:pPr marL="0" indent="0">
-              <a:buNone/>
-            </a:pPr>
-            <a:endParaRPr lang="zh-CN" altLang="en-US"/>
-          </a:p>
-          <a:p>
-            <a:pPr marL="0" indent="0">
-              <a:buNone/>
-            </a:pPr>
-            <a:endParaRPr lang="zh-CN" altLang="en-US"/>
-          </a:p>
-          <a:p>
-            <a:pPr marL="0" indent="0">
-              <a:buNone/>
-            </a:pPr>
-            <a:endParaRPr lang="zh-CN" altLang="en-US"/>
-          </a:p>
-          <a:p>
-            <a:pPr marL="0" indent="0">
-              <a:buNone/>
-            </a:pPr>
-            <a:endParaRPr lang="zh-CN" altLang="en-US"/>
+            <a:endParaRPr dirty="0"/>
           </a:p>
         </p:txBody>
       </p:sp>
@@ -2003,6 +2730,7 @@
         <p:spPr/>
         <p:txBody>
           <a:bodyPr/>
+          <a:lstStyle/>
           <a:p>
             <a:r>
               <a:rPr lang="en-US" altLang="zh-CN" smtClean="0"/>
@@ -2028,8 +2756,8 @@
         </p:blipFill>
         <p:spPr>
           <a:xfrm>
-            <a:off x="708660" y="2026920"/>
-            <a:ext cx="7978775" cy="3195320"/>
+            <a:off x="1812290" y="4008120"/>
+            <a:ext cx="3413760" cy="2416810"/>
           </a:xfrm>
           <a:prstGeom prst="rect">
             <a:avLst/>
@@ -2041,173 +2769,13 @@
   <p:clrMapOvr>
     <a:masterClrMapping/>
   </p:clrMapOvr>
-</p:sld>
-</file>
-
-<file path=ppt/slides/slide11.xml><?xml version="1.0" encoding="utf-8"?>
-<p:sld xmlns:a="http://schemas.openxmlformats.org/drawingml/2006/main" xmlns:r="http://schemas.openxmlformats.org/officeDocument/2006/relationships" xmlns:p="http://schemas.openxmlformats.org/presentationml/2006/main">
-  <p:cSld>
-    <p:spTree>
-      <p:nvGrpSpPr>
-        <p:cNvPr id="1" name=""/>
-        <p:cNvGrpSpPr/>
-        <p:nvPr/>
-      </p:nvGrpSpPr>
-      <p:grpSpPr/>
-      <p:sp>
-        <p:nvSpPr>
-          <p:cNvPr id="3" name="标题 2"/>
-          <p:cNvSpPr>
-            <a:spLocks noGrp="1"/>
-          </p:cNvSpPr>
-          <p:nvPr>
-            <p:ph type="title"/>
-          </p:nvPr>
-        </p:nvSpPr>
-        <p:spPr/>
-        <p:txBody>
-          <a:bodyPr>
-            <a:normAutofit fontScale="90000"/>
-          </a:bodyPr>
-          <a:p>
-            <a:r>
-              <a:rPr lang="en-US" altLang="zh-CN"/>
-              <a:t>maptalks</a:t>
-            </a:r>
-            <a:r>
-              <a:rPr lang="zh-CN" altLang="en-US"/>
-              <a:t>使用</a:t>
-            </a:r>
-            <a:endParaRPr lang="zh-CN" altLang="en-US"/>
-          </a:p>
-        </p:txBody>
-      </p:sp>
-      <p:sp>
-        <p:nvSpPr>
-          <p:cNvPr id="4" name="文本占位符 3"/>
-          <p:cNvSpPr>
-            <a:spLocks noGrp="1"/>
-          </p:cNvSpPr>
-          <p:nvPr>
-            <p:ph type="body" sz="quarter" idx="11"/>
-          </p:nvPr>
-        </p:nvSpPr>
-        <p:spPr/>
-        <p:txBody>
-          <a:bodyPr>
-            <a:normAutofit fontScale="70000"/>
-          </a:bodyPr>
-          <a:p>
-            <a:r>
-              <a:rPr lang="zh-CN" altLang="en-US"/>
-              <a:t>基础功能</a:t>
-            </a:r>
-            <a:endParaRPr lang="zh-CN" altLang="en-US"/>
-          </a:p>
-        </p:txBody>
-      </p:sp>
-      <p:sp>
-        <p:nvSpPr>
-          <p:cNvPr id="5" name="内容占位符 4"/>
-          <p:cNvSpPr>
-            <a:spLocks noGrp="1"/>
-          </p:cNvSpPr>
-          <p:nvPr>
-            <p:ph sz="quarter" idx="10"/>
-          </p:nvPr>
-        </p:nvSpPr>
-        <p:spPr/>
-        <p:txBody>
-          <a:bodyPr/>
-          <a:p>
-            <a:r>
-              <a:rPr lang="zh-CN" altLang="en-US"/>
-              <a:t>放大</a:t>
-            </a:r>
-            <a:endParaRPr lang="zh-CN" altLang="en-US"/>
-          </a:p>
-          <a:p>
-            <a:r>
-              <a:rPr lang="zh-CN" altLang="en-US"/>
-              <a:t>缩小</a:t>
-            </a:r>
-            <a:endParaRPr lang="zh-CN" altLang="en-US"/>
-          </a:p>
-          <a:p>
-            <a:r>
-              <a:rPr lang="zh-CN" altLang="en-US"/>
-              <a:t>全图</a:t>
-            </a:r>
-            <a:endParaRPr lang="zh-CN" altLang="en-US"/>
-          </a:p>
-          <a:p>
-            <a:r>
-              <a:rPr lang="zh-CN" altLang="en-US"/>
-              <a:t>测量</a:t>
-            </a:r>
-            <a:endParaRPr lang="zh-CN" altLang="en-US"/>
-          </a:p>
-          <a:p>
-            <a:pPr lvl="1"/>
-            <a:r>
-              <a:rPr lang="zh-CN" altLang="en-US"/>
-              <a:t>http://maptalks.org/maptalks.js/api/0.x/DistanceTool.html</a:t>
-            </a:r>
-            <a:endParaRPr lang="zh-CN" altLang="en-US"/>
-          </a:p>
-          <a:p>
-            <a:pPr lvl="1"/>
-            <a:r>
-              <a:rPr lang="zh-CN" altLang="en-US"/>
-              <a:t>http://maptalks.org/examples/en/interaction/distance-tool/#interaction_distance-tool</a:t>
-            </a:r>
-            <a:endParaRPr lang="zh-CN" altLang="en-US"/>
-          </a:p>
-          <a:p>
-            <a:pPr lvl="1"/>
-            <a:r>
-              <a:rPr lang="zh-CN" altLang="en-US"/>
-              <a:t>http://maptalks.org/maptalks.js/api/0.x/AreaTool.html</a:t>
-            </a:r>
-            <a:endParaRPr lang="zh-CN" altLang="en-US"/>
-          </a:p>
-          <a:p>
-            <a:pPr lvl="1"/>
-            <a:r>
-              <a:rPr lang="zh-CN" altLang="en-US"/>
-              <a:t>http://maptalks.org/examples/en/interaction/area-tool/#interaction_area-tool</a:t>
-            </a:r>
-            <a:endParaRPr lang="zh-CN" altLang="en-US"/>
-          </a:p>
-        </p:txBody>
-      </p:sp>
-      <p:sp>
-        <p:nvSpPr>
-          <p:cNvPr id="2" name="页脚占位符 1"/>
-          <p:cNvSpPr>
-            <a:spLocks noGrp="1"/>
-          </p:cNvSpPr>
-          <p:nvPr>
-            <p:ph type="ftr" sz="quarter" idx="12"/>
-          </p:nvPr>
-        </p:nvSpPr>
-        <p:spPr/>
-        <p:txBody>
-          <a:bodyPr/>
-          <a:p>
-            <a:r>
-              <a:rPr lang="en-US" altLang="zh-CN" smtClean="0"/>
-              <a:t>@AndOrLab</a:t>
-            </a:r>
-            <a:endParaRPr lang="zh-CN" altLang="en-US"/>
-          </a:p>
-        </p:txBody>
-      </p:sp>
-    </p:spTree>
-  </p:cSld>
-  <p:clrMapOvr>
-    <a:masterClrMapping/>
-  </p:clrMapOvr>
+  <p:timing>
+    <p:tnLst>
+      <p:par>
+        <p:cTn id="1" dur="indefinite" restart="never" nodeType="tmRoot"/>
+      </p:par>
+    </p:tnLst>
+  </p:timing>
 </p:sld>
 </file>
 
@@ -2220,7 +2788,14 @@
         <p:cNvGrpSpPr/>
         <p:nvPr/>
       </p:nvGrpSpPr>
-      <p:grpSpPr/>
+      <p:grpSpPr>
+        <a:xfrm>
+          <a:off x="0" y="0"/>
+          <a:ext cx="0" cy="0"/>
+          <a:chOff x="0" y="0"/>
+          <a:chExt cx="0" cy="0"/>
+        </a:xfrm>
+      </p:grpSpPr>
       <p:sp>
         <p:nvSpPr>
           <p:cNvPr id="3" name="标题 2"/>
@@ -2236,6 +2811,7 @@
           <a:bodyPr>
             <a:normAutofit fontScale="90000"/>
           </a:bodyPr>
+          <a:lstStyle/>
           <a:p>
             <a:r>
               <a:rPr lang="en-US" altLang="zh-CN"/>
@@ -2262,8 +2838,9 @@
         <p:spPr/>
         <p:txBody>
           <a:bodyPr>
-            <a:normAutofit fontScale="70000"/>
+            <a:normAutofit fontScale="92500" lnSpcReduction="10000"/>
           </a:bodyPr>
+          <a:lstStyle/>
           <a:p>
             <a:r>
               <a:rPr lang="en-US" altLang="zh-CN"/>
@@ -2286,31 +2863,96 @@
         <p:spPr/>
         <p:txBody>
           <a:bodyPr/>
-          <a:p>
-            <a:r>
-              <a:rPr lang="en-US" altLang="zh-CN"/>
-              <a:t>TileLayer</a:t>
-            </a:r>
-            <a:r>
-              <a:t>是</a:t>
-            </a:r>
-            <a:r>
-              <a:rPr lang="en-US" altLang="zh-CN"/>
-              <a:t>maptalks</a:t>
-            </a:r>
-            <a:r>
-              <a:t>提供的一个用于加载瓦片服务的接口，</a:t>
-            </a:r>
-          </a:p>
-          <a:p>
-            <a:r>
-              <a:t>什么是瓦片服务？</a:t>
-            </a:r>
-          </a:p>
+          <a:lstStyle/>
           <a:p>
             <a:pPr marL="0" indent="0">
               <a:buNone/>
             </a:pPr>
+            <a:r>
+              <a:t>与切片服务加载关系最密切的就是瓦片矩阵的编号规则和瓦片原点不一样，只有按照对应的举矩阵规则才能正确加载对应类别的切片服务，比如</a:t>
+            </a:r>
+            <a:r>
+              <a:rPr lang="en-US" altLang="zh-CN"/>
+              <a:t>maptalks</a:t>
+            </a:r>
+            <a:r>
+              <a:t>的</a:t>
+            </a:r>
+            <a:r>
+              <a:rPr lang="en-US" altLang="zh-CN"/>
+              <a:t>API</a:t>
+            </a:r>
+            <a:r>
+              <a:t>中可以看到一个名为</a:t>
+            </a:r>
+            <a:r>
+              <a:rPr lang="en-US" altLang="zh-CN"/>
+              <a:t>WMSTileLayer</a:t>
+            </a:r>
+            <a:r>
+              <a:t>的类，它就是用于加载</a:t>
+            </a:r>
+            <a:r>
+              <a:rPr lang="en-US" altLang="zh-CN"/>
+              <a:t>WMS</a:t>
+            </a:r>
+            <a:r>
+              <a:t>切片服务的，但是除了</a:t>
+            </a:r>
+            <a:r>
+              <a:rPr lang="en-US" altLang="zh-CN"/>
+              <a:t>WMS</a:t>
+            </a:r>
+            <a:r>
+              <a:t>切片服务还有其他类型的切片，比如常见的</a:t>
+            </a:r>
+            <a:r>
+              <a:rPr lang="en-US" altLang="zh-CN"/>
+              <a:t>ArcGis</a:t>
+            </a:r>
+            <a:r>
+              <a:t>的切片服务等，这是涉及到</a:t>
+            </a:r>
+            <a:r>
+              <a:rPr lang="en-US" altLang="zh-CN"/>
+              <a:t>maptalks</a:t>
+            </a:r>
+            <a:r>
+              <a:t>提供的</a:t>
+            </a:r>
+            <a:r>
+              <a:rPr lang="en-US" altLang="zh-CN"/>
+              <a:t>TileSystem(</a:t>
+            </a:r>
+            <a:r>
+              <a:t>切片系统</a:t>
+            </a:r>
+            <a:r>
+              <a:rPr lang="en-US" altLang="zh-CN"/>
+              <a:t>)</a:t>
+            </a:r>
+            <a:r>
+              <a:t>了，</a:t>
+            </a:r>
+            <a:r>
+              <a:rPr>
+                <a:sym typeface="+mn-ea"/>
+              </a:rPr>
+              <a:t>TileSystem在这里就是用来来描述瓦片服务的瓦片原点和瓦片编号规则.</a:t>
+            </a:r>
+            <a:endParaRPr lang="zh-CN" altLang="en-US"/>
+          </a:p>
+          <a:p>
+            <a:pPr marL="0" indent="0">
+              <a:buNone/>
+            </a:pPr>
+            <a:endParaRPr lang="zh-CN" altLang="en-US"/>
+          </a:p>
+          <a:p>
+            <a:pPr marL="0" indent="0">
+              <a:buNone/>
+            </a:pPr>
+            <a:endParaRPr lang="zh-CN" altLang="en-US"/>
           </a:p>
         </p:txBody>
       </p:sp>
@@ -2327,6 +2969,148 @@
         <p:spPr/>
         <p:txBody>
           <a:bodyPr/>
+          <a:lstStyle/>
+          <a:p>
+            <a:r>
+              <a:rPr lang="en-US" altLang="zh-CN" smtClean="0"/>
+              <a:t>@AndOrLab</a:t>
+            </a:r>
+            <a:endParaRPr lang="zh-CN" altLang="en-US"/>
+          </a:p>
+        </p:txBody>
+      </p:sp>
+    </p:spTree>
+  </p:cSld>
+  <p:clrMapOvr>
+    <a:masterClrMapping/>
+  </p:clrMapOvr>
+  <p:timing>
+    <p:tnLst>
+      <p:par>
+        <p:cTn id="1" dur="indefinite" restart="never" nodeType="tmRoot"/>
+      </p:par>
+    </p:tnLst>
+  </p:timing>
+</p:sld>
+</file>
+
+<file path=ppt/slides/slide13.xml><?xml version="1.0" encoding="utf-8"?>
+<p:sld xmlns:a="http://schemas.openxmlformats.org/drawingml/2006/main" xmlns:r="http://schemas.openxmlformats.org/officeDocument/2006/relationships" xmlns:p="http://schemas.openxmlformats.org/presentationml/2006/main">
+  <p:cSld>
+    <p:spTree>
+      <p:nvGrpSpPr>
+        <p:cNvPr id="1" name=""/>
+        <p:cNvGrpSpPr/>
+        <p:nvPr/>
+      </p:nvGrpSpPr>
+      <p:grpSpPr>
+        <a:xfrm>
+          <a:off x="0" y="0"/>
+          <a:ext cx="0" cy="0"/>
+          <a:chOff x="0" y="0"/>
+          <a:chExt cx="0" cy="0"/>
+        </a:xfrm>
+      </p:grpSpPr>
+      <p:sp>
+        <p:nvSpPr>
+          <p:cNvPr id="3" name="标题 2"/>
+          <p:cNvSpPr>
+            <a:spLocks noGrp="1"/>
+          </p:cNvSpPr>
+          <p:nvPr>
+            <p:ph type="title"/>
+          </p:nvPr>
+        </p:nvSpPr>
+        <p:spPr/>
+        <p:txBody>
+          <a:bodyPr>
+            <a:normAutofit fontScale="90000"/>
+          </a:bodyPr>
+          <a:lstStyle/>
+          <a:p>
+            <a:r>
+              <a:rPr lang="en-US" altLang="zh-CN"/>
+              <a:t>maptalks</a:t>
+            </a:r>
+            <a:r>
+              <a:rPr lang="zh-CN" altLang="en-US"/>
+              <a:t>使用</a:t>
+            </a:r>
+            <a:endParaRPr lang="zh-CN" altLang="en-US"/>
+          </a:p>
+        </p:txBody>
+      </p:sp>
+      <p:sp>
+        <p:nvSpPr>
+          <p:cNvPr id="4" name="文本占位符 3"/>
+          <p:cNvSpPr>
+            <a:spLocks noGrp="1"/>
+          </p:cNvSpPr>
+          <p:nvPr>
+            <p:ph type="body" sz="quarter" idx="11"/>
+          </p:nvPr>
+        </p:nvSpPr>
+        <p:spPr/>
+        <p:txBody>
+          <a:bodyPr>
+            <a:normAutofit fontScale="92500" lnSpcReduction="10000"/>
+          </a:bodyPr>
+          <a:lstStyle/>
+          <a:p>
+            <a:r>
+              <a:rPr lang="en-US" altLang="zh-CN"/>
+              <a:t>TileSystem</a:t>
+            </a:r>
+            <a:endParaRPr lang="en-US" altLang="zh-CN"/>
+          </a:p>
+        </p:txBody>
+      </p:sp>
+      <p:sp>
+        <p:nvSpPr>
+          <p:cNvPr id="5" name="内容占位符 4"/>
+          <p:cNvSpPr>
+            <a:spLocks noGrp="1"/>
+          </p:cNvSpPr>
+          <p:nvPr>
+            <p:ph sz="quarter" idx="10"/>
+          </p:nvPr>
+        </p:nvSpPr>
+        <p:spPr>
+          <a:xfrm>
+            <a:off x="479697" y="1542108"/>
+            <a:ext cx="11234058" cy="5040211"/>
+          </a:xfrm>
+        </p:spPr>
+        <p:txBody>
+          <a:bodyPr/>
+          <a:lstStyle/>
+          <a:p>
+            <a:r>
+              <a:rPr lang="zh-CN" altLang="en-US" dirty="0" smtClean="0"/>
+              <a:t>不同</a:t>
+            </a:r>
+            <a:r>
+              <a:rPr lang="zh-CN" altLang="en-US" dirty="0"/>
+              <a:t>空间参考的瓦片服务有不同的瓦片原点, 瓦片编号规则, TileLayer用TileSystem来描述瓦片服务的瓦片原点和瓦片编号规则.</a:t>
+            </a:r>
+            <a:endParaRPr lang="zh-CN" altLang="en-US" dirty="0"/>
+          </a:p>
+        </p:txBody>
+      </p:sp>
+      <p:sp>
+        <p:nvSpPr>
+          <p:cNvPr id="2" name="页脚占位符 1"/>
+          <p:cNvSpPr>
+            <a:spLocks noGrp="1"/>
+          </p:cNvSpPr>
+          <p:nvPr>
+            <p:ph type="ftr" sz="quarter" idx="12"/>
+          </p:nvPr>
+        </p:nvSpPr>
+        <p:spPr/>
+        <p:txBody>
+          <a:bodyPr/>
+          <a:lstStyle/>
           <a:p>
             <a:r>
               <a:rPr lang="en-US" altLang="zh-CN" smtClean="0"/>
@@ -2352,214 +3136,71 @@
         </p:blipFill>
         <p:spPr>
           <a:xfrm>
-            <a:off x="600710" y="2324100"/>
-            <a:ext cx="4589145" cy="3973830"/>
+            <a:off x="500157" y="2548158"/>
+            <a:ext cx="11191686" cy="3348657"/>
           </a:xfrm>
           <a:prstGeom prst="rect">
             <a:avLst/>
           </a:prstGeom>
         </p:spPr>
       </p:pic>
+      <p:sp>
+        <p:nvSpPr>
+          <p:cNvPr id="7" name="文本框 6"/>
+          <p:cNvSpPr txBox="1"/>
+          <p:nvPr/>
+        </p:nvSpPr>
+        <p:spPr>
+          <a:xfrm>
+            <a:off x="786213" y="5999198"/>
+            <a:ext cx="9447843" cy="646331"/>
+          </a:xfrm>
+          <a:prstGeom prst="rect">
+            <a:avLst/>
+          </a:prstGeom>
+          <a:noFill/>
+        </p:spPr>
+        <p:txBody>
+          <a:bodyPr wrap="none" rtlCol="0">
+            <a:spAutoFit/>
+          </a:bodyPr>
+          <a:lstStyle/>
+          <a:p>
+            <a:r>
+              <a:rPr lang="zh-CN" altLang="en-US" dirty="0">
+                <a:solidFill>
+                  <a:srgbClr val="FF0000"/>
+                </a:solidFill>
+              </a:rPr>
+              <a:t>https://github.com/maptalks/maptalks.js/blob/master/src/layer/tile/tileinfo/TileSystem.js#L49</a:t>
+            </a:r>
+            <a:endParaRPr lang="zh-CN" altLang="en-US" dirty="0">
+              <a:solidFill>
+                <a:srgbClr val="FF0000"/>
+              </a:solidFill>
+            </a:endParaRPr>
+          </a:p>
+          <a:p>
+            <a:endParaRPr lang="zh-CN" altLang="en-US" dirty="0">
+              <a:solidFill>
+                <a:srgbClr val="FF0000"/>
+              </a:solidFill>
+            </a:endParaRPr>
+          </a:p>
+        </p:txBody>
+      </p:sp>
     </p:spTree>
   </p:cSld>
   <p:clrMapOvr>
     <a:masterClrMapping/>
   </p:clrMapOvr>
-</p:sld>
-</file>
-
-<file path=ppt/slides/slide13.xml><?xml version="1.0" encoding="utf-8"?>
-<p:sld xmlns:a="http://schemas.openxmlformats.org/drawingml/2006/main" xmlns:r="http://schemas.openxmlformats.org/officeDocument/2006/relationships" xmlns:p="http://schemas.openxmlformats.org/presentationml/2006/main">
-  <p:cSld>
-    <p:spTree>
-      <p:nvGrpSpPr>
-        <p:cNvPr id="1" name=""/>
-        <p:cNvGrpSpPr/>
-        <p:nvPr/>
-      </p:nvGrpSpPr>
-      <p:grpSpPr/>
-      <p:sp>
-        <p:nvSpPr>
-          <p:cNvPr id="3" name="标题 2"/>
-          <p:cNvSpPr>
-            <a:spLocks noGrp="1"/>
-          </p:cNvSpPr>
-          <p:nvPr>
-            <p:ph type="title"/>
-          </p:nvPr>
-        </p:nvSpPr>
-        <p:spPr/>
-        <p:txBody>
-          <a:bodyPr>
-            <a:normAutofit fontScale="90000"/>
-          </a:bodyPr>
-          <a:p>
-            <a:r>
-              <a:rPr lang="en-US" altLang="zh-CN"/>
-              <a:t>maptalks</a:t>
-            </a:r>
-            <a:r>
-              <a:rPr lang="zh-CN" altLang="en-US"/>
-              <a:t>使用</a:t>
-            </a:r>
-            <a:endParaRPr lang="zh-CN" altLang="en-US"/>
-          </a:p>
-        </p:txBody>
-      </p:sp>
-      <p:sp>
-        <p:nvSpPr>
-          <p:cNvPr id="4" name="文本占位符 3"/>
-          <p:cNvSpPr>
-            <a:spLocks noGrp="1"/>
-          </p:cNvSpPr>
-          <p:nvPr>
-            <p:ph type="body" sz="quarter" idx="11"/>
-          </p:nvPr>
-        </p:nvSpPr>
-        <p:spPr/>
-        <p:txBody>
-          <a:bodyPr>
-            <a:normAutofit fontScale="70000"/>
-          </a:bodyPr>
-          <a:p>
-            <a:r>
-              <a:rPr lang="en-US" altLang="zh-CN"/>
-              <a:t>TileLayer</a:t>
-            </a:r>
-            <a:endParaRPr lang="en-US" altLang="zh-CN"/>
-          </a:p>
-        </p:txBody>
-      </p:sp>
-      <p:sp>
-        <p:nvSpPr>
-          <p:cNvPr id="5" name="内容占位符 4"/>
-          <p:cNvSpPr>
-            <a:spLocks noGrp="1"/>
-          </p:cNvSpPr>
-          <p:nvPr>
-            <p:ph sz="quarter" idx="10"/>
-          </p:nvPr>
-        </p:nvSpPr>
-        <p:spPr/>
-        <p:txBody>
-          <a:bodyPr/>
-          <a:p>
-            <a:pPr marL="0" indent="0">
-              <a:buNone/>
-            </a:pPr>
-            <a:r>
-              <a:t>与切片服务加载关系最密切的就是瓦片矩阵的编号规则和瓦片原点不一样，只有按照对应的举矩阵规则才能正确加载对应类别的切片服务，比如</a:t>
-            </a:r>
-            <a:r>
-              <a:rPr lang="en-US" altLang="zh-CN"/>
-              <a:t>maptalks</a:t>
-            </a:r>
-            <a:r>
-              <a:t>的</a:t>
-            </a:r>
-            <a:r>
-              <a:rPr lang="en-US" altLang="zh-CN"/>
-              <a:t>API</a:t>
-            </a:r>
-            <a:r>
-              <a:t>中可以看到一个名为</a:t>
-            </a:r>
-            <a:r>
-              <a:rPr lang="en-US" altLang="zh-CN"/>
-              <a:t>WMSTileLayer</a:t>
-            </a:r>
-            <a:r>
-              <a:t>的类，它就是用于加载</a:t>
-            </a:r>
-            <a:r>
-              <a:rPr lang="en-US" altLang="zh-CN"/>
-              <a:t>WMS</a:t>
-            </a:r>
-            <a:r>
-              <a:t>切片服务的，但是除了</a:t>
-            </a:r>
-            <a:r>
-              <a:rPr lang="en-US" altLang="zh-CN"/>
-              <a:t>WMS</a:t>
-            </a:r>
-            <a:r>
-              <a:t>切片服务还有其他类型的切片，比如常见的</a:t>
-            </a:r>
-            <a:r>
-              <a:rPr lang="en-US" altLang="zh-CN"/>
-              <a:t>ArcGis</a:t>
-            </a:r>
-            <a:r>
-              <a:t>的切片服务等，这是涉及到</a:t>
-            </a:r>
-            <a:r>
-              <a:rPr lang="en-US" altLang="zh-CN"/>
-              <a:t>maptalks</a:t>
-            </a:r>
-            <a:r>
-              <a:t>提供的</a:t>
-            </a:r>
-            <a:r>
-              <a:rPr lang="en-US" altLang="zh-CN"/>
-              <a:t>TileSystem(</a:t>
-            </a:r>
-            <a:r>
-              <a:t>切片系统</a:t>
-            </a:r>
-            <a:r>
-              <a:rPr lang="en-US" altLang="zh-CN"/>
-              <a:t>)</a:t>
-            </a:r>
-            <a:r>
-              <a:t>了，</a:t>
-            </a:r>
-            <a:r>
-              <a:rPr>
-                <a:sym typeface="+mn-ea"/>
-              </a:rPr>
-              <a:t>TileSystem在这里就是用来来描述瓦片服务的瓦片原点和瓦片编号规则.</a:t>
-            </a:r>
-            <a:endParaRPr lang="zh-CN" altLang="en-US"/>
-          </a:p>
-          <a:p>
-            <a:pPr marL="0" indent="0">
-              <a:buNone/>
-            </a:pPr>
-          </a:p>
-          <a:p>
-            <a:pPr marL="0" indent="0">
-              <a:buNone/>
-            </a:pPr>
-          </a:p>
-        </p:txBody>
-      </p:sp>
-      <p:sp>
-        <p:nvSpPr>
-          <p:cNvPr id="2" name="页脚占位符 1"/>
-          <p:cNvSpPr>
-            <a:spLocks noGrp="1"/>
-          </p:cNvSpPr>
-          <p:nvPr>
-            <p:ph type="ftr" sz="quarter" idx="12"/>
-          </p:nvPr>
-        </p:nvSpPr>
-        <p:spPr/>
-        <p:txBody>
-          <a:bodyPr/>
-          <a:p>
-            <a:r>
-              <a:rPr lang="en-US" altLang="zh-CN" smtClean="0"/>
-              <a:t>@AndOrLab</a:t>
-            </a:r>
-            <a:endParaRPr lang="zh-CN" altLang="en-US"/>
-          </a:p>
-        </p:txBody>
-      </p:sp>
-    </p:spTree>
-  </p:cSld>
-  <p:clrMapOvr>
-    <a:masterClrMapping/>
-  </p:clrMapOvr>
+  <p:timing>
+    <p:tnLst>
+      <p:par>
+        <p:cTn id="1" dur="indefinite" restart="never" nodeType="tmRoot"/>
+      </p:par>
+    </p:tnLst>
+  </p:timing>
 </p:sld>
 </file>
 
@@ -2572,7 +3213,14 @@
         <p:cNvGrpSpPr/>
         <p:nvPr/>
       </p:nvGrpSpPr>
-      <p:grpSpPr/>
+      <p:grpSpPr>
+        <a:xfrm>
+          <a:off x="0" y="0"/>
+          <a:ext cx="0" cy="0"/>
+          <a:chOff x="0" y="0"/>
+          <a:chExt cx="0" cy="0"/>
+        </a:xfrm>
+      </p:grpSpPr>
       <p:sp>
         <p:nvSpPr>
           <p:cNvPr id="3" name="标题 2"/>
@@ -2588,6 +3236,7 @@
           <a:bodyPr>
             <a:normAutofit fontScale="90000"/>
           </a:bodyPr>
+          <a:lstStyle/>
           <a:p>
             <a:r>
               <a:rPr lang="en-US" altLang="zh-CN"/>
@@ -2614,12 +3263,13 @@
         <p:spPr/>
         <p:txBody>
           <a:bodyPr>
-            <a:normAutofit fontScale="70000"/>
+            <a:normAutofit fontScale="92500" lnSpcReduction="10000"/>
           </a:bodyPr>
+          <a:lstStyle/>
           <a:p>
             <a:r>
               <a:rPr lang="en-US" altLang="zh-CN"/>
-              <a:t>TileSystem</a:t>
+              <a:t>VectorLayer</a:t>
             </a:r>
             <a:endParaRPr lang="en-US" altLang="zh-CN"/>
           </a:p>
@@ -2635,30 +3285,49 @@
             <p:ph sz="quarter" idx="10"/>
           </p:nvPr>
         </p:nvSpPr>
-        <p:spPr>
-          <a:xfrm>
-            <a:off x="479697" y="1542108"/>
-            <a:ext cx="11234058" cy="5040211"/>
-          </a:xfrm>
-        </p:spPr>
+        <p:spPr/>
         <p:txBody>
           <a:bodyPr/>
-          <a:p>
-            <a:endParaRPr lang="zh-CN" altLang="en-US"/>
-          </a:p>
-          <a:p>
-            <a:r>
-              <a:rPr lang="zh-CN" altLang="en-US"/>
-              <a:t>https://github.com/maptalks/maptalks.js/blob/master/src/layer/tile/tileinfo/TileSystem.js#L49</a:t>
-            </a:r>
-            <a:endParaRPr lang="zh-CN" altLang="en-US"/>
-          </a:p>
-          <a:p>
-            <a:r>
-              <a:rPr lang="zh-CN" altLang="en-US"/>
-              <a:t>不同空间参考的瓦片服务有不同的瓦片原点, 瓦片编号规则, TileLayer用TileSystem来描述瓦片服务的瓦片原点和瓦片编号规则.</a:t>
-            </a:r>
-            <a:endParaRPr lang="zh-CN" altLang="en-US"/>
+          <a:lstStyle/>
+          <a:p>
+            <a:r>
+              <a:rPr lang="zh-CN" altLang="en-US" dirty="0"/>
+              <a:t>翻译</a:t>
+            </a:r>
+            <a:r>
+              <a:rPr lang="zh-CN" altLang="en-US" dirty="0" smtClean="0"/>
+              <a:t>为矢量图</a:t>
+            </a:r>
+            <a:r>
+              <a:rPr dirty="0" smtClean="0"/>
+              <a:t>层</a:t>
+            </a:r>
+            <a:endParaRPr lang="en-US" dirty="0" smtClean="0"/>
+          </a:p>
+          <a:p>
+            <a:r>
+              <a:rPr dirty="0" smtClean="0"/>
+              <a:t>管理和渲染几何图形</a:t>
+            </a:r>
+            <a:endParaRPr lang="en-US" altLang="zh-CN" dirty="0"/>
+          </a:p>
+          <a:p>
+            <a:endParaRPr lang="en-US" altLang="zh-CN" dirty="0"/>
+          </a:p>
+          <a:p>
+            <a:endParaRPr lang="en-US" altLang="zh-CN" dirty="0"/>
+          </a:p>
+          <a:p>
+            <a:endParaRPr lang="en-US" altLang="zh-CN" dirty="0"/>
+          </a:p>
+          <a:p>
+            <a:endParaRPr lang="en-US" altLang="zh-CN" dirty="0"/>
+          </a:p>
+          <a:p>
+            <a:endParaRPr lang="en-US" altLang="zh-CN" dirty="0"/>
+          </a:p>
+          <a:p>
+            <a:endParaRPr lang="en-US" altLang="zh-CN" dirty="0"/>
           </a:p>
         </p:txBody>
       </p:sp>
@@ -2675,6 +3344,7 @@
         <p:spPr/>
         <p:txBody>
           <a:bodyPr/>
+          <a:lstStyle/>
           <a:p>
             <a:r>
               <a:rPr lang="en-US" altLang="zh-CN" smtClean="0"/>
@@ -2700,158 +3370,8 @@
         </p:blipFill>
         <p:spPr>
           <a:xfrm>
-            <a:off x="796925" y="3384550"/>
-            <a:ext cx="9236075" cy="2763520"/>
-          </a:xfrm>
-          <a:prstGeom prst="rect">
-            <a:avLst/>
-          </a:prstGeom>
-        </p:spPr>
-      </p:pic>
-    </p:spTree>
-  </p:cSld>
-  <p:clrMapOvr>
-    <a:masterClrMapping/>
-  </p:clrMapOvr>
-</p:sld>
-</file>
-
-<file path=ppt/slides/slide15.xml><?xml version="1.0" encoding="utf-8"?>
-<p:sld xmlns:a="http://schemas.openxmlformats.org/drawingml/2006/main" xmlns:r="http://schemas.openxmlformats.org/officeDocument/2006/relationships" xmlns:p="http://schemas.openxmlformats.org/presentationml/2006/main">
-  <p:cSld>
-    <p:spTree>
-      <p:nvGrpSpPr>
-        <p:cNvPr id="1" name=""/>
-        <p:cNvGrpSpPr/>
-        <p:nvPr/>
-      </p:nvGrpSpPr>
-      <p:grpSpPr/>
-      <p:sp>
-        <p:nvSpPr>
-          <p:cNvPr id="3" name="标题 2"/>
-          <p:cNvSpPr>
-            <a:spLocks noGrp="1"/>
-          </p:cNvSpPr>
-          <p:nvPr>
-            <p:ph type="title"/>
-          </p:nvPr>
-        </p:nvSpPr>
-        <p:spPr/>
-        <p:txBody>
-          <a:bodyPr>
-            <a:normAutofit fontScale="90000"/>
-          </a:bodyPr>
-          <a:p>
-            <a:r>
-              <a:rPr lang="en-US" altLang="zh-CN"/>
-              <a:t>maptalks</a:t>
-            </a:r>
-            <a:r>
-              <a:rPr lang="zh-CN" altLang="en-US"/>
-              <a:t>使用</a:t>
-            </a:r>
-            <a:endParaRPr lang="zh-CN" altLang="en-US"/>
-          </a:p>
-        </p:txBody>
-      </p:sp>
-      <p:sp>
-        <p:nvSpPr>
-          <p:cNvPr id="4" name="文本占位符 3"/>
-          <p:cNvSpPr>
-            <a:spLocks noGrp="1"/>
-          </p:cNvSpPr>
-          <p:nvPr>
-            <p:ph type="body" sz="quarter" idx="11"/>
-          </p:nvPr>
-        </p:nvSpPr>
-        <p:spPr/>
-        <p:txBody>
-          <a:bodyPr>
-            <a:normAutofit fontScale="70000"/>
-          </a:bodyPr>
-          <a:p>
-            <a:r>
-              <a:rPr lang="en-US" altLang="zh-CN"/>
-              <a:t>VectorLayer</a:t>
-            </a:r>
-            <a:endParaRPr lang="en-US" altLang="zh-CN"/>
-          </a:p>
-        </p:txBody>
-      </p:sp>
-      <p:sp>
-        <p:nvSpPr>
-          <p:cNvPr id="5" name="内容占位符 4"/>
-          <p:cNvSpPr>
-            <a:spLocks noGrp="1"/>
-          </p:cNvSpPr>
-          <p:nvPr>
-            <p:ph sz="quarter" idx="10"/>
-          </p:nvPr>
-        </p:nvSpPr>
-        <p:spPr/>
-        <p:txBody>
-          <a:bodyPr/>
-          <a:p>
-            <a:r>
-              <a:t>字面翻译就是向量图层，根据接口说明可以知道</a:t>
-            </a:r>
-            <a:r>
-              <a:rPr lang="en-US" altLang="zh-CN"/>
-              <a:t>VerTorLayer</a:t>
-            </a:r>
-            <a:r>
-              <a:t>是用来管理和渲染几何图形的。</a:t>
-            </a:r>
-            <a:endParaRPr lang="en-US" altLang="zh-CN"/>
-          </a:p>
-          <a:p/>
-          <a:p/>
-          <a:p/>
-          <a:p/>
-          <a:p/>
-          <a:p/>
-        </p:txBody>
-      </p:sp>
-      <p:sp>
-        <p:nvSpPr>
-          <p:cNvPr id="2" name="页脚占位符 1"/>
-          <p:cNvSpPr>
-            <a:spLocks noGrp="1"/>
-          </p:cNvSpPr>
-          <p:nvPr>
-            <p:ph type="ftr" sz="quarter" idx="12"/>
-          </p:nvPr>
-        </p:nvSpPr>
-        <p:spPr/>
-        <p:txBody>
-          <a:bodyPr/>
-          <a:p>
-            <a:r>
-              <a:rPr lang="en-US" altLang="zh-CN" smtClean="0"/>
-              <a:t>@AndOrLab</a:t>
-            </a:r>
-            <a:endParaRPr lang="zh-CN" altLang="en-US"/>
-          </a:p>
-        </p:txBody>
-      </p:sp>
-      <p:pic>
-        <p:nvPicPr>
-          <p:cNvPr id="6" name="图片 5"/>
-          <p:cNvPicPr>
-            <a:picLocks noChangeAspect="1"/>
-          </p:cNvPicPr>
-          <p:nvPr/>
-        </p:nvPicPr>
-        <p:blipFill>
-          <a:blip r:embed="rId1"/>
-          <a:stretch>
-            <a:fillRect/>
-          </a:stretch>
-        </p:blipFill>
-        <p:spPr>
-          <a:xfrm>
-            <a:off x="561340" y="2630805"/>
-            <a:ext cx="7592060" cy="1595755"/>
+            <a:off x="2163190" y="2247229"/>
+            <a:ext cx="8031944" cy="1892683"/>
           </a:xfrm>
           <a:prstGeom prst="rect">
             <a:avLst/>
@@ -2874,8 +3394,8 @@
         </p:blipFill>
         <p:spPr>
           <a:xfrm>
-            <a:off x="560705" y="4437380"/>
-            <a:ext cx="7592695" cy="1729105"/>
+            <a:off x="2162437" y="4377559"/>
+            <a:ext cx="8032616" cy="2050846"/>
           </a:xfrm>
           <a:prstGeom prst="rect">
             <a:avLst/>
@@ -2887,6 +3407,185 @@
   <p:clrMapOvr>
     <a:masterClrMapping/>
   </p:clrMapOvr>
+  <p:timing>
+    <p:tnLst>
+      <p:par>
+        <p:cTn id="1" dur="indefinite" restart="never" nodeType="tmRoot"/>
+      </p:par>
+    </p:tnLst>
+  </p:timing>
+</p:sld>
+</file>
+
+<file path=ppt/slides/slide15.xml><?xml version="1.0" encoding="utf-8"?>
+<p:sld xmlns:a="http://schemas.openxmlformats.org/drawingml/2006/main" xmlns:r="http://schemas.openxmlformats.org/officeDocument/2006/relationships" xmlns:p="http://schemas.openxmlformats.org/presentationml/2006/main">
+  <p:cSld>
+    <p:spTree>
+      <p:nvGrpSpPr>
+        <p:cNvPr id="1" name=""/>
+        <p:cNvGrpSpPr/>
+        <p:nvPr/>
+      </p:nvGrpSpPr>
+      <p:grpSpPr>
+        <a:xfrm>
+          <a:off x="0" y="0"/>
+          <a:ext cx="0" cy="0"/>
+          <a:chOff x="0" y="0"/>
+          <a:chExt cx="0" cy="0"/>
+        </a:xfrm>
+      </p:grpSpPr>
+      <p:sp>
+        <p:nvSpPr>
+          <p:cNvPr id="3" name="标题 2"/>
+          <p:cNvSpPr>
+            <a:spLocks noGrp="1"/>
+          </p:cNvSpPr>
+          <p:nvPr>
+            <p:ph type="title"/>
+          </p:nvPr>
+        </p:nvSpPr>
+        <p:spPr/>
+        <p:txBody>
+          <a:bodyPr>
+            <a:normAutofit fontScale="90000"/>
+          </a:bodyPr>
+          <a:lstStyle/>
+          <a:p>
+            <a:r>
+              <a:rPr lang="en-US" altLang="zh-CN"/>
+              <a:t>maptalks</a:t>
+            </a:r>
+            <a:r>
+              <a:rPr lang="zh-CN" altLang="en-US"/>
+              <a:t>使用</a:t>
+            </a:r>
+            <a:endParaRPr lang="zh-CN" altLang="en-US"/>
+          </a:p>
+        </p:txBody>
+      </p:sp>
+      <p:sp>
+        <p:nvSpPr>
+          <p:cNvPr id="4" name="文本占位符 3"/>
+          <p:cNvSpPr>
+            <a:spLocks noGrp="1"/>
+          </p:cNvSpPr>
+          <p:nvPr>
+            <p:ph type="body" sz="quarter" idx="11"/>
+          </p:nvPr>
+        </p:nvSpPr>
+        <p:spPr/>
+        <p:txBody>
+          <a:bodyPr>
+            <a:normAutofit fontScale="92500" lnSpcReduction="10000"/>
+          </a:bodyPr>
+          <a:lstStyle/>
+          <a:p>
+            <a:r>
+              <a:rPr lang="en-US" altLang="zh-CN"/>
+              <a:t>Marker</a:t>
+            </a:r>
+            <a:endParaRPr lang="en-US" altLang="zh-CN"/>
+          </a:p>
+        </p:txBody>
+      </p:sp>
+      <p:sp>
+        <p:nvSpPr>
+          <p:cNvPr id="2" name="页脚占位符 1"/>
+          <p:cNvSpPr>
+            <a:spLocks noGrp="1"/>
+          </p:cNvSpPr>
+          <p:nvPr>
+            <p:ph type="ftr" sz="quarter" idx="12"/>
+          </p:nvPr>
+        </p:nvSpPr>
+        <p:spPr/>
+        <p:txBody>
+          <a:bodyPr/>
+          <a:lstStyle/>
+          <a:p>
+            <a:r>
+              <a:rPr lang="en-US" altLang="zh-CN" smtClean="0"/>
+              <a:t>@AndOrLab</a:t>
+            </a:r>
+            <a:endParaRPr lang="zh-CN" altLang="en-US"/>
+          </a:p>
+        </p:txBody>
+      </p:sp>
+      <p:pic>
+        <p:nvPicPr>
+          <p:cNvPr id="6" name="内容占位符 5"/>
+          <p:cNvPicPr>
+            <a:picLocks noGrp="1" noChangeAspect="1"/>
+          </p:cNvPicPr>
+          <p:nvPr>
+            <p:ph sz="quarter" idx="10"/>
+          </p:nvPr>
+        </p:nvPicPr>
+        <p:blipFill>
+          <a:blip r:embed="rId1"/>
+          <a:stretch>
+            <a:fillRect/>
+          </a:stretch>
+        </p:blipFill>
+        <p:spPr>
+          <a:xfrm>
+            <a:off x="1220470" y="1337310"/>
+            <a:ext cx="9751695" cy="4466590"/>
+          </a:xfrm>
+          <a:prstGeom prst="rect">
+            <a:avLst/>
+          </a:prstGeom>
+        </p:spPr>
+      </p:pic>
+      <p:sp>
+        <p:nvSpPr>
+          <p:cNvPr id="5" name="文本框 4"/>
+          <p:cNvSpPr txBox="1"/>
+          <p:nvPr/>
+        </p:nvSpPr>
+        <p:spPr>
+          <a:xfrm>
+            <a:off x="1377315" y="6054725"/>
+            <a:ext cx="9438005" cy="368300"/>
+          </a:xfrm>
+          <a:prstGeom prst="rect">
+            <a:avLst/>
+          </a:prstGeom>
+          <a:noFill/>
+        </p:spPr>
+        <p:txBody>
+          <a:bodyPr wrap="square" rtlCol="0">
+            <a:spAutoFit/>
+          </a:bodyPr>
+          <a:p>
+            <a:r>
+              <a:rPr lang="zh-CN" altLang="en-US">
+                <a:solidFill>
+                  <a:srgbClr val="FF0000"/>
+                </a:solidFill>
+              </a:rPr>
+              <a:t>http://maptalks.org/maptalks.js/api/0.x/Marker.html</a:t>
+            </a:r>
+            <a:endParaRPr lang="zh-CN" altLang="en-US">
+              <a:solidFill>
+                <a:srgbClr val="FF0000"/>
+              </a:solidFill>
+            </a:endParaRPr>
+          </a:p>
+        </p:txBody>
+      </p:sp>
+    </p:spTree>
+  </p:cSld>
+  <p:clrMapOvr>
+    <a:masterClrMapping/>
+  </p:clrMapOvr>
+  <p:timing>
+    <p:tnLst>
+      <p:par>
+        <p:cTn id="1" dur="indefinite" restart="never" nodeType="tmRoot"/>
+      </p:par>
+    </p:tnLst>
+  </p:timing>
 </p:sld>
 </file>
 
@@ -2899,7 +3598,14 @@
         <p:cNvGrpSpPr/>
         <p:nvPr/>
       </p:nvGrpSpPr>
-      <p:grpSpPr/>
+      <p:grpSpPr>
+        <a:xfrm>
+          <a:off x="0" y="0"/>
+          <a:ext cx="0" cy="0"/>
+          <a:chOff x="0" y="0"/>
+          <a:chExt cx="0" cy="0"/>
+        </a:xfrm>
+      </p:grpSpPr>
       <p:sp>
         <p:nvSpPr>
           <p:cNvPr id="3" name="标题 2"/>
@@ -2915,6 +3621,7 @@
           <a:bodyPr>
             <a:normAutofit fontScale="90000"/>
           </a:bodyPr>
+          <a:lstStyle/>
           <a:p>
             <a:r>
               <a:rPr lang="en-US" altLang="zh-CN"/>
@@ -2941,126 +3648,9 @@
         <p:spPr/>
         <p:txBody>
           <a:bodyPr>
-            <a:normAutofit fontScale="70000"/>
+            <a:normAutofit fontScale="92500" lnSpcReduction="10000"/>
           </a:bodyPr>
-          <a:p>
-            <a:r>
-              <a:rPr lang="en-US" altLang="zh-CN"/>
-              <a:t>Marker</a:t>
-            </a:r>
-            <a:endParaRPr lang="en-US" altLang="zh-CN"/>
-          </a:p>
-        </p:txBody>
-      </p:sp>
-      <p:sp>
-        <p:nvSpPr>
-          <p:cNvPr id="2" name="页脚占位符 1"/>
-          <p:cNvSpPr>
-            <a:spLocks noGrp="1"/>
-          </p:cNvSpPr>
-          <p:nvPr>
-            <p:ph type="ftr" sz="quarter" idx="12"/>
-          </p:nvPr>
-        </p:nvSpPr>
-        <p:spPr/>
-        <p:txBody>
-          <a:bodyPr/>
-          <a:p>
-            <a:r>
-              <a:rPr lang="en-US" altLang="zh-CN" smtClean="0"/>
-              <a:t>@AndOrLab</a:t>
-            </a:r>
-            <a:endParaRPr lang="zh-CN" altLang="en-US"/>
-          </a:p>
-        </p:txBody>
-      </p:sp>
-      <p:pic>
-        <p:nvPicPr>
-          <p:cNvPr id="6" name="内容占位符 5"/>
-          <p:cNvPicPr>
-            <a:picLocks noChangeAspect="1"/>
-          </p:cNvPicPr>
-          <p:nvPr>
-            <p:ph sz="quarter" idx="10"/>
-          </p:nvPr>
-        </p:nvPicPr>
-        <p:blipFill>
-          <a:blip r:embed="rId1"/>
-          <a:stretch>
-            <a:fillRect/>
-          </a:stretch>
-        </p:blipFill>
-        <p:spPr>
-          <a:xfrm>
-            <a:off x="417830" y="1610995"/>
-            <a:ext cx="8327390" cy="4229735"/>
-          </a:xfrm>
-          <a:prstGeom prst="rect">
-            <a:avLst/>
-          </a:prstGeom>
-        </p:spPr>
-      </p:pic>
-    </p:spTree>
-  </p:cSld>
-  <p:clrMapOvr>
-    <a:masterClrMapping/>
-  </p:clrMapOvr>
-</p:sld>
-</file>
-
-<file path=ppt/slides/slide17.xml><?xml version="1.0" encoding="utf-8"?>
-<p:sld xmlns:a="http://schemas.openxmlformats.org/drawingml/2006/main" xmlns:r="http://schemas.openxmlformats.org/officeDocument/2006/relationships" xmlns:p="http://schemas.openxmlformats.org/presentationml/2006/main">
-  <p:cSld>
-    <p:spTree>
-      <p:nvGrpSpPr>
-        <p:cNvPr id="1" name=""/>
-        <p:cNvGrpSpPr/>
-        <p:nvPr/>
-      </p:nvGrpSpPr>
-      <p:grpSpPr/>
-      <p:sp>
-        <p:nvSpPr>
-          <p:cNvPr id="3" name="标题 2"/>
-          <p:cNvSpPr>
-            <a:spLocks noGrp="1"/>
-          </p:cNvSpPr>
-          <p:nvPr>
-            <p:ph type="title"/>
-          </p:nvPr>
-        </p:nvSpPr>
-        <p:spPr/>
-        <p:txBody>
-          <a:bodyPr>
-            <a:normAutofit fontScale="90000"/>
-          </a:bodyPr>
-          <a:p>
-            <a:r>
-              <a:rPr lang="en-US" altLang="zh-CN"/>
-              <a:t>maptalks</a:t>
-            </a:r>
-            <a:r>
-              <a:rPr lang="zh-CN" altLang="en-US"/>
-              <a:t>使用</a:t>
-            </a:r>
-            <a:endParaRPr lang="zh-CN" altLang="en-US"/>
-          </a:p>
-        </p:txBody>
-      </p:sp>
-      <p:sp>
-        <p:nvSpPr>
-          <p:cNvPr id="4" name="文本占位符 3"/>
-          <p:cNvSpPr>
-            <a:spLocks noGrp="1"/>
-          </p:cNvSpPr>
-          <p:nvPr>
-            <p:ph type="body" sz="quarter" idx="11"/>
-          </p:nvPr>
-        </p:nvSpPr>
-        <p:spPr/>
-        <p:txBody>
-          <a:bodyPr>
-            <a:normAutofit fontScale="70000"/>
-          </a:bodyPr>
+          <a:lstStyle/>
           <a:p>
             <a:r>
               <a:rPr lang="en-US" altLang="zh-CN"/>
@@ -3083,22 +3673,13 @@
         <p:spPr/>
         <p:txBody>
           <a:bodyPr/>
-          <a:p>
-            <a:r>
-              <a:rPr lang="zh-CN" altLang="en-US"/>
-              <a:t>https://github.com/maptalks/maptalks.js/blob/master/src/geometry/ext/Geometry.InfoWindow.js#L16</a:t>
-            </a:r>
-            <a:endParaRPr lang="zh-CN" altLang="en-US"/>
-          </a:p>
-          <a:p>
-            <a:r>
-              <a:rPr lang="zh-CN" altLang="en-US"/>
-              <a:t>http://maptalks.org/maptalks.js/api/0.x/ui.InfoWindow.html#options</a:t>
-            </a:r>
-            <a:endParaRPr lang="zh-CN" altLang="en-US"/>
-          </a:p>
-          <a:p>
-            <a:endParaRPr lang="zh-CN" altLang="en-US"/>
+          <a:lstStyle/>
+          <a:p>
+            <a:r>
+              <a:rPr lang="zh-CN" altLang="en-US" dirty="0"/>
+              <a:t>一个展示地图上几何基本信息的窗口，所有几何都具备。</a:t>
+            </a:r>
+            <a:endParaRPr lang="zh-CN" altLang="en-US" dirty="0"/>
           </a:p>
         </p:txBody>
       </p:sp>
@@ -3115,6 +3696,7 @@
         <p:spPr/>
         <p:txBody>
           <a:bodyPr/>
+          <a:lstStyle/>
           <a:p>
             <a:r>
               <a:rPr lang="en-US" altLang="zh-CN" smtClean="0"/>
@@ -3140,23 +3722,90 @@
         </p:blipFill>
         <p:spPr>
           <a:xfrm>
-            <a:off x="595630" y="2771775"/>
-            <a:ext cx="9380220" cy="1808480"/>
+            <a:off x="561833" y="2771775"/>
+            <a:ext cx="11136682" cy="2147121"/>
           </a:xfrm>
           <a:prstGeom prst="rect">
             <a:avLst/>
           </a:prstGeom>
         </p:spPr>
       </p:pic>
+      <p:sp>
+        <p:nvSpPr>
+          <p:cNvPr id="6" name="文本框 5"/>
+          <p:cNvSpPr txBox="1"/>
+          <p:nvPr/>
+        </p:nvSpPr>
+        <p:spPr>
+          <a:xfrm>
+            <a:off x="1068224" y="5626242"/>
+            <a:ext cx="10311413" cy="923330"/>
+          </a:xfrm>
+          <a:prstGeom prst="rect">
+            <a:avLst/>
+          </a:prstGeom>
+          <a:noFill/>
+        </p:spPr>
+        <p:txBody>
+          <a:bodyPr wrap="none" rtlCol="0">
+            <a:spAutoFit/>
+          </a:bodyPr>
+          <a:lstStyle/>
+          <a:p>
+            <a:r>
+              <a:rPr lang="zh-CN" altLang="en-US" dirty="0">
+                <a:solidFill>
+                  <a:srgbClr val="FF0000"/>
+                </a:solidFill>
+              </a:rPr>
+              <a:t>https://github.com/maptalks/maptalks.js/blob/master/src/geometry/ext/Geometry.InfoWindow.js#L16</a:t>
+            </a:r>
+            <a:endParaRPr lang="zh-CN" altLang="en-US" dirty="0">
+              <a:solidFill>
+                <a:srgbClr val="FF0000"/>
+              </a:solidFill>
+            </a:endParaRPr>
+          </a:p>
+          <a:p>
+            <a:r>
+              <a:rPr lang="zh-CN" altLang="en-US" dirty="0">
+                <a:solidFill>
+                  <a:srgbClr val="FF0000"/>
+                </a:solidFill>
+              </a:rPr>
+              <a:t>http://maptalks.org/maptalks.js/api/0.x/ui.InfoWindow.html#options</a:t>
+            </a:r>
+            <a:endParaRPr lang="zh-CN" altLang="en-US" dirty="0">
+              <a:solidFill>
+                <a:srgbClr val="FF0000"/>
+              </a:solidFill>
+            </a:endParaRPr>
+          </a:p>
+          <a:p>
+            <a:endParaRPr lang="zh-CN" altLang="en-US" dirty="0">
+              <a:solidFill>
+                <a:srgbClr val="FF0000"/>
+              </a:solidFill>
+            </a:endParaRPr>
+          </a:p>
+        </p:txBody>
+      </p:sp>
     </p:spTree>
   </p:cSld>
   <p:clrMapOvr>
     <a:masterClrMapping/>
   </p:clrMapOvr>
+  <p:timing>
+    <p:tnLst>
+      <p:par>
+        <p:cTn id="1" dur="indefinite" restart="never" nodeType="tmRoot"/>
+      </p:par>
+    </p:tnLst>
+  </p:timing>
 </p:sld>
 </file>
 
-<file path=ppt/slides/slide18.xml><?xml version="1.0" encoding="utf-8"?>
+<file path=ppt/slides/slide17.xml><?xml version="1.0" encoding="utf-8"?>
 <p:sld xmlns:a="http://schemas.openxmlformats.org/drawingml/2006/main" xmlns:r="http://schemas.openxmlformats.org/officeDocument/2006/relationships" xmlns:p="http://schemas.openxmlformats.org/presentationml/2006/main">
   <p:cSld>
     <p:spTree>
@@ -3165,7 +3814,14 @@
         <p:cNvGrpSpPr/>
         <p:nvPr/>
       </p:nvGrpSpPr>
-      <p:grpSpPr/>
+      <p:grpSpPr>
+        <a:xfrm>
+          <a:off x="0" y="0"/>
+          <a:ext cx="0" cy="0"/>
+          <a:chOff x="0" y="0"/>
+          <a:chExt cx="0" cy="0"/>
+        </a:xfrm>
+      </p:grpSpPr>
       <p:sp>
         <p:nvSpPr>
           <p:cNvPr id="3" name="标题 2"/>
@@ -3181,6 +3837,7 @@
           <a:bodyPr>
             <a:normAutofit fontScale="90000"/>
           </a:bodyPr>
+          <a:lstStyle/>
           <a:p>
             <a:r>
               <a:rPr lang="en-US" altLang="zh-CN"/>
@@ -3207,12 +3864,13 @@
         <p:spPr/>
         <p:txBody>
           <a:bodyPr>
-            <a:normAutofit fontScale="70000"/>
+            <a:normAutofit fontScale="72500"/>
           </a:bodyPr>
+          <a:lstStyle/>
           <a:p>
             <a:r>
               <a:rPr lang="zh-CN" altLang="en-US"/>
-              <a:t>符号化</a:t>
+              <a:t>符号化实例演示说明</a:t>
             </a:r>
             <a:endParaRPr lang="zh-CN" altLang="en-US"/>
           </a:p>
@@ -3231,16 +3889,33 @@
         <p:spPr/>
         <p:txBody>
           <a:bodyPr/>
-          <a:p>
-            <a:r>
-              <a:rPr lang="en-US" altLang="zh-CN"/>
-              <a:t>GIS</a:t>
-            </a:r>
-            <a:r>
-              <a:t>开发中最常用的功能之一，可以将一个个点结合坐标信息展示在地图上</a:t>
-            </a:r>
-          </a:p>
-          <a:p/>
+          <a:lstStyle/>
+          <a:p>
+            <a:r>
+              <a:rPr lang="zh-CN" altLang="en-US" dirty="0"/>
+              <a:t>将</a:t>
+            </a:r>
+            <a:r>
+              <a:rPr lang="zh-CN" altLang="en-US" dirty="0" smtClean="0"/>
+              <a:t>具有地理坐标的</a:t>
+            </a:r>
+            <a:r>
+              <a:rPr dirty="0" smtClean="0"/>
+              <a:t>点</a:t>
+            </a:r>
+            <a:r>
+              <a:rPr lang="zh-CN" altLang="en-US" dirty="0" smtClean="0"/>
+              <a:t>结合特定的符号</a:t>
+            </a:r>
+            <a:r>
+              <a:rPr dirty="0" smtClean="0"/>
+              <a:t>展示在地图上</a:t>
+            </a:r>
+            <a:endParaRPr dirty="0"/>
+          </a:p>
+          <a:p>
+            <a:endParaRPr dirty="0"/>
+          </a:p>
         </p:txBody>
       </p:sp>
       <p:sp>
@@ -3256,6 +3931,7 @@
         <p:spPr/>
         <p:txBody>
           <a:bodyPr/>
+          <a:lstStyle/>
           <a:p>
             <a:r>
               <a:rPr lang="en-US" altLang="zh-CN" smtClean="0"/>
@@ -3281,8 +3957,8 @@
         </p:blipFill>
         <p:spPr>
           <a:xfrm>
-            <a:off x="587375" y="2049145"/>
-            <a:ext cx="7888605" cy="3606165"/>
+            <a:off x="1129751" y="1878229"/>
+            <a:ext cx="9932498" cy="4540502"/>
           </a:xfrm>
           <a:prstGeom prst="rect">
             <a:avLst/>
@@ -3294,10 +3970,17 @@
   <p:clrMapOvr>
     <a:masterClrMapping/>
   </p:clrMapOvr>
+  <p:timing>
+    <p:tnLst>
+      <p:par>
+        <p:cTn id="1" dur="indefinite" restart="never" nodeType="tmRoot"/>
+      </p:par>
+    </p:tnLst>
+  </p:timing>
 </p:sld>
 </file>
 
-<file path=ppt/slides/slide19.xml><?xml version="1.0" encoding="utf-8"?>
+<file path=ppt/slides/slide18.xml><?xml version="1.0" encoding="utf-8"?>
 <p:sld xmlns:a="http://schemas.openxmlformats.org/drawingml/2006/main" xmlns:r="http://schemas.openxmlformats.org/officeDocument/2006/relationships" xmlns:p="http://schemas.openxmlformats.org/presentationml/2006/main">
   <p:cSld>
     <p:spTree>
@@ -3306,7 +3989,14 @@
         <p:cNvGrpSpPr/>
         <p:nvPr/>
       </p:nvGrpSpPr>
-      <p:grpSpPr/>
+      <p:grpSpPr>
+        <a:xfrm>
+          <a:off x="0" y="0"/>
+          <a:ext cx="0" cy="0"/>
+          <a:chOff x="0" y="0"/>
+          <a:chExt cx="0" cy="0"/>
+        </a:xfrm>
+      </p:grpSpPr>
       <p:sp>
         <p:nvSpPr>
           <p:cNvPr id="3" name="标题 2"/>
@@ -3322,6 +4012,7 @@
           <a:bodyPr>
             <a:normAutofit fontScale="90000"/>
           </a:bodyPr>
+          <a:lstStyle/>
           <a:p>
             <a:r>
               <a:rPr lang="en-US" altLang="zh-CN">
@@ -3355,12 +4046,13 @@
         <p:spPr/>
         <p:txBody>
           <a:bodyPr>
-            <a:normAutofit fontScale="70000"/>
+            <a:normAutofit fontScale="72500"/>
           </a:bodyPr>
+          <a:lstStyle/>
           <a:p>
             <a:r>
               <a:rPr lang="zh-CN" altLang="en-US"/>
-              <a:t>符号化</a:t>
+              <a:t>符号化实例演示说明</a:t>
             </a:r>
             <a:endParaRPr lang="zh-CN" altLang="en-US"/>
           </a:p>
@@ -3379,6 +4071,7 @@
         <p:spPr/>
         <p:txBody>
           <a:bodyPr/>
+          <a:lstStyle/>
           <a:p>
             <a:r>
               <a:t>效果截图</a:t>
@@ -3399,6 +4092,7 @@
         <p:spPr/>
         <p:txBody>
           <a:bodyPr/>
+          <a:lstStyle/>
           <a:p>
             <a:r>
               <a:rPr lang="en-US" altLang="zh-CN" smtClean="0"/>
@@ -3424,8 +4118,8 @@
         </p:blipFill>
         <p:spPr>
           <a:xfrm>
-            <a:off x="711835" y="2410460"/>
-            <a:ext cx="5504815" cy="2904490"/>
+            <a:off x="1819186" y="1987187"/>
+            <a:ext cx="8524600" cy="4497811"/>
           </a:xfrm>
           <a:prstGeom prst="rect">
             <a:avLst/>
@@ -3437,6 +4131,206 @@
   <p:clrMapOvr>
     <a:masterClrMapping/>
   </p:clrMapOvr>
+  <p:timing>
+    <p:tnLst>
+      <p:par>
+        <p:cTn id="1" dur="indefinite" restart="never" nodeType="tmRoot"/>
+      </p:par>
+    </p:tnLst>
+  </p:timing>
+</p:sld>
+</file>
+
+<file path=ppt/slides/slide19.xml><?xml version="1.0" encoding="utf-8"?>
+<p:sld xmlns:a="http://schemas.openxmlformats.org/drawingml/2006/main" xmlns:r="http://schemas.openxmlformats.org/officeDocument/2006/relationships" xmlns:p="http://schemas.openxmlformats.org/presentationml/2006/main">
+  <p:cSld>
+    <p:spTree>
+      <p:nvGrpSpPr>
+        <p:cNvPr id="1" name=""/>
+        <p:cNvGrpSpPr/>
+        <p:nvPr/>
+      </p:nvGrpSpPr>
+      <p:grpSpPr>
+        <a:xfrm>
+          <a:off x="0" y="0"/>
+          <a:ext cx="0" cy="0"/>
+          <a:chOff x="0" y="0"/>
+          <a:chExt cx="0" cy="0"/>
+        </a:xfrm>
+      </p:grpSpPr>
+      <p:sp>
+        <p:nvSpPr>
+          <p:cNvPr id="3" name="标题 2"/>
+          <p:cNvSpPr>
+            <a:spLocks noGrp="1"/>
+          </p:cNvSpPr>
+          <p:nvPr>
+            <p:ph type="title"/>
+          </p:nvPr>
+        </p:nvSpPr>
+        <p:spPr/>
+        <p:txBody>
+          <a:bodyPr>
+            <a:normAutofit fontScale="90000"/>
+          </a:bodyPr>
+          <a:lstStyle/>
+          <a:p>
+            <a:r>
+              <a:rPr lang="en-US" altLang="zh-CN"/>
+              <a:t>maptalks</a:t>
+            </a:r>
+            <a:r>
+              <a:rPr lang="zh-CN" altLang="en-US"/>
+              <a:t>基础操作</a:t>
+            </a:r>
+            <a:endParaRPr lang="zh-CN" altLang="en-US"/>
+          </a:p>
+        </p:txBody>
+      </p:sp>
+      <p:sp>
+        <p:nvSpPr>
+          <p:cNvPr id="4" name="文本占位符 3"/>
+          <p:cNvSpPr>
+            <a:spLocks noGrp="1"/>
+          </p:cNvSpPr>
+          <p:nvPr>
+            <p:ph type="body" sz="quarter" idx="11"/>
+          </p:nvPr>
+        </p:nvSpPr>
+        <p:spPr/>
+        <p:txBody>
+          <a:bodyPr>
+            <a:normAutofit fontScale="72500"/>
+          </a:bodyPr>
+          <a:lstStyle/>
+          <a:p>
+            <a:r>
+              <a:rPr lang="zh-CN" altLang="en-US"/>
+              <a:t>附加内容：</a:t>
+            </a:r>
+            <a:r>
+              <a:rPr lang="en-US" altLang="zh-CN"/>
+              <a:t>view</a:t>
+            </a:r>
+            <a:r>
+              <a:rPr lang="zh-CN" altLang="en-US"/>
+              <a:t>参数说明</a:t>
+            </a:r>
+            <a:endParaRPr lang="zh-CN" altLang="en-US"/>
+          </a:p>
+        </p:txBody>
+      </p:sp>
+      <p:sp>
+        <p:nvSpPr>
+          <p:cNvPr id="5" name="内容占位符 4"/>
+          <p:cNvSpPr>
+            <a:spLocks noGrp="1"/>
+          </p:cNvSpPr>
+          <p:nvPr>
+            <p:ph sz="quarter" idx="10"/>
+          </p:nvPr>
+        </p:nvSpPr>
+        <p:spPr/>
+        <p:txBody>
+          <a:bodyPr/>
+          <a:lstStyle/>
+          <a:p>
+            <a:pPr marL="0" indent="0">
+              <a:buNone/>
+            </a:pPr>
+            <a:r>
+              <a:rPr lang="en-US" altLang="zh-CN"/>
+              <a:t>{</a:t>
+            </a:r>
+            <a:endParaRPr lang="en-US" altLang="zh-CN"/>
+          </a:p>
+          <a:p>
+            <a:pPr marL="0" indent="0">
+              <a:buNone/>
+            </a:pPr>
+            <a:r>
+              <a:rPr lang="en-US" altLang="zh-CN"/>
+              <a:t>	zoom: </a:t>
+            </a:r>
+            <a:endParaRPr lang="en-US" altLang="zh-CN"/>
+          </a:p>
+          <a:p>
+            <a:pPr marL="0" indent="0">
+              <a:buNone/>
+            </a:pPr>
+            <a:r>
+              <a:rPr lang="en-US" altLang="zh-CN"/>
+              <a:t>	pitch:</a:t>
+            </a:r>
+            <a:endParaRPr lang="en-US" altLang="zh-CN"/>
+          </a:p>
+          <a:p>
+            <a:pPr marL="0" indent="0">
+              <a:buNone/>
+            </a:pPr>
+            <a:r>
+              <a:rPr lang="en-US" altLang="zh-CN"/>
+              <a:t>	bearing:</a:t>
+            </a:r>
+            <a:endParaRPr lang="en-US" altLang="zh-CN"/>
+          </a:p>
+          <a:p>
+            <a:pPr marL="0" indent="0">
+              <a:buNone/>
+            </a:pPr>
+            <a:r>
+              <a:rPr lang="en-US" altLang="zh-CN"/>
+              <a:t>	center:</a:t>
+            </a:r>
+            <a:endParaRPr lang="en-US" altLang="zh-CN"/>
+          </a:p>
+          <a:p>
+            <a:pPr marL="0" indent="0">
+              <a:buNone/>
+            </a:pPr>
+            <a:r>
+              <a:rPr lang="en-US" altLang="zh-CN"/>
+              <a:t>}</a:t>
+            </a:r>
+            <a:endParaRPr lang="en-US" altLang="zh-CN"/>
+          </a:p>
+        </p:txBody>
+      </p:sp>
+      <p:sp>
+        <p:nvSpPr>
+          <p:cNvPr id="2" name="页脚占位符 1"/>
+          <p:cNvSpPr>
+            <a:spLocks noGrp="1"/>
+          </p:cNvSpPr>
+          <p:nvPr>
+            <p:ph type="ftr" sz="quarter" idx="12"/>
+          </p:nvPr>
+        </p:nvSpPr>
+        <p:spPr/>
+        <p:txBody>
+          <a:bodyPr/>
+          <a:lstStyle/>
+          <a:p>
+            <a:r>
+              <a:rPr lang="en-US" altLang="zh-CN" smtClean="0"/>
+              <a:t>@AndOrLab</a:t>
+            </a:r>
+            <a:endParaRPr lang="zh-CN" altLang="en-US"/>
+          </a:p>
+        </p:txBody>
+      </p:sp>
+    </p:spTree>
+  </p:cSld>
+  <p:clrMapOvr>
+    <a:masterClrMapping/>
+  </p:clrMapOvr>
+  <p:timing>
+    <p:tnLst>
+      <p:par>
+        <p:cTn id="1" dur="indefinite" restart="never" nodeType="tmRoot"/>
+      </p:par>
+    </p:tnLst>
+  </p:timing>
 </p:sld>
 </file>
 
@@ -3449,7 +4343,14 @@
         <p:cNvGrpSpPr/>
         <p:nvPr/>
       </p:nvGrpSpPr>
-      <p:grpSpPr/>
+      <p:grpSpPr>
+        <a:xfrm>
+          <a:off x="0" y="0"/>
+          <a:ext cx="0" cy="0"/>
+          <a:chOff x="0" y="0"/>
+          <a:chExt cx="0" cy="0"/>
+        </a:xfrm>
+      </p:grpSpPr>
       <p:sp>
         <p:nvSpPr>
           <p:cNvPr id="3" name="内容占位符 2"/>
@@ -3463,134 +4364,181 @@
         <p:spPr/>
         <p:txBody>
           <a:bodyPr/>
-          <a:p>
-            <a:r>
-              <a:rPr lang="en-US" altLang="zh-CN"/>
+          <a:lstStyle/>
+          <a:p>
+            <a:r>
+              <a:rPr lang="en-US" altLang="zh-CN" dirty="0" err="1"/>
               <a:t>maptalks</a:t>
             </a:r>
             <a:r>
+              <a:rPr dirty="0"/>
               <a:t>介绍</a:t>
             </a:r>
-          </a:p>
-          <a:p>
-            <a:r>
-              <a:rPr lang="en-US" altLang="zh-CN">
+            <a:endParaRPr dirty="0"/>
+          </a:p>
+          <a:p>
+            <a:r>
+              <a:rPr lang="en-US" altLang="zh-CN" dirty="0" err="1">
                 <a:sym typeface="+mn-ea"/>
               </a:rPr>
               <a:t>maptaks</a:t>
             </a:r>
             <a:r>
-              <a:rPr>
+              <a:rPr dirty="0" smtClean="0">
                 <a:sym typeface="+mn-ea"/>
               </a:rPr>
               <a:t>与基于</a:t>
             </a:r>
             <a:r>
-              <a:rPr lang="en-US" altLang="zh-CN">
+              <a:rPr lang="en-US" dirty="0" smtClean="0">
                 <a:sym typeface="+mn-ea"/>
               </a:rPr>
-              <a:t>ts</a:t>
-            </a:r>
-            <a:r>
-              <a:rPr>
+              <a:t>TS</a:t>
+            </a:r>
+            <a:r>
+              <a:rPr dirty="0" smtClean="0">
                 <a:sym typeface="+mn-ea"/>
               </a:rPr>
               <a:t>的</a:t>
             </a:r>
             <a:r>
-              <a:rPr lang="en-US" altLang="zh-CN">
+              <a:rPr lang="en-US" dirty="0">
                 <a:sym typeface="+mn-ea"/>
               </a:rPr>
-              <a:t>react</a:t>
-            </a:r>
-            <a:r>
-              <a:rPr>
+              <a:t>R</a:t>
+            </a:r>
+            <a:r>
+              <a:rPr lang="en-US" altLang="zh-CN" dirty="0" smtClean="0">
+                <a:sym typeface="+mn-ea"/>
+              </a:rPr>
+              <a:t>eact</a:t>
+            </a:r>
+            <a:r>
+              <a:rPr dirty="0">
                 <a:sym typeface="+mn-ea"/>
               </a:rPr>
               <a:t>项目集成</a:t>
             </a:r>
-            <a:endParaRPr>
+            <a:endParaRPr dirty="0">
               <a:sym typeface="+mn-ea"/>
             </a:endParaRPr>
           </a:p>
           <a:p>
             <a:r>
-              <a:rPr lang="en-US" altLang="zh-CN"/>
+              <a:rPr lang="en-US" altLang="zh-CN" dirty="0" err="1"/>
               <a:t>maptalks</a:t>
             </a:r>
             <a:r>
+              <a:rPr dirty="0" smtClean="0"/>
               <a:t>使用</a:t>
             </a:r>
+            <a:endParaRPr lang="en-US" dirty="0" smtClean="0"/>
           </a:p>
           <a:p>
             <a:pPr lvl="1"/>
             <a:r>
-              <a:rPr lang="en-US" altLang="zh-CN"/>
+              <a:rPr lang="en-US" altLang="zh-CN" dirty="0"/>
               <a:t>map</a:t>
             </a:r>
             <a:r>
+              <a:rPr lang="zh-CN" altLang="en-US" dirty="0"/>
               <a:t>对象介绍和创建</a:t>
             </a:r>
+            <a:endParaRPr lang="zh-CN" altLang="en-US" dirty="0"/>
           </a:p>
           <a:p>
             <a:pPr lvl="1"/>
             <a:r>
-              <a:rPr lang="en-US" altLang="zh-CN"/>
+              <a:rPr lang="en-US" altLang="zh-CN" dirty="0"/>
               <a:t>GIS</a:t>
             </a:r>
             <a:r>
+              <a:rPr lang="zh-CN" altLang="en-US" dirty="0"/>
               <a:t>基础功能为例的属性和方法演示</a:t>
             </a:r>
+            <a:endParaRPr lang="zh-CN" altLang="en-US" dirty="0"/>
           </a:p>
           <a:p>
             <a:pPr lvl="1"/>
             <a:r>
-              <a:rPr lang="en-US" altLang="zh-CN"/>
+              <a:rPr lang="en-US" altLang="zh-CN" dirty="0" err="1"/>
               <a:t>TileLayer</a:t>
             </a:r>
             <a:r>
+              <a:rPr lang="zh-CN" altLang="en-US" dirty="0"/>
               <a:t>介绍和使用</a:t>
             </a:r>
+            <a:endParaRPr lang="zh-CN" altLang="en-US" dirty="0"/>
           </a:p>
           <a:p>
             <a:pPr lvl="1"/>
             <a:r>
-              <a:rPr lang="en-US" altLang="zh-CN"/>
+              <a:rPr lang="en-US" altLang="zh-CN" dirty="0" err="1"/>
               <a:t>TileSystem</a:t>
             </a:r>
             <a:r>
+              <a:rPr lang="zh-CN" altLang="en-US" dirty="0"/>
               <a:t>介绍</a:t>
             </a:r>
+            <a:endParaRPr lang="zh-CN" altLang="en-US" dirty="0"/>
           </a:p>
           <a:p>
             <a:pPr lvl="1"/>
             <a:r>
-              <a:rPr lang="en-US" altLang="zh-CN"/>
+              <a:rPr lang="en-US" altLang="zh-CN" dirty="0" err="1"/>
               <a:t>VectorLayer</a:t>
             </a:r>
-            <a:endParaRPr lang="en-US" altLang="zh-CN"/>
+            <a:endParaRPr lang="en-US" altLang="zh-CN" dirty="0"/>
           </a:p>
           <a:p>
             <a:pPr lvl="1"/>
             <a:r>
-              <a:rPr lang="en-US" altLang="zh-CN"/>
+              <a:rPr lang="en-US" altLang="zh-CN" dirty="0"/>
               <a:t>Marker</a:t>
             </a:r>
-            <a:endParaRPr lang="en-US" altLang="zh-CN"/>
+            <a:endParaRPr lang="en-US" altLang="zh-CN" dirty="0"/>
           </a:p>
           <a:p>
             <a:pPr lvl="1"/>
             <a:r>
-              <a:rPr lang="en-US" altLang="zh-CN"/>
+              <a:rPr lang="en-US" altLang="zh-CN" dirty="0" err="1"/>
               <a:t>infoWindow</a:t>
             </a:r>
-            <a:endParaRPr lang="en-US" altLang="zh-CN"/>
+            <a:endParaRPr lang="en-US" altLang="zh-CN" dirty="0"/>
           </a:p>
           <a:p>
             <a:pPr lvl="1"/>
             <a:r>
-              <a:t>符号化实例演示说明</a:t>
-            </a:r>
+              <a:rPr lang="zh-CN" altLang="en-US" dirty="0"/>
+              <a:t>符号化实例演示</a:t>
+            </a:r>
+            <a:r>
+              <a:rPr lang="zh-CN" altLang="en-US" dirty="0" smtClean="0"/>
+              <a:t>说明</a:t>
+            </a:r>
+            <a:endParaRPr lang="en-US" dirty="0"/>
+          </a:p>
+          <a:p>
+            <a:r>
+              <a:rPr lang="en-US" altLang="zh-CN" dirty="0" err="1"/>
+              <a:t>m</a:t>
+            </a:r>
+            <a:r>
+              <a:rPr lang="en-US" altLang="zh-CN" dirty="0" err="1" smtClean="0"/>
+              <a:t>aptalks</a:t>
+            </a:r>
+            <a:r>
+              <a:rPr lang="zh-CN" altLang="en-US" dirty="0" smtClean="0"/>
+              <a:t>的使用优缺点</a:t>
+            </a:r>
+            <a:endParaRPr lang="en-US" altLang="zh-CN" dirty="0" smtClean="0"/>
+          </a:p>
+          <a:p>
+            <a:r>
+              <a:rPr lang="zh-CN" altLang="en-US" dirty="0"/>
+              <a:t>总结</a:t>
+            </a:r>
+            <a:endParaRPr dirty="0"/>
           </a:p>
         </p:txBody>
       </p:sp>
@@ -3609,6 +4557,7 @@
           <a:bodyPr>
             <a:normAutofit fontScale="90000"/>
           </a:bodyPr>
+          <a:lstStyle/>
           <a:p>
             <a:r>
               <a:rPr lang="zh-CN" altLang="en-US"/>
@@ -3631,6 +4580,7 @@
         <p:spPr/>
         <p:txBody>
           <a:bodyPr/>
+          <a:lstStyle/>
           <a:p>
             <a:r>
               <a:rPr lang="en-US" altLang="zh-CN" smtClean="0"/>
@@ -3645,6 +4595,13 @@
   <p:clrMapOvr>
     <a:masterClrMapping/>
   </p:clrMapOvr>
+  <p:timing>
+    <p:tnLst>
+      <p:par>
+        <p:cTn id="1" dur="indefinite" restart="never" nodeType="tmRoot"/>
+      </p:par>
+    </p:tnLst>
+  </p:timing>
 </p:sld>
 </file>
 
@@ -3657,7 +4614,14 @@
         <p:cNvGrpSpPr/>
         <p:nvPr/>
       </p:nvGrpSpPr>
-      <p:grpSpPr/>
+      <p:grpSpPr>
+        <a:xfrm>
+          <a:off x="0" y="0"/>
+          <a:ext cx="0" cy="0"/>
+          <a:chOff x="0" y="0"/>
+          <a:chExt cx="0" cy="0"/>
+        </a:xfrm>
+      </p:grpSpPr>
       <p:sp>
         <p:nvSpPr>
           <p:cNvPr id="3" name="标题 2"/>
@@ -3673,13 +4637,18 @@
           <a:bodyPr>
             <a:normAutofit fontScale="90000"/>
           </a:bodyPr>
-          <a:p>
-            <a:r>
-              <a:rPr lang="en-US" altLang="zh-CN"/>
+          <a:lstStyle/>
+          <a:p>
+            <a:r>
+              <a:rPr lang="en-US" altLang="zh-CN">
+                <a:sym typeface="+mn-ea"/>
+              </a:rPr>
               <a:t>maptalks</a:t>
             </a:r>
             <a:r>
-              <a:rPr lang="zh-CN" altLang="en-US"/>
+              <a:rPr lang="zh-CN" altLang="en-US">
+                <a:sym typeface="+mn-ea"/>
+              </a:rPr>
               <a:t>基础操作</a:t>
             </a:r>
             <a:endParaRPr lang="zh-CN" altLang="en-US"/>
@@ -3699,16 +4668,21 @@
         <p:spPr/>
         <p:txBody>
           <a:bodyPr>
-            <a:normAutofit fontScale="70000"/>
+            <a:normAutofit fontScale="92500" lnSpcReduction="10000"/>
           </a:bodyPr>
-          <a:p>
-            <a:r>
-              <a:rPr lang="en-US" altLang="zh-CN"/>
-              <a:t>view</a:t>
-            </a:r>
-            <a:r>
-              <a:rPr lang="zh-CN" altLang="en-US"/>
-              <a:t>参数说明</a:t>
+          <a:lstStyle/>
+          <a:p>
+            <a:r>
+              <a:rPr lang="en-US" altLang="zh-CN">
+                <a:sym typeface="+mn-ea"/>
+              </a:rPr>
+              <a:t>demo</a:t>
+            </a:r>
+            <a:r>
+              <a:rPr lang="zh-CN" altLang="en-US">
+                <a:sym typeface="+mn-ea"/>
+              </a:rPr>
+              <a:t>地址</a:t>
             </a:r>
             <a:endParaRPr lang="zh-CN" altLang="en-US"/>
           </a:p>
@@ -3727,65 +4701,21 @@
         <p:spPr/>
         <p:txBody>
           <a:bodyPr/>
+          <a:lstStyle/>
+          <a:p>
+            <a:r>
+              <a:rPr dirty="0">
+                <a:sym typeface="+mn-ea"/>
+              </a:rPr>
+              <a:t>https://github.com/dxiuxiu/react-ts-maptalks.git</a:t>
+            </a:r>
+            <a:endParaRPr lang="en-US" altLang="zh-CN" dirty="0"/>
+          </a:p>
           <a:p>
             <a:pPr marL="0" indent="0">
               <a:buNone/>
             </a:pPr>
-            <a:r>
-              <a:rPr lang="en-US" altLang="zh-CN"/>
-              <a:t>{</a:t>
-            </a:r>
-            <a:endParaRPr lang="en-US" altLang="zh-CN"/>
-          </a:p>
-          <a:p>
-            <a:pPr marL="0" indent="0">
-              <a:buNone/>
-            </a:pPr>
-            <a:r>
-              <a:rPr lang="en-US" altLang="zh-CN"/>
-              <a:t>	zoom: </a:t>
-            </a:r>
-            <a:endParaRPr lang="en-US" altLang="zh-CN"/>
-          </a:p>
-          <a:p>
-            <a:pPr marL="0" indent="0">
-              <a:buNone/>
-            </a:pPr>
-            <a:r>
-              <a:rPr lang="en-US" altLang="zh-CN"/>
-              <a:t>	pitch:</a:t>
-            </a:r>
-            <a:endParaRPr lang="en-US" altLang="zh-CN"/>
-          </a:p>
-          <a:p>
-            <a:pPr marL="0" indent="0">
-              <a:buNone/>
-            </a:pPr>
-            <a:r>
-              <a:rPr lang="en-US" altLang="zh-CN"/>
-              <a:t>	bearing:</a:t>
-            </a:r>
-            <a:endParaRPr lang="en-US" altLang="zh-CN"/>
-          </a:p>
-          <a:p>
-            <a:pPr marL="0" indent="0">
-              <a:buNone/>
-            </a:pPr>
-            <a:r>
-              <a:rPr lang="en-US" altLang="zh-CN"/>
-              <a:t>	center:</a:t>
-            </a:r>
-            <a:endParaRPr lang="en-US" altLang="zh-CN"/>
-          </a:p>
-          <a:p>
-            <a:pPr marL="0" indent="0">
-              <a:buNone/>
-            </a:pPr>
-            <a:r>
-              <a:rPr lang="en-US" altLang="zh-CN"/>
-              <a:t>}</a:t>
-            </a:r>
-            <a:endParaRPr lang="en-US" altLang="zh-CN"/>
+            <a:endParaRPr lang="zh-CN" altLang="en-US" dirty="0"/>
           </a:p>
         </p:txBody>
       </p:sp>
@@ -3802,6 +4732,7 @@
         <p:spPr/>
         <p:txBody>
           <a:bodyPr/>
+          <a:lstStyle/>
           <a:p>
             <a:r>
               <a:rPr lang="en-US" altLang="zh-CN" smtClean="0"/>
@@ -3816,6 +4747,13 @@
   <p:clrMapOvr>
     <a:masterClrMapping/>
   </p:clrMapOvr>
+  <p:timing>
+    <p:tnLst>
+      <p:par>
+        <p:cTn id="1" dur="indefinite" restart="never" nodeType="tmRoot"/>
+      </p:par>
+    </p:tnLst>
+  </p:timing>
 </p:sld>
 </file>
 
@@ -3828,114 +4766,84 @@
         <p:cNvGrpSpPr/>
         <p:nvPr/>
       </p:nvGrpSpPr>
-      <p:grpSpPr/>
-      <p:sp>
-        <p:nvSpPr>
-          <p:cNvPr id="3" name="标题 2"/>
-          <p:cNvSpPr>
-            <a:spLocks noGrp="1"/>
-          </p:cNvSpPr>
-          <p:nvPr>
-            <p:ph type="title"/>
+      <p:grpSpPr>
+        <a:xfrm>
+          <a:off x="0" y="0"/>
+          <a:ext cx="0" cy="0"/>
+          <a:chOff x="0" y="0"/>
+          <a:chExt cx="0" cy="0"/>
+        </a:xfrm>
+      </p:grpSpPr>
+      <p:sp>
+        <p:nvSpPr>
+          <p:cNvPr id="6" name="标题 5"/>
+          <p:cNvSpPr>
+            <a:spLocks noGrp="1"/>
+          </p:cNvSpPr>
+          <p:nvPr>
+            <p:ph type="ctrTitle"/>
+          </p:nvPr>
+        </p:nvSpPr>
+        <p:spPr/>
+        <p:txBody>
+          <a:bodyPr/>
+          <a:lstStyle/>
+          <a:p>
+            <a:r>
+              <a:rPr lang="en-US" altLang="zh-CN" dirty="0" err="1"/>
+              <a:t>maptalks</a:t>
+            </a:r>
+            <a:r>
+              <a:rPr lang="zh-CN" altLang="en-US" dirty="0" smtClean="0"/>
+              <a:t>的</a:t>
+            </a:r>
+            <a:r>
+              <a:rPr lang="zh-CN" altLang="en-US" dirty="0"/>
+              <a:t>使用优缺点</a:t>
+            </a:r>
+            <a:endParaRPr lang="zh-CN" altLang="en-US" dirty="0"/>
+          </a:p>
+        </p:txBody>
+      </p:sp>
+      <p:sp>
+        <p:nvSpPr>
+          <p:cNvPr id="7" name="副标题 6"/>
+          <p:cNvSpPr>
+            <a:spLocks noGrp="1"/>
+          </p:cNvSpPr>
+          <p:nvPr>
+            <p:ph type="subTitle" idx="1"/>
           </p:nvPr>
         </p:nvSpPr>
         <p:spPr/>
         <p:txBody>
           <a:bodyPr>
-            <a:normAutofit fontScale="90000"/>
+            <a:normAutofit fontScale="80000"/>
           </a:bodyPr>
-          <a:p>
-            <a:r>
-              <a:rPr lang="en-US" altLang="zh-CN">
-                <a:sym typeface="+mn-ea"/>
-              </a:rPr>
-              <a:t>maptalks</a:t>
-            </a:r>
-            <a:r>
-              <a:rPr lang="zh-CN" altLang="en-US">
-                <a:sym typeface="+mn-ea"/>
-              </a:rPr>
-              <a:t>基础操作</a:t>
-            </a:r>
-            <a:endParaRPr lang="zh-CN" altLang="en-US"/>
-          </a:p>
-        </p:txBody>
-      </p:sp>
-      <p:sp>
-        <p:nvSpPr>
-          <p:cNvPr id="4" name="文本占位符 3"/>
-          <p:cNvSpPr>
-            <a:spLocks noGrp="1"/>
-          </p:cNvSpPr>
-          <p:nvPr>
-            <p:ph type="body" sz="quarter" idx="11"/>
-          </p:nvPr>
-        </p:nvSpPr>
-        <p:spPr/>
-        <p:txBody>
-          <a:bodyPr>
-            <a:normAutofit fontScale="70000"/>
-          </a:bodyPr>
-          <a:p>
-            <a:r>
-              <a:rPr lang="en-US" altLang="zh-CN">
-                <a:sym typeface="+mn-ea"/>
-              </a:rPr>
-              <a:t>demo</a:t>
-            </a:r>
-            <a:r>
-              <a:rPr lang="zh-CN" altLang="en-US">
-                <a:sym typeface="+mn-ea"/>
-              </a:rPr>
-              <a:t>地址</a:t>
-            </a:r>
-            <a:endParaRPr lang="zh-CN" altLang="en-US"/>
-          </a:p>
-        </p:txBody>
-      </p:sp>
-      <p:sp>
-        <p:nvSpPr>
-          <p:cNvPr id="5" name="内容占位符 4"/>
-          <p:cNvSpPr>
-            <a:spLocks noGrp="1"/>
-          </p:cNvSpPr>
-          <p:nvPr>
-            <p:ph sz="quarter" idx="10"/>
+          <a:lstStyle/>
+          <a:p>
+            <a:r>
+              <a:rPr lang="zh-CN" altLang="en-US"/>
+              <a:t>杜秀秀</a:t>
+            </a:r>
+            <a:endParaRPr lang="zh-CN" altLang="en-US"/>
+          </a:p>
+        </p:txBody>
+      </p:sp>
+      <p:sp>
+        <p:nvSpPr>
+          <p:cNvPr id="5" name="页脚占位符 4"/>
+          <p:cNvSpPr>
+            <a:spLocks noGrp="1"/>
+          </p:cNvSpPr>
+          <p:nvPr>
+            <p:ph type="ftr" sz="quarter" idx="10"/>
           </p:nvPr>
         </p:nvSpPr>
         <p:spPr/>
         <p:txBody>
           <a:bodyPr/>
-          <a:p>
-            <a:r>
-              <a:rPr>
-                <a:sym typeface="+mn-ea"/>
-              </a:rPr>
-              <a:t>https://github.com/dxiuxiu/react-ts-maptalks.git</a:t>
-            </a:r>
-            <a:endParaRPr lang="en-US" altLang="zh-CN"/>
-          </a:p>
-          <a:p>
-            <a:pPr marL="0" indent="0">
-              <a:buNone/>
-            </a:pPr>
-            <a:endParaRPr lang="zh-CN" altLang="en-US"/>
-          </a:p>
-        </p:txBody>
-      </p:sp>
-      <p:sp>
-        <p:nvSpPr>
-          <p:cNvPr id="2" name="页脚占位符 1"/>
-          <p:cNvSpPr>
-            <a:spLocks noGrp="1"/>
-          </p:cNvSpPr>
-          <p:nvPr>
-            <p:ph type="ftr" sz="quarter" idx="12"/>
-          </p:nvPr>
-        </p:nvSpPr>
-        <p:spPr/>
-        <p:txBody>
-          <a:bodyPr/>
+          <a:lstStyle/>
           <a:p>
             <a:r>
               <a:rPr lang="en-US" altLang="zh-CN" smtClean="0"/>
@@ -3950,6 +4858,13 @@
   <p:clrMapOvr>
     <a:masterClrMapping/>
   </p:clrMapOvr>
+  <p:timing>
+    <p:tnLst>
+      <p:par>
+        <p:cTn id="1" dur="indefinite" restart="never" nodeType="tmRoot"/>
+      </p:par>
+    </p:tnLst>
+  </p:timing>
 </p:sld>
 </file>
 
@@ -3965,6 +4880,363 @@
       <p:grpSpPr/>
       <p:sp>
         <p:nvSpPr>
+          <p:cNvPr id="3" name="内容占位符 2"/>
+          <p:cNvSpPr>
+            <a:spLocks noGrp="1"/>
+          </p:cNvSpPr>
+          <p:nvPr>
+            <p:ph sz="quarter" idx="10"/>
+          </p:nvPr>
+        </p:nvSpPr>
+        <p:spPr/>
+        <p:txBody>
+          <a:bodyPr/>
+          <a:p>
+            <a:r>
+              <a:rPr>
+                <a:sym typeface="+mn-ea"/>
+              </a:rPr>
+              <a:t>缺点</a:t>
+            </a:r>
+            <a:endParaRPr>
+              <a:sym typeface="+mn-ea"/>
+            </a:endParaRPr>
+          </a:p>
+          <a:p>
+            <a:pPr lvl="1"/>
+            <a:r>
+              <a:rPr dirty="0" smtClean="0"/>
+              <a:t>不能进行空间分析</a:t>
+            </a:r>
+            <a:endParaRPr dirty="0" smtClean="0"/>
+          </a:p>
+          <a:p>
+            <a:pPr lvl="1"/>
+            <a:r>
+              <a:rPr dirty="0" smtClean="0"/>
+              <a:t>没有三维球视图</a:t>
+            </a:r>
+            <a:endParaRPr dirty="0" smtClean="0"/>
+          </a:p>
+          <a:p>
+            <a:pPr lvl="1"/>
+            <a:r>
+              <a:rPr lang="en-US" altLang="zh-CN" dirty="0" smtClean="0"/>
+              <a:t>......</a:t>
+            </a:r>
+            <a:endParaRPr dirty="0" smtClean="0"/>
+          </a:p>
+          <a:p>
+            <a:pPr lvl="1"/>
+            <a:endParaRPr lang="en-US" altLang="zh-CN" dirty="0" smtClean="0"/>
+          </a:p>
+          <a:p>
+            <a:r>
+              <a:t>优点</a:t>
+            </a:r>
+          </a:p>
+          <a:p>
+            <a:pPr lvl="1"/>
+            <a:r>
+              <a:t>开源、免费、性能稳定</a:t>
+            </a:r>
+          </a:p>
+          <a:p>
+            <a:pPr lvl="1"/>
+            <a:r>
+              <a:t>二三维一体化</a:t>
+            </a:r>
+          </a:p>
+          <a:p>
+            <a:pPr lvl="1"/>
+            <a:r>
+              <a:t>友好的插件机制</a:t>
+            </a:r>
+          </a:p>
+          <a:p>
+            <a:pPr lvl="1"/>
+            <a:r>
+              <a:t>友好的</a:t>
+            </a:r>
+            <a:r>
+              <a:rPr lang="en-US" altLang="zh-CN"/>
+              <a:t>API</a:t>
+            </a:r>
+            <a:endParaRPr lang="en-US" altLang="zh-CN"/>
+          </a:p>
+          <a:p>
+            <a:pPr lvl="1"/>
+            <a:r>
+              <a:rPr lang="en-US" altLang="zh-CN"/>
+              <a:t>......</a:t>
+            </a:r>
+            <a:endParaRPr lang="en-US" altLang="zh-CN"/>
+          </a:p>
+        </p:txBody>
+      </p:sp>
+      <p:sp>
+        <p:nvSpPr>
+          <p:cNvPr id="4" name="标题 3"/>
+          <p:cNvSpPr>
+            <a:spLocks noGrp="1"/>
+          </p:cNvSpPr>
+          <p:nvPr>
+            <p:ph type="title"/>
+          </p:nvPr>
+        </p:nvSpPr>
+        <p:spPr/>
+        <p:txBody>
+          <a:bodyPr>
+            <a:normAutofit fontScale="90000"/>
+          </a:bodyPr>
+          <a:p>
+            <a:r>
+              <a:rPr lang="en-US" altLang="zh-CN" dirty="0" err="1" smtClean="0">
+                <a:sym typeface="+mn-ea"/>
+              </a:rPr>
+              <a:t>maptalks</a:t>
+            </a:r>
+            <a:r>
+              <a:rPr lang="zh-CN" altLang="en-US" dirty="0" smtClean="0">
+                <a:sym typeface="+mn-ea"/>
+              </a:rPr>
+              <a:t>的</a:t>
+            </a:r>
+            <a:r>
+              <a:rPr lang="zh-CN" altLang="en-US" dirty="0">
+                <a:sym typeface="+mn-ea"/>
+              </a:rPr>
+              <a:t>使用优缺点</a:t>
+            </a:r>
+            <a:endParaRPr lang="zh-CN" altLang="en-US"/>
+          </a:p>
+        </p:txBody>
+      </p:sp>
+      <p:sp>
+        <p:nvSpPr>
+          <p:cNvPr id="2" name="页脚占位符 1"/>
+          <p:cNvSpPr>
+            <a:spLocks noGrp="1"/>
+          </p:cNvSpPr>
+          <p:nvPr>
+            <p:ph type="ftr" sz="quarter" idx="11"/>
+          </p:nvPr>
+        </p:nvSpPr>
+        <p:spPr/>
+        <p:txBody>
+          <a:bodyPr/>
+          <a:p>
+            <a:r>
+              <a:rPr lang="en-US" altLang="zh-CN" smtClean="0"/>
+              <a:t>@AndOrLab</a:t>
+            </a:r>
+            <a:endParaRPr lang="zh-CN" altLang="en-US"/>
+          </a:p>
+        </p:txBody>
+      </p:sp>
+    </p:spTree>
+  </p:cSld>
+  <p:clrMapOvr>
+    <a:masterClrMapping/>
+  </p:clrMapOvr>
+</p:sld>
+</file>
+
+<file path=ppt/slides/slide23.xml><?xml version="1.0" encoding="utf-8"?>
+<p:sld xmlns:a="http://schemas.openxmlformats.org/drawingml/2006/main" xmlns:r="http://schemas.openxmlformats.org/officeDocument/2006/relationships" xmlns:p="http://schemas.openxmlformats.org/presentationml/2006/main">
+  <p:cSld>
+    <p:spTree>
+      <p:nvGrpSpPr>
+        <p:cNvPr id="1" name=""/>
+        <p:cNvGrpSpPr/>
+        <p:nvPr/>
+      </p:nvGrpSpPr>
+      <p:grpSpPr>
+        <a:xfrm>
+          <a:off x="0" y="0"/>
+          <a:ext cx="0" cy="0"/>
+          <a:chOff x="0" y="0"/>
+          <a:chExt cx="0" cy="0"/>
+        </a:xfrm>
+      </p:grpSpPr>
+      <p:sp>
+        <p:nvSpPr>
+          <p:cNvPr id="3" name="内容占位符 2"/>
+          <p:cNvSpPr>
+            <a:spLocks noGrp="1"/>
+          </p:cNvSpPr>
+          <p:nvPr>
+            <p:ph sz="quarter" idx="10"/>
+          </p:nvPr>
+        </p:nvSpPr>
+        <p:spPr/>
+        <p:txBody>
+          <a:bodyPr/>
+          <a:lstStyle/>
+          <a:p>
+            <a:r>
+              <a:rPr lang="en-US" altLang="zh-CN" dirty="0" err="1"/>
+              <a:t>maptalks</a:t>
+            </a:r>
+            <a:r>
+              <a:rPr dirty="0"/>
+              <a:t>介绍</a:t>
+            </a:r>
+            <a:endParaRPr dirty="0"/>
+          </a:p>
+          <a:p>
+            <a:r>
+              <a:rPr lang="en-US" altLang="zh-CN" dirty="0" err="1">
+                <a:sym typeface="+mn-ea"/>
+              </a:rPr>
+              <a:t>maptaks</a:t>
+            </a:r>
+            <a:r>
+              <a:rPr dirty="0" smtClean="0">
+                <a:sym typeface="+mn-ea"/>
+              </a:rPr>
+              <a:t>与基于</a:t>
+            </a:r>
+            <a:r>
+              <a:rPr lang="en-US" dirty="0" smtClean="0">
+                <a:sym typeface="+mn-ea"/>
+              </a:rPr>
+              <a:t>TS</a:t>
+            </a:r>
+            <a:r>
+              <a:rPr dirty="0" smtClean="0">
+                <a:sym typeface="+mn-ea"/>
+              </a:rPr>
+              <a:t>的</a:t>
+            </a:r>
+            <a:r>
+              <a:rPr lang="en-US" dirty="0">
+                <a:sym typeface="+mn-ea"/>
+              </a:rPr>
+              <a:t>R</a:t>
+            </a:r>
+            <a:r>
+              <a:rPr lang="en-US" altLang="zh-CN" dirty="0" smtClean="0">
+                <a:sym typeface="+mn-ea"/>
+              </a:rPr>
+              <a:t>eact</a:t>
+            </a:r>
+            <a:r>
+              <a:rPr dirty="0">
+                <a:sym typeface="+mn-ea"/>
+              </a:rPr>
+              <a:t>项目集成</a:t>
+            </a:r>
+            <a:endParaRPr dirty="0">
+              <a:sym typeface="+mn-ea"/>
+            </a:endParaRPr>
+          </a:p>
+          <a:p>
+            <a:r>
+              <a:rPr lang="en-US" altLang="zh-CN" dirty="0" err="1"/>
+              <a:t>maptalks</a:t>
+            </a:r>
+            <a:r>
+              <a:rPr dirty="0" smtClean="0"/>
+              <a:t>使用</a:t>
+            </a:r>
+            <a:endParaRPr lang="en-US" dirty="0" smtClean="0"/>
+          </a:p>
+          <a:p>
+            <a:r>
+              <a:rPr lang="en-US" altLang="zh-CN" dirty="0" err="1" smtClean="0"/>
+              <a:t>maptalks</a:t>
+            </a:r>
+            <a:r>
+              <a:rPr lang="zh-CN" altLang="en-US" dirty="0" smtClean="0"/>
+              <a:t>的使用优缺点</a:t>
+            </a:r>
+            <a:endParaRPr lang="en-US" altLang="zh-CN" dirty="0" smtClean="0"/>
+          </a:p>
+        </p:txBody>
+      </p:sp>
+      <p:sp>
+        <p:nvSpPr>
+          <p:cNvPr id="4" name="标题 3"/>
+          <p:cNvSpPr>
+            <a:spLocks noGrp="1"/>
+          </p:cNvSpPr>
+          <p:nvPr>
+            <p:ph type="title"/>
+          </p:nvPr>
+        </p:nvSpPr>
+        <p:spPr/>
+        <p:txBody>
+          <a:bodyPr>
+            <a:normAutofit fontScale="90000"/>
+          </a:bodyPr>
+          <a:lstStyle/>
+          <a:p>
+            <a:r>
+              <a:rPr lang="zh-CN" altLang="en-US" dirty="0" smtClean="0"/>
+              <a:t>总结</a:t>
+            </a:r>
+            <a:endParaRPr lang="zh-CN" altLang="en-US" dirty="0"/>
+          </a:p>
+        </p:txBody>
+      </p:sp>
+      <p:sp>
+        <p:nvSpPr>
+          <p:cNvPr id="2" name="页脚占位符 1"/>
+          <p:cNvSpPr>
+            <a:spLocks noGrp="1"/>
+          </p:cNvSpPr>
+          <p:nvPr>
+            <p:ph type="ftr" sz="quarter" idx="11"/>
+          </p:nvPr>
+        </p:nvSpPr>
+        <p:spPr/>
+        <p:txBody>
+          <a:bodyPr/>
+          <a:lstStyle/>
+          <a:p>
+            <a:r>
+              <a:rPr lang="en-US" altLang="zh-CN" smtClean="0"/>
+              <a:t>@AndOrLab</a:t>
+            </a:r>
+            <a:endParaRPr lang="zh-CN" altLang="en-US"/>
+          </a:p>
+        </p:txBody>
+      </p:sp>
+    </p:spTree>
+  </p:cSld>
+  <p:clrMapOvr>
+    <a:masterClrMapping/>
+  </p:clrMapOvr>
+  <p:timing>
+    <p:tnLst>
+      <p:par>
+        <p:cTn id="1" dur="indefinite" restart="never" nodeType="tmRoot"/>
+      </p:par>
+    </p:tnLst>
+  </p:timing>
+</p:sld>
+</file>
+
+<file path=ppt/slides/slide24.xml><?xml version="1.0" encoding="utf-8"?>
+<p:sld xmlns:a="http://schemas.openxmlformats.org/drawingml/2006/main" xmlns:r="http://schemas.openxmlformats.org/officeDocument/2006/relationships" xmlns:p="http://schemas.openxmlformats.org/presentationml/2006/main">
+  <p:cSld>
+    <p:spTree>
+      <p:nvGrpSpPr>
+        <p:cNvPr id="1" name=""/>
+        <p:cNvGrpSpPr/>
+        <p:nvPr/>
+      </p:nvGrpSpPr>
+      <p:grpSpPr>
+        <a:xfrm>
+          <a:off x="0" y="0"/>
+          <a:ext cx="0" cy="0"/>
+          <a:chOff x="0" y="0"/>
+          <a:chExt cx="0" cy="0"/>
+        </a:xfrm>
+      </p:grpSpPr>
+      <p:sp>
+        <p:nvSpPr>
           <p:cNvPr id="2" name="页脚占位符 1"/>
           <p:cNvSpPr>
             <a:spLocks noGrp="1"/>
@@ -3981,6 +5253,7 @@
         </p:spPr>
         <p:txBody>
           <a:bodyPr/>
+          <a:lstStyle/>
           <a:p>
             <a:r>
               <a:rPr lang="en-US" altLang="zh-CN" smtClean="0"/>
@@ -3995,6 +5268,13 @@
   <p:clrMapOvr>
     <a:masterClrMapping/>
   </p:clrMapOvr>
+  <p:timing>
+    <p:tnLst>
+      <p:par>
+        <p:cTn id="1" dur="indefinite" restart="never" nodeType="tmRoot"/>
+      </p:par>
+    </p:tnLst>
+  </p:timing>
 </p:sld>
 </file>
 
@@ -4007,7 +5287,38 @@
         <p:cNvGrpSpPr/>
         <p:nvPr/>
       </p:nvGrpSpPr>
-      <p:grpSpPr/>
+      <p:grpSpPr>
+        <a:xfrm>
+          <a:off x="0" y="0"/>
+          <a:ext cx="0" cy="0"/>
+          <a:chOff x="0" y="0"/>
+          <a:chExt cx="0" cy="0"/>
+        </a:xfrm>
+      </p:grpSpPr>
+      <p:pic>
+        <p:nvPicPr>
+          <p:cNvPr id="5" name="图片 4"/>
+          <p:cNvPicPr>
+            <a:picLocks noChangeAspect="1"/>
+          </p:cNvPicPr>
+          <p:nvPr/>
+        </p:nvPicPr>
+        <p:blipFill>
+          <a:blip r:embed="rId1"/>
+          <a:stretch>
+            <a:fillRect/>
+          </a:stretch>
+        </p:blipFill>
+        <p:spPr>
+          <a:xfrm>
+            <a:off x="-1" y="1"/>
+            <a:ext cx="13464575" cy="6858000"/>
+          </a:xfrm>
+          <a:prstGeom prst="rect">
+            <a:avLst/>
+          </a:prstGeom>
+        </p:spPr>
+      </p:pic>
       <p:sp>
         <p:nvSpPr>
           <p:cNvPr id="3" name="内容占位符 2"/>
@@ -4021,50 +5332,59 @@
         <p:spPr/>
         <p:txBody>
           <a:bodyPr/>
+          <a:lstStyle/>
           <a:p>
             <a:pPr marL="0" indent="0">
               <a:buNone/>
             </a:pPr>
-            <a:endParaRPr lang="zh-CN" altLang="en-US"/>
-          </a:p>
-          <a:p>
-            <a:r>
-              <a:rPr lang="zh-CN" altLang="en-US"/>
+            <a:endParaRPr lang="zh-CN" altLang="en-US" dirty="0"/>
+          </a:p>
+          <a:p>
+            <a:r>
+              <a:rPr lang="zh-CN" altLang="en-US" dirty="0"/>
               <a:t>项目是一个 HTML5 的地图引擎, 基于原生 ES6 Javascript 开发</a:t>
             </a:r>
-            <a:endParaRPr lang="zh-CN" altLang="en-US"/>
+            <a:endParaRPr lang="zh-CN" altLang="en-US" dirty="0"/>
           </a:p>
           <a:p>
             <a:pPr lvl="1"/>
             <a:r>
-              <a:rPr lang="zh-CN" altLang="en-US"/>
+              <a:rPr lang="zh-CN" altLang="en-US" dirty="0"/>
               <a:t>二三维一体化地图, 通过二维地图的旋转 /倾斜增加三维视角</a:t>
             </a:r>
-            <a:endParaRPr lang="zh-CN" altLang="en-US"/>
+            <a:endParaRPr lang="zh-CN" altLang="en-US" dirty="0"/>
           </a:p>
           <a:p>
             <a:pPr lvl="1"/>
             <a:r>
-              <a:rPr lang="zh-CN" altLang="en-US"/>
+              <a:rPr lang="zh-CN" altLang="en-US" dirty="0"/>
               <a:t>插件化设计, 能与其他图形库结合, 开发各种二三维效果, 例如 echarts/d3/THREE 等</a:t>
             </a:r>
-            <a:endParaRPr lang="zh-CN" altLang="en-US"/>
+            <a:endParaRPr lang="zh-CN" altLang="en-US" dirty="0"/>
           </a:p>
           <a:p>
             <a:pPr lvl="1"/>
             <a:r>
-              <a:rPr lang="zh-CN" altLang="en-US"/>
-              <a:t>很认真的优化了绘制性能</a:t>
-            </a:r>
-            <a:endParaRPr lang="zh-CN" altLang="en-US"/>
+              <a:rPr lang="zh-CN" altLang="en-US" dirty="0" smtClean="0"/>
+              <a:t>优化</a:t>
+            </a:r>
+            <a:r>
+              <a:rPr lang="zh-CN" altLang="en-US" dirty="0"/>
+              <a:t>了绘制性能</a:t>
+            </a:r>
+            <a:endParaRPr lang="zh-CN" altLang="en-US" dirty="0"/>
           </a:p>
           <a:p>
             <a:pPr lvl="1"/>
             <a:r>
-              <a:rPr lang="zh-CN" altLang="en-US"/>
-              <a:t>很重视测试, 有接近 1.5K 个单元测试用例, 所以稳定性还不错, 已经应用在很多大大小小的系统上了</a:t>
-            </a:r>
-            <a:endParaRPr lang="zh-CN" altLang="en-US"/>
+              <a:rPr lang="zh-CN" altLang="en-US" dirty="0" smtClean="0"/>
+              <a:t>重视</a:t>
+            </a:r>
+            <a:r>
+              <a:rPr lang="zh-CN" altLang="en-US" dirty="0"/>
+              <a:t>测试, 有接近 1.5K 个单元测试用例, </a:t>
+            </a:r>
+            <a:endParaRPr lang="zh-CN" altLang="en-US" dirty="0"/>
           </a:p>
         </p:txBody>
       </p:sp>
@@ -4083,6 +5403,7 @@
           <a:bodyPr>
             <a:normAutofit fontScale="90000"/>
           </a:bodyPr>
+          <a:lstStyle/>
           <a:p>
             <a:r>
               <a:rPr lang="en-US" altLang="zh-CN"/>
@@ -4109,6 +5430,7 @@
         <p:spPr/>
         <p:txBody>
           <a:bodyPr/>
+          <a:lstStyle/>
           <a:p>
             <a:r>
               <a:rPr lang="en-US" altLang="zh-CN" smtClean="0"/>
@@ -4123,6 +5445,13 @@
   <p:clrMapOvr>
     <a:masterClrMapping/>
   </p:clrMapOvr>
+  <p:timing>
+    <p:tnLst>
+      <p:par>
+        <p:cTn id="1" dur="indefinite" restart="never" nodeType="tmRoot"/>
+      </p:par>
+    </p:tnLst>
+  </p:timing>
 </p:sld>
 </file>
 
@@ -4135,7 +5464,14 @@
         <p:cNvGrpSpPr/>
         <p:nvPr/>
       </p:nvGrpSpPr>
-      <p:grpSpPr/>
+      <p:grpSpPr>
+        <a:xfrm>
+          <a:off x="0" y="0"/>
+          <a:ext cx="0" cy="0"/>
+          <a:chOff x="0" y="0"/>
+          <a:chExt cx="0" cy="0"/>
+        </a:xfrm>
+      </p:grpSpPr>
       <p:sp>
         <p:nvSpPr>
           <p:cNvPr id="3" name="标题 2"/>
@@ -4151,6 +5487,7 @@
           <a:bodyPr>
             <a:normAutofit fontScale="90000"/>
           </a:bodyPr>
+          <a:lstStyle/>
           <a:p>
             <a:r>
               <a:rPr lang="en-US" altLang="zh-CN"/>
@@ -4177,22 +5514,19 @@
         <p:spPr/>
         <p:txBody>
           <a:bodyPr>
-            <a:normAutofit fontScale="70000"/>
+            <a:normAutofit fontScale="92500" lnSpcReduction="10000"/>
           </a:bodyPr>
-          <a:p>
-            <a:r>
-              <a:rPr lang="en-US" altLang="zh-CN"/>
+          <a:lstStyle/>
+          <a:p>
+            <a:r>
+              <a:rPr lang="en-US" altLang="zh-CN" dirty="0" err="1"/>
               <a:t>maptalks</a:t>
             </a:r>
             <a:r>
-              <a:rPr lang="zh-CN" altLang="en-US"/>
+              <a:rPr lang="zh-CN" altLang="en-US" dirty="0" smtClean="0"/>
               <a:t>插件</a:t>
             </a:r>
-            <a:r>
-              <a:rPr lang="en-US" altLang="zh-CN"/>
-              <a:t>-maptalks.three</a:t>
-            </a:r>
-            <a:endParaRPr lang="en-US" altLang="zh-CN"/>
+            <a:endParaRPr lang="en-US" altLang="zh-CN" dirty="0"/>
           </a:p>
         </p:txBody>
       </p:sp>
@@ -4209,21 +5543,13 @@
         <p:spPr/>
         <p:txBody>
           <a:bodyPr/>
-          <a:p>
-            <a:r>
-              <a:rPr lang="zh-CN" altLang="en-US"/>
-              <a:t>http://maptalks.org/maptalks.three/demo/buildings.html</a:t>
-            </a:r>
-            <a:endParaRPr lang="zh-CN" altLang="en-US"/>
-          </a:p>
-          <a:p>
-            <a:endParaRPr lang="zh-CN" altLang="en-US"/>
-          </a:p>
-          <a:p>
-            <a:endParaRPr lang="zh-CN" altLang="en-US"/>
-          </a:p>
-          <a:p>
-            <a:endParaRPr lang="zh-CN" altLang="en-US"/>
+          <a:lstStyle/>
+          <a:p>
+            <a:r>
+              <a:rPr lang="zh-CN" altLang="en-US" dirty="0"/>
+              <a:t>部分效果截图</a:t>
+            </a:r>
+            <a:endParaRPr lang="zh-CN" altLang="en-US" dirty="0"/>
           </a:p>
         </p:txBody>
       </p:sp>
@@ -4240,6 +5566,7 @@
         <p:spPr/>
         <p:txBody>
           <a:bodyPr/>
+          <a:lstStyle/>
           <a:p>
             <a:r>
               <a:rPr lang="en-US" altLang="zh-CN" smtClean="0"/>
@@ -4265,19 +5592,242 @@
         </p:blipFill>
         <p:spPr>
           <a:xfrm>
-            <a:off x="464185" y="2353310"/>
-            <a:ext cx="8218805" cy="4229100"/>
+            <a:off x="737235" y="2312035"/>
+            <a:ext cx="3494405" cy="2021840"/>
           </a:xfrm>
           <a:prstGeom prst="rect">
             <a:avLst/>
           </a:prstGeom>
         </p:spPr>
       </p:pic>
+      <p:sp>
+        <p:nvSpPr>
+          <p:cNvPr id="7" name="文本框 6"/>
+          <p:cNvSpPr txBox="1"/>
+          <p:nvPr/>
+        </p:nvSpPr>
+        <p:spPr>
+          <a:xfrm>
+            <a:off x="1405890" y="4362450"/>
+            <a:ext cx="1710690" cy="368300"/>
+          </a:xfrm>
+          <a:prstGeom prst="rect">
+            <a:avLst/>
+          </a:prstGeom>
+          <a:noFill/>
+        </p:spPr>
+        <p:txBody>
+          <a:bodyPr wrap="square" rtlCol="0">
+            <a:spAutoFit/>
+          </a:bodyPr>
+          <a:lstStyle/>
+          <a:p>
+            <a:r>
+              <a:rPr lang="en-US" altLang="zh-CN" dirty="0" err="1" smtClean="0"/>
+              <a:t>maptalks.three</a:t>
+            </a:r>
+            <a:endParaRPr lang="en-US" altLang="zh-CN" dirty="0"/>
+          </a:p>
+        </p:txBody>
+      </p:sp>
+      <p:pic>
+        <p:nvPicPr>
+          <p:cNvPr id="9" name="图片 8"/>
+          <p:cNvPicPr>
+            <a:picLocks noChangeAspect="1"/>
+          </p:cNvPicPr>
+          <p:nvPr/>
+        </p:nvPicPr>
+        <p:blipFill>
+          <a:blip r:embed="rId2"/>
+          <a:stretch>
+            <a:fillRect/>
+          </a:stretch>
+        </p:blipFill>
+        <p:spPr>
+          <a:xfrm>
+            <a:off x="8466455" y="2311400"/>
+            <a:ext cx="2889250" cy="2022475"/>
+          </a:xfrm>
+          <a:prstGeom prst="rect">
+            <a:avLst/>
+          </a:prstGeom>
+        </p:spPr>
+      </p:pic>
+      <p:sp>
+        <p:nvSpPr>
+          <p:cNvPr id="10" name="文本框 9"/>
+          <p:cNvSpPr txBox="1"/>
+          <p:nvPr/>
+        </p:nvSpPr>
+        <p:spPr>
+          <a:xfrm>
+            <a:off x="5414929" y="4401983"/>
+            <a:ext cx="1928733" cy="369332"/>
+          </a:xfrm>
+          <a:prstGeom prst="rect">
+            <a:avLst/>
+          </a:prstGeom>
+          <a:noFill/>
+        </p:spPr>
+        <p:txBody>
+          <a:bodyPr wrap="none" rtlCol="0">
+            <a:spAutoFit/>
+          </a:bodyPr>
+          <a:lstStyle/>
+          <a:p>
+            <a:r>
+              <a:rPr lang="en-US" altLang="zh-CN" dirty="0" err="1" smtClean="0"/>
+              <a:t>maptalks.echarts</a:t>
+            </a:r>
+            <a:endParaRPr lang="en-US" altLang="zh-CN" dirty="0"/>
+          </a:p>
+        </p:txBody>
+      </p:sp>
+      <p:sp>
+        <p:nvSpPr>
+          <p:cNvPr id="11" name="文本框 10"/>
+          <p:cNvSpPr txBox="1"/>
+          <p:nvPr/>
+        </p:nvSpPr>
+        <p:spPr>
+          <a:xfrm>
+            <a:off x="9119617" y="4369717"/>
+            <a:ext cx="2236510" cy="369332"/>
+          </a:xfrm>
+          <a:prstGeom prst="rect">
+            <a:avLst/>
+          </a:prstGeom>
+          <a:noFill/>
+        </p:spPr>
+        <p:txBody>
+          <a:bodyPr wrap="none" rtlCol="0">
+            <a:spAutoFit/>
+          </a:bodyPr>
+          <a:lstStyle/>
+          <a:p>
+            <a:r>
+              <a:rPr lang="en-US" altLang="zh-CN" dirty="0" err="1" smtClean="0"/>
+              <a:t>maptalks</a:t>
+            </a:r>
+            <a:r>
+              <a:rPr lang="en-US" altLang="zh-CN" dirty="0" smtClean="0"/>
+              <a:t>.</a:t>
+            </a:r>
+            <a:r>
+              <a:rPr lang="zh-CN" altLang="en-US" dirty="0">
+                <a:sym typeface="+mn-ea"/>
+              </a:rPr>
+              <a:t> mapboxgl</a:t>
+            </a:r>
+            <a:endParaRPr lang="en-US" altLang="zh-CN" dirty="0"/>
+          </a:p>
+        </p:txBody>
+      </p:sp>
+      <p:pic>
+        <p:nvPicPr>
+          <p:cNvPr id="12" name="图片 11"/>
+          <p:cNvPicPr>
+            <a:picLocks noChangeAspect="1"/>
+          </p:cNvPicPr>
+          <p:nvPr/>
+        </p:nvPicPr>
+        <p:blipFill>
+          <a:blip r:embed="rId3"/>
+          <a:stretch>
+            <a:fillRect/>
+          </a:stretch>
+        </p:blipFill>
+        <p:spPr>
+          <a:xfrm>
+            <a:off x="4406900" y="2311400"/>
+            <a:ext cx="3746500" cy="2022475"/>
+          </a:xfrm>
+          <a:prstGeom prst="rect">
+            <a:avLst/>
+          </a:prstGeom>
+        </p:spPr>
+      </p:pic>
+      <p:sp>
+        <p:nvSpPr>
+          <p:cNvPr id="13" name="文本框 12"/>
+          <p:cNvSpPr txBox="1"/>
+          <p:nvPr/>
+        </p:nvSpPr>
+        <p:spPr>
+          <a:xfrm>
+            <a:off x="367774" y="5478661"/>
+            <a:ext cx="5775940" cy="923330"/>
+          </a:xfrm>
+          <a:prstGeom prst="rect">
+            <a:avLst/>
+          </a:prstGeom>
+          <a:noFill/>
+        </p:spPr>
+        <p:txBody>
+          <a:bodyPr wrap="none" rtlCol="0">
+            <a:spAutoFit/>
+          </a:bodyPr>
+          <a:lstStyle/>
+          <a:p>
+            <a:r>
+              <a:rPr lang="zh-CN" altLang="en-US" dirty="0">
+                <a:solidFill>
+                  <a:srgbClr val="FF0000"/>
+                </a:solidFill>
+              </a:rPr>
+              <a:t>http://maptalks.org/maptalks.three/demo/buildings.html</a:t>
+            </a:r>
+            <a:endParaRPr lang="zh-CN" altLang="en-US" dirty="0">
+              <a:solidFill>
+                <a:srgbClr val="FF0000"/>
+              </a:solidFill>
+            </a:endParaRPr>
+          </a:p>
+          <a:p>
+            <a:r>
+              <a:rPr lang="en-US" altLang="zh-CN" dirty="0">
+                <a:solidFill>
+                  <a:srgbClr val="FF0000"/>
+                </a:solidFill>
+              </a:rPr>
+              <a:t>http://maptalks.org/maptalks.e3/demo/fly.html</a:t>
+            </a:r>
+            <a:endParaRPr lang="en-US" altLang="zh-CN" dirty="0">
+              <a:solidFill>
+                <a:srgbClr val="FF0000"/>
+              </a:solidFill>
+            </a:endParaRPr>
+          </a:p>
+          <a:p>
+            <a:r>
+              <a:rPr lang="en-US" altLang="zh-CN" dirty="0">
+                <a:solidFill>
+                  <a:srgbClr val="FF0000"/>
+                </a:solidFill>
+              </a:rPr>
+              <a:t>http://maptalks.org/maptalks.mapboxgl/demo/</a:t>
+            </a:r>
+            <a:endParaRPr lang="zh-CN" altLang="en-US" dirty="0">
+              <a:solidFill>
+                <a:srgbClr val="FF0000"/>
+              </a:solidFill>
+            </a:endParaRPr>
+          </a:p>
+        </p:txBody>
+      </p:sp>
     </p:spTree>
   </p:cSld>
   <p:clrMapOvr>
     <a:masterClrMapping/>
   </p:clrMapOvr>
+  <p:timing>
+    <p:tnLst>
+      <p:par>
+        <p:cTn id="1" dur="indefinite" restart="never" nodeType="tmRoot"/>
+      </p:par>
+    </p:tnLst>
+  </p:timing>
 </p:sld>
 </file>
 
@@ -4290,22 +5840,462 @@
         <p:cNvGrpSpPr/>
         <p:nvPr/>
       </p:nvGrpSpPr>
-      <p:grpSpPr/>
-      <p:sp>
-        <p:nvSpPr>
-          <p:cNvPr id="3" name="标题 2"/>
-          <p:cNvSpPr>
-            <a:spLocks noGrp="1"/>
-          </p:cNvSpPr>
-          <p:nvPr>
-            <p:ph type="title"/>
-          </p:nvPr>
-        </p:nvSpPr>
-        <p:spPr/>
+      <p:grpSpPr>
+        <a:xfrm>
+          <a:off x="0" y="0"/>
+          <a:ext cx="0" cy="0"/>
+          <a:chOff x="0" y="0"/>
+          <a:chExt cx="0" cy="0"/>
+        </a:xfrm>
+      </p:grpSpPr>
+      <p:sp>
+        <p:nvSpPr>
+          <p:cNvPr id="6" name="标题 5"/>
+          <p:cNvSpPr>
+            <a:spLocks noGrp="1"/>
+          </p:cNvSpPr>
+          <p:nvPr>
+            <p:ph type="ctrTitle"/>
+          </p:nvPr>
+        </p:nvSpPr>
+        <p:spPr>
+          <a:xfrm>
+            <a:off x="1523999" y="2741624"/>
+            <a:ext cx="8756591" cy="1374753"/>
+          </a:xfrm>
+        </p:spPr>
         <p:txBody>
           <a:bodyPr>
             <a:normAutofit fontScale="90000"/>
           </a:bodyPr>
+          <a:lstStyle/>
+          <a:p>
+            <a:r>
+              <a:rPr lang="en-US" altLang="zh-CN" dirty="0" err="1">
+                <a:sym typeface="+mn-ea"/>
+              </a:rPr>
+              <a:t>maptaks</a:t>
+            </a:r>
+            <a:r>
+              <a:rPr lang="zh-CN" altLang="en-US" dirty="0">
+                <a:sym typeface="+mn-ea"/>
+              </a:rPr>
+              <a:t>与</a:t>
+            </a:r>
+            <a:r>
+              <a:rPr lang="zh-CN" altLang="en-US" dirty="0" smtClean="0">
+                <a:sym typeface="+mn-ea"/>
+              </a:rPr>
+              <a:t>基于</a:t>
+            </a:r>
+            <a:r>
+              <a:rPr lang="en-US" altLang="zh-CN" dirty="0" smtClean="0">
+                <a:sym typeface="+mn-ea"/>
+              </a:rPr>
+              <a:t>TS</a:t>
+            </a:r>
+            <a:r>
+              <a:rPr lang="zh-CN" altLang="en-US" dirty="0" smtClean="0">
+                <a:sym typeface="+mn-ea"/>
+              </a:rPr>
+              <a:t>的</a:t>
+            </a:r>
+            <a:r>
+              <a:rPr lang="en-US" altLang="zh-CN" dirty="0">
+                <a:sym typeface="+mn-ea"/>
+              </a:rPr>
+              <a:t>R</a:t>
+            </a:r>
+            <a:r>
+              <a:rPr lang="en-US" altLang="zh-CN" dirty="0" smtClean="0">
+                <a:sym typeface="+mn-ea"/>
+              </a:rPr>
+              <a:t>eact</a:t>
+            </a:r>
+            <a:r>
+              <a:rPr lang="zh-CN" altLang="en-US" dirty="0">
+                <a:sym typeface="+mn-ea"/>
+              </a:rPr>
+              <a:t>项目集成</a:t>
+            </a:r>
+            <a:endParaRPr lang="zh-CN" altLang="en-US" dirty="0"/>
+          </a:p>
+        </p:txBody>
+      </p:sp>
+      <p:sp>
+        <p:nvSpPr>
+          <p:cNvPr id="7" name="副标题 6"/>
+          <p:cNvSpPr>
+            <a:spLocks noGrp="1"/>
+          </p:cNvSpPr>
+          <p:nvPr>
+            <p:ph type="subTitle" idx="1"/>
+          </p:nvPr>
+        </p:nvSpPr>
+        <p:spPr/>
+        <p:txBody>
+          <a:bodyPr>
+            <a:normAutofit fontScale="80000"/>
+          </a:bodyPr>
+          <a:lstStyle/>
+          <a:p>
+            <a:r>
+              <a:rPr lang="zh-CN" altLang="en-US"/>
+              <a:t>杜秀秀</a:t>
+            </a:r>
+            <a:endParaRPr lang="zh-CN" altLang="en-US"/>
+          </a:p>
+        </p:txBody>
+      </p:sp>
+      <p:sp>
+        <p:nvSpPr>
+          <p:cNvPr id="5" name="页脚占位符 4"/>
+          <p:cNvSpPr>
+            <a:spLocks noGrp="1"/>
+          </p:cNvSpPr>
+          <p:nvPr>
+            <p:ph type="ftr" sz="quarter" idx="10"/>
+          </p:nvPr>
+        </p:nvSpPr>
+        <p:spPr/>
+        <p:txBody>
+          <a:bodyPr/>
+          <a:lstStyle/>
+          <a:p>
+            <a:r>
+              <a:rPr lang="en-US" altLang="zh-CN" smtClean="0"/>
+              <a:t>@AndOrLab</a:t>
+            </a:r>
+            <a:endParaRPr lang="zh-CN" altLang="en-US"/>
+          </a:p>
+        </p:txBody>
+      </p:sp>
+    </p:spTree>
+  </p:cSld>
+  <p:clrMapOvr>
+    <a:masterClrMapping/>
+  </p:clrMapOvr>
+  <p:timing>
+    <p:tnLst>
+      <p:par>
+        <p:cTn id="1" dur="indefinite" restart="never" nodeType="tmRoot"/>
+      </p:par>
+    </p:tnLst>
+  </p:timing>
+</p:sld>
+</file>
+
+<file path=ppt/slides/slide6.xml><?xml version="1.0" encoding="utf-8"?>
+<p:sld xmlns:a="http://schemas.openxmlformats.org/drawingml/2006/main" xmlns:r="http://schemas.openxmlformats.org/officeDocument/2006/relationships" xmlns:p="http://schemas.openxmlformats.org/presentationml/2006/main">
+  <p:cSld>
+    <p:spTree>
+      <p:nvGrpSpPr>
+        <p:cNvPr id="1" name=""/>
+        <p:cNvGrpSpPr/>
+        <p:nvPr/>
+      </p:nvGrpSpPr>
+      <p:grpSpPr>
+        <a:xfrm>
+          <a:off x="0" y="0"/>
+          <a:ext cx="0" cy="0"/>
+          <a:chOff x="0" y="0"/>
+          <a:chExt cx="0" cy="0"/>
+        </a:xfrm>
+      </p:grpSpPr>
+      <p:sp>
+        <p:nvSpPr>
+          <p:cNvPr id="3" name="内容占位符 2"/>
+          <p:cNvSpPr>
+            <a:spLocks noGrp="1"/>
+          </p:cNvSpPr>
+          <p:nvPr>
+            <p:ph sz="quarter" idx="10"/>
+          </p:nvPr>
+        </p:nvSpPr>
+        <p:spPr>
+          <a:xfrm>
+            <a:off x="479062" y="1079653"/>
+            <a:ext cx="11234058" cy="5502666"/>
+          </a:xfrm>
+        </p:spPr>
+        <p:txBody>
+          <a:bodyPr/>
+          <a:lstStyle/>
+          <a:p>
+            <a:r>
+              <a:rPr lang="zh-CN" altLang="en-US"/>
+              <a:t>依赖安装</a:t>
+            </a:r>
+            <a:endParaRPr lang="zh-CN" altLang="en-US"/>
+          </a:p>
+          <a:p>
+            <a:r>
+              <a:rPr lang="en-US" altLang="zh-CN"/>
+              <a:t>ts</a:t>
+            </a:r>
+            <a:r>
+              <a:t>支持</a:t>
+            </a:r>
+          </a:p>
+          <a:p>
+            <a:r>
+              <a:t>包的导入</a:t>
+            </a:r>
+          </a:p>
+        </p:txBody>
+      </p:sp>
+      <p:sp>
+        <p:nvSpPr>
+          <p:cNvPr id="4" name="标题 3"/>
+          <p:cNvSpPr>
+            <a:spLocks noGrp="1"/>
+          </p:cNvSpPr>
+          <p:nvPr>
+            <p:ph type="title"/>
+          </p:nvPr>
+        </p:nvSpPr>
+        <p:spPr/>
+        <p:txBody>
+          <a:bodyPr>
+            <a:normAutofit fontScale="90000"/>
+          </a:bodyPr>
+          <a:lstStyle/>
+          <a:p>
+            <a:r>
+              <a:rPr lang="en-US" altLang="zh-CN" dirty="0" err="1">
+                <a:sym typeface="+mn-ea"/>
+              </a:rPr>
+              <a:t>maptaks</a:t>
+            </a:r>
+            <a:r>
+              <a:rPr dirty="0" err="1">
+                <a:sym typeface="+mn-ea"/>
+              </a:rPr>
+              <a:t>与基于</a:t>
+            </a:r>
+            <a:r>
+              <a:rPr lang="en-US" altLang="zh-CN" dirty="0" err="1">
+                <a:sym typeface="+mn-ea"/>
+              </a:rPr>
+              <a:t>ts</a:t>
+            </a:r>
+            <a:r>
+              <a:rPr dirty="0" err="1">
+                <a:sym typeface="+mn-ea"/>
+              </a:rPr>
+              <a:t>的</a:t>
+            </a:r>
+            <a:r>
+              <a:rPr lang="en-US" altLang="zh-CN" dirty="0" err="1">
+                <a:sym typeface="+mn-ea"/>
+              </a:rPr>
+              <a:t>react</a:t>
+            </a:r>
+            <a:r>
+              <a:rPr dirty="0" err="1">
+                <a:sym typeface="+mn-ea"/>
+              </a:rPr>
+              <a:t>项目集成</a:t>
+            </a:r>
+            <a:endParaRPr lang="zh-CN" altLang="en-US" dirty="0"/>
+          </a:p>
+        </p:txBody>
+      </p:sp>
+      <p:sp>
+        <p:nvSpPr>
+          <p:cNvPr id="2" name="页脚占位符 1"/>
+          <p:cNvSpPr>
+            <a:spLocks noGrp="1"/>
+          </p:cNvSpPr>
+          <p:nvPr>
+            <p:ph type="ftr" sz="quarter" idx="11"/>
+          </p:nvPr>
+        </p:nvSpPr>
+        <p:spPr/>
+        <p:txBody>
+          <a:bodyPr/>
+          <a:lstStyle/>
+          <a:p>
+            <a:r>
+              <a:rPr lang="en-US" altLang="zh-CN" smtClean="0"/>
+              <a:t>@AndOrLab</a:t>
+            </a:r>
+            <a:endParaRPr lang="zh-CN" altLang="en-US"/>
+          </a:p>
+        </p:txBody>
+      </p:sp>
+    </p:spTree>
+  </p:cSld>
+  <p:clrMapOvr>
+    <a:masterClrMapping/>
+  </p:clrMapOvr>
+  <p:timing>
+    <p:tnLst>
+      <p:par>
+        <p:cTn id="1" dur="indefinite" restart="never" nodeType="tmRoot"/>
+      </p:par>
+    </p:tnLst>
+  </p:timing>
+</p:sld>
+</file>
+
+<file path=ppt/slides/slide7.xml><?xml version="1.0" encoding="utf-8"?>
+<p:sld xmlns:a="http://schemas.openxmlformats.org/drawingml/2006/main" xmlns:r="http://schemas.openxmlformats.org/officeDocument/2006/relationships" xmlns:p="http://schemas.openxmlformats.org/presentationml/2006/main">
+  <p:cSld>
+    <p:spTree>
+      <p:nvGrpSpPr>
+        <p:cNvPr id="1" name=""/>
+        <p:cNvGrpSpPr/>
+        <p:nvPr/>
+      </p:nvGrpSpPr>
+      <p:grpSpPr>
+        <a:xfrm>
+          <a:off x="0" y="0"/>
+          <a:ext cx="0" cy="0"/>
+          <a:chOff x="0" y="0"/>
+          <a:chExt cx="0" cy="0"/>
+        </a:xfrm>
+      </p:grpSpPr>
+      <p:sp>
+        <p:nvSpPr>
+          <p:cNvPr id="6" name="标题 5"/>
+          <p:cNvSpPr>
+            <a:spLocks noGrp="1"/>
+          </p:cNvSpPr>
+          <p:nvPr>
+            <p:ph type="ctrTitle"/>
+          </p:nvPr>
+        </p:nvSpPr>
+        <p:spPr>
+          <a:xfrm>
+            <a:off x="1523999" y="2741624"/>
+            <a:ext cx="8756591" cy="1374753"/>
+          </a:xfrm>
+        </p:spPr>
+        <p:txBody>
+          <a:bodyPr>
+            <a:normAutofit/>
+          </a:bodyPr>
+          <a:lstStyle/>
+          <a:p>
+            <a:r>
+              <a:rPr lang="en-US" altLang="zh-CN" dirty="0" err="1">
+                <a:sym typeface="+mn-ea"/>
+              </a:rPr>
+              <a:t>m</a:t>
+            </a:r>
+            <a:r>
+              <a:rPr lang="en-US" altLang="zh-CN" dirty="0" err="1" smtClean="0">
+                <a:sym typeface="+mn-ea"/>
+              </a:rPr>
+              <a:t>aptaks</a:t>
+            </a:r>
+            <a:r>
+              <a:rPr lang="zh-CN" altLang="en-US" dirty="0" smtClean="0">
+                <a:sym typeface="+mn-ea"/>
+              </a:rPr>
+              <a:t>使用</a:t>
+            </a:r>
+            <a:endParaRPr lang="zh-CN" altLang="en-US" dirty="0"/>
+          </a:p>
+        </p:txBody>
+      </p:sp>
+      <p:sp>
+        <p:nvSpPr>
+          <p:cNvPr id="7" name="副标题 6"/>
+          <p:cNvSpPr>
+            <a:spLocks noGrp="1"/>
+          </p:cNvSpPr>
+          <p:nvPr>
+            <p:ph type="subTitle" idx="1"/>
+          </p:nvPr>
+        </p:nvSpPr>
+        <p:spPr/>
+        <p:txBody>
+          <a:bodyPr>
+            <a:normAutofit fontScale="80000"/>
+          </a:bodyPr>
+          <a:lstStyle/>
+          <a:p>
+            <a:r>
+              <a:rPr lang="zh-CN" altLang="en-US"/>
+              <a:t>杜秀秀</a:t>
+            </a:r>
+            <a:endParaRPr lang="zh-CN" altLang="en-US"/>
+          </a:p>
+        </p:txBody>
+      </p:sp>
+      <p:sp>
+        <p:nvSpPr>
+          <p:cNvPr id="5" name="页脚占位符 4"/>
+          <p:cNvSpPr>
+            <a:spLocks noGrp="1"/>
+          </p:cNvSpPr>
+          <p:nvPr>
+            <p:ph type="ftr" sz="quarter" idx="10"/>
+          </p:nvPr>
+        </p:nvSpPr>
+        <p:spPr/>
+        <p:txBody>
+          <a:bodyPr/>
+          <a:lstStyle/>
+          <a:p>
+            <a:r>
+              <a:rPr lang="en-US" altLang="zh-CN" smtClean="0"/>
+              <a:t>@AndOrLab</a:t>
+            </a:r>
+            <a:endParaRPr lang="zh-CN" altLang="en-US"/>
+          </a:p>
+        </p:txBody>
+      </p:sp>
+    </p:spTree>
+  </p:cSld>
+  <p:clrMapOvr>
+    <a:masterClrMapping/>
+  </p:clrMapOvr>
+  <p:timing>
+    <p:tnLst>
+      <p:par>
+        <p:cTn id="1" dur="indefinite" restart="never" nodeType="tmRoot"/>
+      </p:par>
+    </p:tnLst>
+  </p:timing>
+</p:sld>
+</file>
+
+<file path=ppt/slides/slide8.xml><?xml version="1.0" encoding="utf-8"?>
+<p:sld xmlns:a="http://schemas.openxmlformats.org/drawingml/2006/main" xmlns:r="http://schemas.openxmlformats.org/officeDocument/2006/relationships" xmlns:p="http://schemas.openxmlformats.org/presentationml/2006/main">
+  <p:cSld>
+    <p:spTree>
+      <p:nvGrpSpPr>
+        <p:cNvPr id="1" name=""/>
+        <p:cNvGrpSpPr/>
+        <p:nvPr/>
+      </p:nvGrpSpPr>
+      <p:grpSpPr>
+        <a:xfrm>
+          <a:off x="0" y="0"/>
+          <a:ext cx="0" cy="0"/>
+          <a:chOff x="0" y="0"/>
+          <a:chExt cx="0" cy="0"/>
+        </a:xfrm>
+      </p:grpSpPr>
+      <p:sp>
+        <p:nvSpPr>
+          <p:cNvPr id="3" name="标题 2"/>
+          <p:cNvSpPr>
+            <a:spLocks noGrp="1"/>
+          </p:cNvSpPr>
+          <p:nvPr>
+            <p:ph type="title"/>
+          </p:nvPr>
+        </p:nvSpPr>
+        <p:spPr/>
+        <p:txBody>
+          <a:bodyPr>
+            <a:normAutofit fontScale="90000"/>
+          </a:bodyPr>
+          <a:lstStyle/>
           <a:p>
             <a:r>
               <a:rPr lang="en-US" altLang="zh-CN"/>
@@ -4313,7 +6303,7 @@
             </a:r>
             <a:r>
               <a:rPr lang="zh-CN" altLang="en-US"/>
-              <a:t>介绍</a:t>
+              <a:t>使用</a:t>
             </a:r>
             <a:endParaRPr lang="zh-CN" altLang="en-US"/>
           </a:p>
@@ -4332,33 +6322,247 @@
         <p:spPr/>
         <p:txBody>
           <a:bodyPr>
-            <a:normAutofit fontScale="70000"/>
+            <a:normAutofit fontScale="92500" lnSpcReduction="10000"/>
           </a:bodyPr>
-          <a:p>
-            <a:r>
-              <a:rPr lang="en-US" altLang="zh-CN">
+          <a:lstStyle/>
+          <a:p>
+            <a:r>
+              <a:rPr lang="en-US" altLang="zh-CN"/>
+              <a:t>map</a:t>
+            </a:r>
+            <a:r>
+              <a:rPr lang="zh-CN" altLang="en-US"/>
+              <a:t>对象介绍</a:t>
+            </a:r>
+            <a:endParaRPr lang="zh-CN" altLang="en-US"/>
+          </a:p>
+        </p:txBody>
+      </p:sp>
+      <p:sp>
+        <p:nvSpPr>
+          <p:cNvPr id="5" name="内容占位符 4"/>
+          <p:cNvSpPr>
+            <a:spLocks noGrp="1"/>
+          </p:cNvSpPr>
+          <p:nvPr>
+            <p:ph sz="quarter" idx="10"/>
+          </p:nvPr>
+        </p:nvSpPr>
+        <p:spPr/>
+        <p:txBody>
+          <a:bodyPr/>
+          <a:lstStyle/>
+          <a:p>
+            <a:pPr marL="0" indent="0">
+              <a:buNone/>
+            </a:pPr>
+            <a:r>
+              <a:rPr lang="en-US" altLang="zh-CN" dirty="0"/>
+              <a:t>map</a:t>
+            </a:r>
+            <a:r>
+              <a:rPr dirty="0"/>
+              <a:t>对象是</a:t>
+            </a:r>
+            <a:r>
+              <a:rPr lang="en-US" altLang="zh-CN" dirty="0"/>
+              <a:t>GIS</a:t>
+            </a:r>
+            <a:r>
+              <a:rPr dirty="0"/>
+              <a:t>开发的基础和核心，后续的所有</a:t>
+            </a:r>
+            <a:r>
+              <a:rPr lang="en-US" altLang="zh-CN" dirty="0">
                 <a:sym typeface="+mn-ea"/>
               </a:rPr>
+              <a:t>GIS</a:t>
+            </a:r>
+            <a:r>
+              <a:rPr dirty="0"/>
+              <a:t>操作都基于</a:t>
+            </a:r>
+            <a:r>
+              <a:rPr lang="en-US" altLang="zh-CN" dirty="0"/>
+              <a:t>map</a:t>
+            </a:r>
+            <a:r>
+              <a:rPr dirty="0"/>
+              <a:t>对象。</a:t>
+            </a:r>
+            <a:endParaRPr dirty="0"/>
+          </a:p>
+          <a:p>
+            <a:pPr marL="0" indent="0">
+              <a:buNone/>
+            </a:pPr>
+            <a:r>
+              <a:rPr dirty="0"/>
+              <a:t>基于</a:t>
+            </a:r>
+            <a:r>
+              <a:rPr lang="en-US" altLang="zh-CN" dirty="0" err="1"/>
               <a:t>maptalks</a:t>
             </a:r>
             <a:r>
-              <a:rPr lang="zh-CN" altLang="en-US">
+              <a:rPr dirty="0"/>
+              <a:t>的</a:t>
+            </a:r>
+            <a:r>
+              <a:rPr lang="en-US" altLang="zh-CN" dirty="0">
                 <a:sym typeface="+mn-ea"/>
               </a:rPr>
-              <a:t>插件</a:t>
-            </a:r>
-            <a:r>
-              <a:rPr lang="en-US" altLang="zh-CN">
-                <a:sym typeface="+mn-ea"/>
-              </a:rPr>
-              <a:t>-maptalks.three</a:t>
-            </a:r>
-            <a:endParaRPr lang="en-US" altLang="zh-CN"/>
-          </a:p>
-          <a:p>
-            <a:endParaRPr lang="zh-CN" altLang="en-US"/>
-          </a:p>
-          <a:p>
+              <a:t>GIS</a:t>
+            </a:r>
+            <a:r>
+              <a:rPr dirty="0"/>
+              <a:t>开发中</a:t>
+            </a:r>
+            <a:r>
+              <a:rPr lang="en-US" altLang="zh-CN" dirty="0"/>
+              <a:t>map</a:t>
+            </a:r>
+            <a:r>
+              <a:rPr dirty="0"/>
+              <a:t>对象由</a:t>
+            </a:r>
+            <a:r>
+              <a:rPr lang="en-US" altLang="zh-CN" dirty="0"/>
+              <a:t>Map</a:t>
+            </a:r>
+            <a:r>
+              <a:rPr dirty="0"/>
+              <a:t>类创建，该类包含多种属性、方法和事件</a:t>
+            </a:r>
+            <a:r>
+              <a:rPr dirty="0" smtClean="0"/>
+              <a:t>。</a:t>
+            </a:r>
+            <a:endParaRPr lang="en-US" dirty="0"/>
+          </a:p>
+          <a:p>
+            <a:pPr marL="0" indent="0">
+              <a:buNone/>
+            </a:pPr>
+            <a:endParaRPr dirty="0" smtClean="0"/>
+          </a:p>
+          <a:p>
+            <a:pPr marL="0" indent="0">
+              <a:buNone/>
+            </a:pPr>
+            <a:endParaRPr dirty="0"/>
+          </a:p>
+        </p:txBody>
+      </p:sp>
+      <p:sp>
+        <p:nvSpPr>
+          <p:cNvPr id="2" name="页脚占位符 1"/>
+          <p:cNvSpPr>
+            <a:spLocks noGrp="1"/>
+          </p:cNvSpPr>
+          <p:nvPr>
+            <p:ph type="ftr" sz="quarter" idx="12"/>
+          </p:nvPr>
+        </p:nvSpPr>
+        <p:spPr/>
+        <p:txBody>
+          <a:bodyPr/>
+          <a:lstStyle/>
+          <a:p>
+            <a:r>
+              <a:rPr lang="en-US" altLang="zh-CN" smtClean="0"/>
+              <a:t>@AndOrLab</a:t>
+            </a:r>
+            <a:endParaRPr lang="zh-CN" altLang="en-US"/>
+          </a:p>
+        </p:txBody>
+      </p:sp>
+    </p:spTree>
+  </p:cSld>
+  <p:clrMapOvr>
+    <a:masterClrMapping/>
+  </p:clrMapOvr>
+  <p:timing>
+    <p:tnLst>
+      <p:par>
+        <p:cTn id="1" dur="indefinite" restart="never" nodeType="tmRoot"/>
+      </p:par>
+    </p:tnLst>
+  </p:timing>
+</p:sld>
+</file>
+
+<file path=ppt/slides/slide9.xml><?xml version="1.0" encoding="utf-8"?>
+<p:sld xmlns:a="http://schemas.openxmlformats.org/drawingml/2006/main" xmlns:r="http://schemas.openxmlformats.org/officeDocument/2006/relationships" xmlns:p="http://schemas.openxmlformats.org/presentationml/2006/main">
+  <p:cSld>
+    <p:spTree>
+      <p:nvGrpSpPr>
+        <p:cNvPr id="1" name=""/>
+        <p:cNvGrpSpPr/>
+        <p:nvPr/>
+      </p:nvGrpSpPr>
+      <p:grpSpPr>
+        <a:xfrm>
+          <a:off x="0" y="0"/>
+          <a:ext cx="0" cy="0"/>
+          <a:chOff x="0" y="0"/>
+          <a:chExt cx="0" cy="0"/>
+        </a:xfrm>
+      </p:grpSpPr>
+      <p:sp>
+        <p:nvSpPr>
+          <p:cNvPr id="3" name="标题 2"/>
+          <p:cNvSpPr>
+            <a:spLocks noGrp="1"/>
+          </p:cNvSpPr>
+          <p:nvPr>
+            <p:ph type="title"/>
+          </p:nvPr>
+        </p:nvSpPr>
+        <p:spPr/>
+        <p:txBody>
+          <a:bodyPr>
+            <a:normAutofit fontScale="90000"/>
+          </a:bodyPr>
+          <a:lstStyle/>
+          <a:p>
+            <a:r>
+              <a:rPr lang="en-US" altLang="zh-CN"/>
+              <a:t>maptalks</a:t>
+            </a:r>
+            <a:r>
+              <a:rPr lang="zh-CN" altLang="en-US"/>
+              <a:t>使用</a:t>
+            </a:r>
+            <a:endParaRPr lang="zh-CN" altLang="en-US"/>
+          </a:p>
+        </p:txBody>
+      </p:sp>
+      <p:sp>
+        <p:nvSpPr>
+          <p:cNvPr id="4" name="文本占位符 3"/>
+          <p:cNvSpPr>
+            <a:spLocks noGrp="1"/>
+          </p:cNvSpPr>
+          <p:nvPr>
+            <p:ph type="body" sz="quarter" idx="11"/>
+          </p:nvPr>
+        </p:nvSpPr>
+        <p:spPr/>
+        <p:txBody>
+          <a:bodyPr>
+            <a:normAutofit fontScale="92500" lnSpcReduction="10000"/>
+          </a:bodyPr>
+          <a:lstStyle/>
+          <a:p>
+            <a:r>
+              <a:rPr lang="en-US" altLang="zh-CN"/>
+              <a:t>map</a:t>
+            </a:r>
+            <a:r>
+              <a:rPr lang="zh-CN" altLang="en-US"/>
+              <a:t>对象创建</a:t>
+            </a:r>
             <a:endParaRPr lang="zh-CN" altLang="en-US"/>
           </a:p>
         </p:txBody>
@@ -4373,18 +6577,62 @@
             <p:ph sz="quarter" idx="10"/>
           </p:nvPr>
         </p:nvSpPr>
-        <p:spPr/>
+        <p:spPr>
+          <a:xfrm>
+            <a:off x="464185" y="1477010"/>
+            <a:ext cx="11233785" cy="2473960"/>
+          </a:xfrm>
+        </p:spPr>
         <p:txBody>
           <a:bodyPr/>
-          <a:p>
-            <a:r>
-              <a:rPr lang="en-US" altLang="zh-CN"/>
-              <a:t>http://maptalks.org/maptalks.three/demo/infantry.html</a:t>
-            </a:r>
-            <a:endParaRPr lang="en-US" altLang="zh-CN"/>
-          </a:p>
-          <a:p>
-            <a:endParaRPr lang="en-US" altLang="zh-CN"/>
+          <a:lstStyle/>
+          <a:p>
+            <a:pPr marL="0" indent="0">
+              <a:buNone/>
+            </a:pPr>
+            <a:endParaRPr lang="zh-CN" altLang="en-US" dirty="0"/>
+          </a:p>
+          <a:p>
+            <a:pPr marL="0" indent="0">
+              <a:buNone/>
+            </a:pPr>
+            <a:endParaRPr lang="zh-CN" altLang="en-US" dirty="0"/>
+          </a:p>
+          <a:p>
+            <a:pPr marL="0" indent="0">
+              <a:buNone/>
+            </a:pPr>
+            <a:endParaRPr lang="zh-CN" altLang="en-US" dirty="0"/>
+          </a:p>
+          <a:p>
+            <a:pPr marL="0" indent="0">
+              <a:buNone/>
+            </a:pPr>
+            <a:endParaRPr lang="zh-CN" altLang="en-US" dirty="0"/>
+          </a:p>
+          <a:p>
+            <a:pPr marL="0" indent="0">
+              <a:buNone/>
+            </a:pPr>
+            <a:endParaRPr lang="zh-CN" altLang="en-US" dirty="0"/>
+          </a:p>
+          <a:p>
+            <a:pPr marL="0" indent="0">
+              <a:buNone/>
+            </a:pPr>
+            <a:endParaRPr lang="zh-CN" altLang="en-US" dirty="0"/>
+          </a:p>
+          <a:p>
+            <a:pPr marL="0" indent="0">
+              <a:buNone/>
+            </a:pPr>
+            <a:endParaRPr lang="zh-CN" altLang="en-US" dirty="0"/>
+          </a:p>
+          <a:p>
+            <a:pPr marL="0" indent="0">
+              <a:buNone/>
+            </a:pPr>
+            <a:endParaRPr lang="zh-CN" altLang="en-US" dirty="0"/>
           </a:p>
         </p:txBody>
       </p:sp>
@@ -4401,6 +6649,7 @@
         <p:spPr/>
         <p:txBody>
           <a:bodyPr/>
+          <a:lstStyle/>
           <a:p>
             <a:r>
               <a:rPr lang="en-US" altLang="zh-CN" smtClean="0"/>
@@ -4426,713 +6675,71 @@
         </p:blipFill>
         <p:spPr>
           <a:xfrm>
-            <a:off x="653415" y="1971040"/>
-            <a:ext cx="6104890" cy="4295140"/>
+            <a:off x="575298" y="1539808"/>
+            <a:ext cx="10836306" cy="4339697"/>
           </a:xfrm>
           <a:prstGeom prst="rect">
             <a:avLst/>
           </a:prstGeom>
         </p:spPr>
       </p:pic>
+      <p:sp>
+        <p:nvSpPr>
+          <p:cNvPr id="7" name="文本框 6"/>
+          <p:cNvSpPr txBox="1"/>
+          <p:nvPr/>
+        </p:nvSpPr>
+        <p:spPr>
+          <a:xfrm flipH="1">
+            <a:off x="575298" y="6203414"/>
+            <a:ext cx="7098565" cy="646331"/>
+          </a:xfrm>
+          <a:prstGeom prst="rect">
+            <a:avLst/>
+          </a:prstGeom>
+          <a:noFill/>
+        </p:spPr>
+        <p:txBody>
+          <a:bodyPr wrap="square" rtlCol="0">
+            <a:spAutoFit/>
+          </a:bodyPr>
+          <a:lstStyle/>
+          <a:p>
+            <a:r>
+              <a:rPr lang="zh-CN" altLang="en-US" dirty="0">
+                <a:solidFill>
+                  <a:srgbClr val="FF0000"/>
+                </a:solidFill>
+              </a:rPr>
+              <a:t>http://maptalks.org/maptalks.js/api/0.x/Map.html</a:t>
+            </a:r>
+            <a:endParaRPr lang="zh-CN" altLang="en-US" dirty="0">
+              <a:solidFill>
+                <a:srgbClr val="FF0000"/>
+              </a:solidFill>
+            </a:endParaRPr>
+          </a:p>
+          <a:p>
+            <a:endParaRPr lang="zh-CN" altLang="en-US" dirty="0">
+              <a:solidFill>
+                <a:srgbClr val="FF0000"/>
+              </a:solidFill>
+            </a:endParaRPr>
+          </a:p>
+        </p:txBody>
+      </p:sp>
     </p:spTree>
   </p:cSld>
   <p:clrMapOvr>
     <a:masterClrMapping/>
   </p:clrMapOvr>
-</p:sld>
-</file>
-
-<file path=ppt/slides/slide6.xml><?xml version="1.0" encoding="utf-8"?>
-<p:sld xmlns:a="http://schemas.openxmlformats.org/drawingml/2006/main" xmlns:r="http://schemas.openxmlformats.org/officeDocument/2006/relationships" xmlns:p="http://schemas.openxmlformats.org/presentationml/2006/main">
-  <p:cSld>
-    <p:spTree>
-      <p:nvGrpSpPr>
-        <p:cNvPr id="1" name=""/>
-        <p:cNvGrpSpPr/>
-        <p:nvPr/>
-      </p:nvGrpSpPr>
-      <p:grpSpPr/>
-      <p:sp>
-        <p:nvSpPr>
-          <p:cNvPr id="3" name="标题 2"/>
-          <p:cNvSpPr>
-            <a:spLocks noGrp="1"/>
-          </p:cNvSpPr>
-          <p:nvPr>
-            <p:ph type="title"/>
-          </p:nvPr>
-        </p:nvSpPr>
-        <p:spPr/>
-        <p:txBody>
-          <a:bodyPr>
-            <a:normAutofit fontScale="90000"/>
-          </a:bodyPr>
-          <a:p>
-            <a:r>
-              <a:rPr lang="en-US" altLang="zh-CN"/>
-              <a:t>maptalks</a:t>
-            </a:r>
-            <a:r>
-              <a:rPr lang="zh-CN" altLang="en-US"/>
-              <a:t>介绍</a:t>
-            </a:r>
-            <a:endParaRPr lang="zh-CN" altLang="en-US"/>
-          </a:p>
-        </p:txBody>
-      </p:sp>
-      <p:sp>
-        <p:nvSpPr>
-          <p:cNvPr id="4" name="文本占位符 3"/>
-          <p:cNvSpPr>
-            <a:spLocks noGrp="1"/>
-          </p:cNvSpPr>
-          <p:nvPr>
-            <p:ph type="body" sz="quarter" idx="11"/>
-          </p:nvPr>
-        </p:nvSpPr>
-        <p:spPr/>
-        <p:txBody>
-          <a:bodyPr>
-            <a:normAutofit fontScale="70000"/>
-          </a:bodyPr>
-          <a:p>
-            <a:r>
-              <a:rPr lang="en-US" altLang="zh-CN"/>
-              <a:t>maptalks</a:t>
-            </a:r>
-            <a:r>
-              <a:rPr lang="zh-CN" altLang="en-US"/>
-              <a:t>插件</a:t>
-            </a:r>
-            <a:r>
-              <a:rPr lang="en-US" altLang="zh-CN"/>
-              <a:t>-</a:t>
-            </a:r>
-            <a:r>
-              <a:rPr lang="zh-CN" altLang="en-US">
-                <a:sym typeface="+mn-ea"/>
-              </a:rPr>
-              <a:t>maptalks.mapboxgl</a:t>
-            </a:r>
-            <a:endParaRPr lang="en-US" altLang="zh-CN"/>
-          </a:p>
-        </p:txBody>
-      </p:sp>
-      <p:sp>
-        <p:nvSpPr>
-          <p:cNvPr id="5" name="内容占位符 4"/>
-          <p:cNvSpPr>
-            <a:spLocks noGrp="1"/>
-          </p:cNvSpPr>
-          <p:nvPr>
-            <p:ph sz="quarter" idx="10"/>
-          </p:nvPr>
-        </p:nvSpPr>
-        <p:spPr/>
-        <p:txBody>
-          <a:bodyPr/>
-          <a:p>
-            <a:r>
-              <a:rPr lang="zh-CN" altLang="en-US"/>
-              <a:t>https://github.com/maptalks/maptalks.mapboxgl</a:t>
-            </a:r>
-            <a:endParaRPr lang="zh-CN" altLang="en-US"/>
-          </a:p>
-          <a:p>
-            <a:pPr lvl="1"/>
-            <a:r>
-              <a:rPr lang="zh-CN" altLang="en-US"/>
-              <a:t>实现在</a:t>
-            </a:r>
-            <a:r>
-              <a:rPr lang="en-US" altLang="zh-CN"/>
-              <a:t>maptalks</a:t>
-            </a:r>
-            <a:r>
-              <a:t>中对</a:t>
-            </a:r>
-            <a:r>
-              <a:rPr lang="en-US" altLang="zh-CN"/>
-              <a:t>mapbox</a:t>
-            </a:r>
-            <a:r>
-              <a:t>服务的调用</a:t>
-            </a:r>
-            <a:endParaRPr lang="zh-CN" altLang="en-US"/>
-          </a:p>
-          <a:p>
-            <a:pPr marL="0" indent="0">
-              <a:buNone/>
-            </a:pPr>
-            <a:endParaRPr lang="zh-CN" altLang="en-US"/>
-          </a:p>
-        </p:txBody>
-      </p:sp>
-      <p:sp>
-        <p:nvSpPr>
-          <p:cNvPr id="2" name="页脚占位符 1"/>
-          <p:cNvSpPr>
-            <a:spLocks noGrp="1"/>
-          </p:cNvSpPr>
-          <p:nvPr>
-            <p:ph type="ftr" sz="quarter" idx="12"/>
-          </p:nvPr>
-        </p:nvSpPr>
-        <p:spPr/>
-        <p:txBody>
-          <a:bodyPr/>
-          <a:p>
-            <a:r>
-              <a:rPr lang="en-US" altLang="zh-CN" smtClean="0"/>
-              <a:t>@AndOrLab</a:t>
-            </a:r>
-            <a:endParaRPr lang="zh-CN" altLang="en-US"/>
-          </a:p>
-        </p:txBody>
-      </p:sp>
-      <p:pic>
-        <p:nvPicPr>
-          <p:cNvPr id="6" name="图片 5"/>
-          <p:cNvPicPr>
-            <a:picLocks noChangeAspect="1"/>
-          </p:cNvPicPr>
-          <p:nvPr/>
-        </p:nvPicPr>
-        <p:blipFill>
-          <a:blip r:embed="rId1"/>
-          <a:stretch>
-            <a:fillRect/>
-          </a:stretch>
-        </p:blipFill>
-        <p:spPr>
-          <a:xfrm>
-            <a:off x="934720" y="2362200"/>
-            <a:ext cx="5733415" cy="3609340"/>
-          </a:xfrm>
-          <a:prstGeom prst="rect">
-            <a:avLst/>
-          </a:prstGeom>
-        </p:spPr>
-      </p:pic>
-    </p:spTree>
-  </p:cSld>
-  <p:clrMapOvr>
-    <a:masterClrMapping/>
-  </p:clrMapOvr>
-</p:sld>
-</file>
-
-<file path=ppt/slides/slide7.xml><?xml version="1.0" encoding="utf-8"?>
-<p:sld xmlns:a="http://schemas.openxmlformats.org/drawingml/2006/main" xmlns:r="http://schemas.openxmlformats.org/officeDocument/2006/relationships" xmlns:p="http://schemas.openxmlformats.org/presentationml/2006/main">
-  <p:cSld>
-    <p:spTree>
-      <p:nvGrpSpPr>
-        <p:cNvPr id="1" name=""/>
-        <p:cNvGrpSpPr/>
-        <p:nvPr/>
-      </p:nvGrpSpPr>
-      <p:grpSpPr/>
-      <p:sp>
-        <p:nvSpPr>
-          <p:cNvPr id="3" name="标题 2"/>
-          <p:cNvSpPr>
-            <a:spLocks noGrp="1"/>
-          </p:cNvSpPr>
-          <p:nvPr>
-            <p:ph type="title"/>
-          </p:nvPr>
-        </p:nvSpPr>
-        <p:spPr/>
-        <p:txBody>
-          <a:bodyPr>
-            <a:normAutofit fontScale="90000"/>
-          </a:bodyPr>
-          <a:p>
-            <a:r>
-              <a:rPr lang="en-US" altLang="zh-CN"/>
-              <a:t>maptalks</a:t>
-            </a:r>
-            <a:r>
-              <a:rPr lang="zh-CN" altLang="en-US"/>
-              <a:t>介绍</a:t>
-            </a:r>
-            <a:endParaRPr lang="zh-CN" altLang="en-US"/>
-          </a:p>
-        </p:txBody>
-      </p:sp>
-      <p:sp>
-        <p:nvSpPr>
-          <p:cNvPr id="4" name="文本占位符 3"/>
-          <p:cNvSpPr>
-            <a:spLocks noGrp="1"/>
-          </p:cNvSpPr>
-          <p:nvPr>
-            <p:ph type="body" sz="quarter" idx="11"/>
-          </p:nvPr>
-        </p:nvSpPr>
-        <p:spPr/>
-        <p:txBody>
-          <a:bodyPr>
-            <a:normAutofit fontScale="70000"/>
-          </a:bodyPr>
-          <a:p>
-            <a:r>
-              <a:rPr lang="en-US" altLang="zh-CN"/>
-              <a:t>maptalks</a:t>
-            </a:r>
-            <a:r>
-              <a:rPr lang="zh-CN" altLang="en-US"/>
-              <a:t>的局限</a:t>
-            </a:r>
-            <a:endParaRPr lang="zh-CN" altLang="en-US"/>
-          </a:p>
-        </p:txBody>
-      </p:sp>
-      <p:sp>
-        <p:nvSpPr>
-          <p:cNvPr id="5" name="内容占位符 4"/>
-          <p:cNvSpPr>
-            <a:spLocks noGrp="1"/>
-          </p:cNvSpPr>
-          <p:nvPr>
-            <p:ph sz="quarter" idx="10"/>
-          </p:nvPr>
-        </p:nvSpPr>
-        <p:spPr/>
-        <p:txBody>
-          <a:bodyPr/>
-          <a:p>
-            <a:r>
-              <a:rPr lang="en-US" altLang="zh-CN"/>
-              <a:t>maptalks</a:t>
-            </a:r>
-            <a:r>
-              <a:t>的局限性主要在于它只能加载切片服务，所以基于动态服务的所有功能都不能实现，比如地图查询，冲突分析等等一系列更偏向</a:t>
-            </a:r>
-            <a:r>
-              <a:rPr lang="en-US" altLang="zh-CN"/>
-              <a:t>GIS</a:t>
-            </a:r>
-            <a:r>
-              <a:t>的功能。</a:t>
-            </a:r>
-          </a:p>
-          <a:p>
-            <a:r>
-              <a:t>什么是动态服务？动态服务和切片服务的区别？</a:t>
-            </a:r>
-          </a:p>
-          <a:p>
-            <a:pPr marL="0" indent="0">
-              <a:buNone/>
-            </a:pPr>
-            <a:r>
-              <a:rPr lang="en-US" altLang="zh-CN">
-                <a:sym typeface="+mn-ea"/>
-              </a:rPr>
-              <a:t>		</a:t>
-            </a:r>
-            <a:r>
-              <a:rPr>
-                <a:sym typeface="+mn-ea"/>
-              </a:rPr>
-              <a:t>切片后显示效率高，不切片的话每次加载或图像范围发生变化都需要重新渲染地图由</a:t>
-            </a:r>
-            <a:r>
-              <a:rPr lang="en-US" altLang="zh-CN">
-                <a:sym typeface="+mn-ea"/>
-              </a:rPr>
-              <a:t>		</a:t>
-            </a:r>
-            <a:r>
-              <a:rPr>
-                <a:sym typeface="+mn-ea"/>
-              </a:rPr>
-              <a:t>此可见：</a:t>
-            </a:r>
-            <a:endParaRPr>
-              <a:sym typeface="+mn-ea"/>
-            </a:endParaRPr>
-          </a:p>
-          <a:p>
-            <a:pPr lvl="1"/>
-            <a:r>
-              <a:rPr>
-                <a:sym typeface="+mn-ea"/>
-              </a:rPr>
-              <a:t>动态服务是实时渲染的，它不能脱离服务器可支持编辑、查询、分析等功能。</a:t>
-            </a:r>
-            <a:endParaRPr>
-              <a:sym typeface="+mn-ea"/>
-            </a:endParaRPr>
-          </a:p>
-          <a:p>
-            <a:pPr lvl="1"/>
-            <a:r>
-              <a:rPr>
-                <a:sym typeface="+mn-ea"/>
-              </a:rPr>
-              <a:t>切片服务本质是一张张图片、只能浏览，可实现离线。</a:t>
-            </a:r>
-            <a:endParaRPr>
-              <a:sym typeface="+mn-ea"/>
-            </a:endParaRPr>
-          </a:p>
-        </p:txBody>
-      </p:sp>
-      <p:sp>
-        <p:nvSpPr>
-          <p:cNvPr id="2" name="页脚占位符 1"/>
-          <p:cNvSpPr>
-            <a:spLocks noGrp="1"/>
-          </p:cNvSpPr>
-          <p:nvPr>
-            <p:ph type="ftr" sz="quarter" idx="12"/>
-          </p:nvPr>
-        </p:nvSpPr>
-        <p:spPr/>
-        <p:txBody>
-          <a:bodyPr/>
-          <a:p>
-            <a:r>
-              <a:rPr lang="en-US" altLang="zh-CN" smtClean="0"/>
-              <a:t>@AndOrLab</a:t>
-            </a:r>
-            <a:endParaRPr lang="zh-CN" altLang="en-US"/>
-          </a:p>
-        </p:txBody>
-      </p:sp>
-    </p:spTree>
-  </p:cSld>
-  <p:clrMapOvr>
-    <a:masterClrMapping/>
-  </p:clrMapOvr>
-</p:sld>
-</file>
-
-<file path=ppt/slides/slide8.xml><?xml version="1.0" encoding="utf-8"?>
-<p:sld xmlns:a="http://schemas.openxmlformats.org/drawingml/2006/main" xmlns:r="http://schemas.openxmlformats.org/officeDocument/2006/relationships" xmlns:p="http://schemas.openxmlformats.org/presentationml/2006/main">
-  <p:cSld>
-    <p:spTree>
-      <p:nvGrpSpPr>
-        <p:cNvPr id="1" name=""/>
-        <p:cNvGrpSpPr/>
-        <p:nvPr/>
-      </p:nvGrpSpPr>
-      <p:grpSpPr/>
-      <p:sp>
-        <p:nvSpPr>
-          <p:cNvPr id="3" name="内容占位符 2"/>
-          <p:cNvSpPr>
-            <a:spLocks noGrp="1"/>
-          </p:cNvSpPr>
-          <p:nvPr>
-            <p:ph sz="quarter" idx="10"/>
-          </p:nvPr>
-        </p:nvSpPr>
-        <p:spPr>
-          <a:xfrm>
-            <a:off x="479062" y="1079653"/>
-            <a:ext cx="11234058" cy="5502666"/>
-          </a:xfrm>
-        </p:spPr>
-        <p:txBody>
-          <a:bodyPr/>
-          <a:p>
-            <a:r>
-              <a:rPr lang="zh-CN" altLang="en-US"/>
-              <a:t>依赖安装</a:t>
-            </a:r>
-            <a:endParaRPr lang="zh-CN" altLang="en-US"/>
-          </a:p>
-          <a:p>
-            <a:r>
-              <a:rPr lang="en-US" altLang="zh-CN"/>
-              <a:t>ts</a:t>
-            </a:r>
-            <a:r>
-              <a:t>支持</a:t>
-            </a:r>
-          </a:p>
-          <a:p>
-            <a:r>
-              <a:t>包的导入</a:t>
-            </a:r>
-          </a:p>
-        </p:txBody>
-      </p:sp>
-      <p:sp>
-        <p:nvSpPr>
-          <p:cNvPr id="4" name="标题 3"/>
-          <p:cNvSpPr>
-            <a:spLocks noGrp="1"/>
-          </p:cNvSpPr>
-          <p:nvPr>
-            <p:ph type="title"/>
-          </p:nvPr>
-        </p:nvSpPr>
-        <p:spPr/>
-        <p:txBody>
-          <a:bodyPr>
-            <a:normAutofit fontScale="90000"/>
-          </a:bodyPr>
-          <a:p>
-            <a:r>
-              <a:rPr lang="en-US" altLang="zh-CN">
-                <a:sym typeface="+mn-ea"/>
-              </a:rPr>
-              <a:t>maptaks</a:t>
-            </a:r>
-            <a:r>
-              <a:rPr>
-                <a:sym typeface="+mn-ea"/>
-              </a:rPr>
-              <a:t>与基于</a:t>
-            </a:r>
-            <a:r>
-              <a:rPr lang="en-US" altLang="zh-CN">
-                <a:sym typeface="+mn-ea"/>
-              </a:rPr>
-              <a:t>ts</a:t>
-            </a:r>
-            <a:r>
-              <a:rPr>
-                <a:sym typeface="+mn-ea"/>
-              </a:rPr>
-              <a:t>的</a:t>
-            </a:r>
-            <a:r>
-              <a:rPr lang="en-US" altLang="zh-CN">
-                <a:sym typeface="+mn-ea"/>
-              </a:rPr>
-              <a:t>react</a:t>
-            </a:r>
-            <a:r>
-              <a:rPr>
-                <a:sym typeface="+mn-ea"/>
-              </a:rPr>
-              <a:t>项目集成</a:t>
-            </a:r>
-            <a:endParaRPr lang="zh-CN" altLang="en-US"/>
-          </a:p>
-        </p:txBody>
-      </p:sp>
-      <p:sp>
-        <p:nvSpPr>
-          <p:cNvPr id="2" name="页脚占位符 1"/>
-          <p:cNvSpPr>
-            <a:spLocks noGrp="1"/>
-          </p:cNvSpPr>
-          <p:nvPr>
-            <p:ph type="ftr" sz="quarter" idx="11"/>
-          </p:nvPr>
-        </p:nvSpPr>
-        <p:spPr/>
-        <p:txBody>
-          <a:bodyPr/>
-          <a:p>
-            <a:r>
-              <a:rPr lang="en-US" altLang="zh-CN" smtClean="0"/>
-              <a:t>@AndOrLab</a:t>
-            </a:r>
-            <a:endParaRPr lang="zh-CN" altLang="en-US"/>
-          </a:p>
-        </p:txBody>
-      </p:sp>
-    </p:spTree>
-  </p:cSld>
-  <p:clrMapOvr>
-    <a:masterClrMapping/>
-  </p:clrMapOvr>
-</p:sld>
-</file>
-
-<file path=ppt/slides/slide9.xml><?xml version="1.0" encoding="utf-8"?>
-<p:sld xmlns:a="http://schemas.openxmlformats.org/drawingml/2006/main" xmlns:r="http://schemas.openxmlformats.org/officeDocument/2006/relationships" xmlns:p="http://schemas.openxmlformats.org/presentationml/2006/main">
-  <p:cSld>
-    <p:spTree>
-      <p:nvGrpSpPr>
-        <p:cNvPr id="1" name=""/>
-        <p:cNvGrpSpPr/>
-        <p:nvPr/>
-      </p:nvGrpSpPr>
-      <p:grpSpPr/>
-      <p:sp>
-        <p:nvSpPr>
-          <p:cNvPr id="3" name="标题 2"/>
-          <p:cNvSpPr>
-            <a:spLocks noGrp="1"/>
-          </p:cNvSpPr>
-          <p:nvPr>
-            <p:ph type="title"/>
-          </p:nvPr>
-        </p:nvSpPr>
-        <p:spPr/>
-        <p:txBody>
-          <a:bodyPr>
-            <a:normAutofit fontScale="90000"/>
-          </a:bodyPr>
-          <a:p>
-            <a:r>
-              <a:rPr lang="en-US" altLang="zh-CN"/>
-              <a:t>maptalks</a:t>
-            </a:r>
-            <a:r>
-              <a:rPr lang="zh-CN" altLang="en-US"/>
-              <a:t>使用</a:t>
-            </a:r>
-            <a:endParaRPr lang="zh-CN" altLang="en-US"/>
-          </a:p>
-        </p:txBody>
-      </p:sp>
-      <p:sp>
-        <p:nvSpPr>
-          <p:cNvPr id="4" name="文本占位符 3"/>
-          <p:cNvSpPr>
-            <a:spLocks noGrp="1"/>
-          </p:cNvSpPr>
-          <p:nvPr>
-            <p:ph type="body" sz="quarter" idx="11"/>
-          </p:nvPr>
-        </p:nvSpPr>
-        <p:spPr/>
-        <p:txBody>
-          <a:bodyPr>
-            <a:normAutofit fontScale="70000"/>
-          </a:bodyPr>
-          <a:p>
-            <a:r>
-              <a:rPr lang="en-US" altLang="zh-CN"/>
-              <a:t>map</a:t>
-            </a:r>
-            <a:r>
-              <a:rPr lang="zh-CN" altLang="en-US"/>
-              <a:t>对象介绍</a:t>
-            </a:r>
-            <a:endParaRPr lang="zh-CN" altLang="en-US"/>
-          </a:p>
-        </p:txBody>
-      </p:sp>
-      <p:sp>
-        <p:nvSpPr>
-          <p:cNvPr id="5" name="内容占位符 4"/>
-          <p:cNvSpPr>
-            <a:spLocks noGrp="1"/>
-          </p:cNvSpPr>
-          <p:nvPr>
-            <p:ph sz="quarter" idx="10"/>
-          </p:nvPr>
-        </p:nvSpPr>
-        <p:spPr/>
-        <p:txBody>
-          <a:bodyPr/>
-          <a:p>
-            <a:pPr marL="0" indent="0">
-              <a:buNone/>
-            </a:pPr>
-            <a:r>
-              <a:rPr lang="en-US" altLang="zh-CN"/>
-              <a:t>map</a:t>
-            </a:r>
-            <a:r>
-              <a:t>对象是</a:t>
-            </a:r>
-            <a:r>
-              <a:rPr lang="en-US" altLang="zh-CN"/>
-              <a:t>GIS</a:t>
-            </a:r>
-            <a:r>
-              <a:t>开发的基础和核心，后续的所有</a:t>
-            </a:r>
-            <a:r>
-              <a:rPr lang="en-US" altLang="zh-CN">
-                <a:sym typeface="+mn-ea"/>
-              </a:rPr>
-              <a:t>GIS</a:t>
-            </a:r>
-            <a:r>
-              <a:t>操作都基于</a:t>
-            </a:r>
-            <a:r>
-              <a:rPr lang="en-US" altLang="zh-CN"/>
-              <a:t>map</a:t>
-            </a:r>
-            <a:r>
-              <a:t>对象。</a:t>
-            </a:r>
-          </a:p>
-          <a:p>
-            <a:pPr marL="0" indent="0">
-              <a:buNone/>
-            </a:pPr>
-            <a:r>
-              <a:t>基于</a:t>
-            </a:r>
-            <a:r>
-              <a:rPr lang="en-US" altLang="zh-CN"/>
-              <a:t>maptalks</a:t>
-            </a:r>
-            <a:r>
-              <a:t>的</a:t>
-            </a:r>
-            <a:r>
-              <a:rPr lang="en-US" altLang="zh-CN">
-                <a:sym typeface="+mn-ea"/>
-              </a:rPr>
-              <a:t>GIS</a:t>
-            </a:r>
-            <a:r>
-              <a:t>开发中</a:t>
-            </a:r>
-            <a:r>
-              <a:rPr lang="en-US" altLang="zh-CN"/>
-              <a:t>map</a:t>
-            </a:r>
-            <a:r>
-              <a:t>对象由</a:t>
-            </a:r>
-            <a:r>
-              <a:rPr lang="en-US" altLang="zh-CN"/>
-              <a:t>Map</a:t>
-            </a:r>
-            <a:r>
-              <a:t>类创建，该类包含多种属性、方法和事件。</a:t>
-            </a:r>
-          </a:p>
-          <a:p>
-            <a:pPr marL="0" indent="0">
-              <a:buNone/>
-            </a:pPr>
-          </a:p>
-        </p:txBody>
-      </p:sp>
-      <p:sp>
-        <p:nvSpPr>
-          <p:cNvPr id="2" name="页脚占位符 1"/>
-          <p:cNvSpPr>
-            <a:spLocks noGrp="1"/>
-          </p:cNvSpPr>
-          <p:nvPr>
-            <p:ph type="ftr" sz="quarter" idx="12"/>
-          </p:nvPr>
-        </p:nvSpPr>
-        <p:spPr/>
-        <p:txBody>
-          <a:bodyPr/>
-          <a:p>
-            <a:r>
-              <a:rPr lang="en-US" altLang="zh-CN" smtClean="0"/>
-              <a:t>@AndOrLab</a:t>
-            </a:r>
-            <a:endParaRPr lang="zh-CN" altLang="en-US"/>
-          </a:p>
-        </p:txBody>
-      </p:sp>
-    </p:spTree>
-  </p:cSld>
-  <p:clrMapOvr>
-    <a:masterClrMapping/>
-  </p:clrMapOvr>
+  <p:timing>
+    <p:tnLst>
+      <p:par>
+        <p:cTn id="1" dur="indefinite" restart="never" nodeType="tmRoot"/>
+      </p:par>
+    </p:tnLst>
+  </p:timing>
 </p:sld>
 </file>
 
